--- a/PPT and Documentations/groupA136_vis_and_analysis_student_demo_final.pptx
+++ b/PPT and Documentations/groupA136_vis_and_analysis_student_demo_final.pptx
@@ -5,24 +5,28 @@
     <p:sldMasterId id="2147483648" r:id="rId4"/>
   </p:sldMasterIdLst>
   <p:notesMasterIdLst>
-    <p:notesMasterId r:id="rId17"/>
+    <p:notesMasterId r:id="rId21"/>
   </p:notesMasterIdLst>
   <p:handoutMasterIdLst>
-    <p:handoutMasterId r:id="rId18"/>
+    <p:handoutMasterId r:id="rId22"/>
   </p:handoutMasterIdLst>
   <p:sldIdLst>
     <p:sldId id="289" r:id="rId5"/>
     <p:sldId id="329" r:id="rId6"/>
     <p:sldId id="347" r:id="rId7"/>
-    <p:sldId id="341" r:id="rId8"/>
-    <p:sldId id="352" r:id="rId9"/>
-    <p:sldId id="259" r:id="rId10"/>
-    <p:sldId id="351" r:id="rId11"/>
-    <p:sldId id="340" r:id="rId12"/>
-    <p:sldId id="342" r:id="rId13"/>
-    <p:sldId id="262" r:id="rId14"/>
-    <p:sldId id="353" r:id="rId15"/>
-    <p:sldId id="354" r:id="rId16"/>
+    <p:sldId id="355" r:id="rId8"/>
+    <p:sldId id="357" r:id="rId9"/>
+    <p:sldId id="356" r:id="rId10"/>
+    <p:sldId id="358" r:id="rId11"/>
+    <p:sldId id="359" r:id="rId12"/>
+    <p:sldId id="341" r:id="rId13"/>
+    <p:sldId id="352" r:id="rId14"/>
+    <p:sldId id="259" r:id="rId15"/>
+    <p:sldId id="340" r:id="rId16"/>
+    <p:sldId id="351" r:id="rId17"/>
+    <p:sldId id="342" r:id="rId18"/>
+    <p:sldId id="262" r:id="rId19"/>
+    <p:sldId id="354" r:id="rId20"/>
   </p:sldIdLst>
   <p:sldSz cx="12192000" cy="6858000"/>
   <p:notesSz cx="6858000" cy="9144000"/>
@@ -253,7 +257,7 @@
             <a:fld id="{93FAAC3A-BD1F-4A00-9099-74B95789FE00}" type="datetimeFigureOut">
               <a:rPr lang="en-GB" smtClean="0"/>
               <a:pPr/>
-              <a:t>04/12/2025</a:t>
+              <a:t>07/12/2025</a:t>
             </a:fld>
             <a:endParaRPr lang="en-GB"/>
           </a:p>
@@ -377,7 +381,386 @@
 </inkml:ink>
 </file>
 
+<file path=ppt/ink/ink10.xml><?xml version="1.0" encoding="utf-8"?>
+<inkml:ink xmlns:inkml="http://www.w3.org/2003/InkML">
+  <inkml:definitions>
+    <inkml:context xml:id="ctx0">
+      <inkml:inkSource xml:id="inkSrc0">
+        <inkml:traceFormat>
+          <inkml:channel name="X" type="integer" min="-2.14748E9" max="2.14748E9" units="cm"/>
+          <inkml:channel name="Y" type="integer" min="-2.14748E9" max="2.14748E9" units="cm"/>
+          <inkml:channel name="F" type="integer" max="32767" units="dev"/>
+        </inkml:traceFormat>
+        <inkml:channelProperties>
+          <inkml:channelProperty channel="X" name="resolution" value="1000" units="1/cm"/>
+          <inkml:channelProperty channel="Y" name="resolution" value="1000" units="1/cm"/>
+          <inkml:channelProperty channel="F" name="resolution" value="0" units="1/dev"/>
+        </inkml:channelProperties>
+      </inkml:inkSource>
+      <inkml:timestamp xml:id="ts0" timeString="2025-12-07T03:37:02.663"/>
+    </inkml:context>
+    <inkml:brush xml:id="br0">
+      <inkml:brushProperty name="width" value="0.3" units="cm"/>
+      <inkml:brushProperty name="height" value="0.6" units="cm"/>
+      <inkml:brushProperty name="color" value="#FFFC00"/>
+      <inkml:brushProperty name="tip" value="rectangle"/>
+      <inkml:brushProperty name="rasterOp" value="maskPen"/>
+      <inkml:brushProperty name="ignorePressure" value="1"/>
+    </inkml:brush>
+  </inkml:definitions>
+  <inkml:trace contextRef="#ctx0" brushRef="#br0">0 1 0,'1311'54'0</inkml:trace>
+</inkml:ink>
+</file>
+
+<file path=ppt/ink/ink11.xml><?xml version="1.0" encoding="utf-8"?>
+<inkml:ink xmlns:inkml="http://www.w3.org/2003/InkML">
+  <inkml:definitions>
+    <inkml:context xml:id="ctx0">
+      <inkml:inkSource xml:id="inkSrc0">
+        <inkml:traceFormat>
+          <inkml:channel name="X" type="integer" min="-2.14748E9" max="2.14748E9" units="cm"/>
+          <inkml:channel name="Y" type="integer" min="-2.14748E9" max="2.14748E9" units="cm"/>
+        </inkml:traceFormat>
+        <inkml:channelProperties>
+          <inkml:channelProperty channel="X" name="resolution" value="1000" units="1/cm"/>
+          <inkml:channelProperty channel="Y" name="resolution" value="1000" units="1/cm"/>
+        </inkml:channelProperties>
+      </inkml:inkSource>
+      <inkml:timestamp xml:id="ts0" timeString="2025-12-07T07:05:16.984"/>
+    </inkml:context>
+    <inkml:brush xml:id="br0">
+      <inkml:brushProperty name="width" value="0.3" units="cm"/>
+      <inkml:brushProperty name="height" value="0.6" units="cm"/>
+      <inkml:brushProperty name="color" value="#FFFC00"/>
+      <inkml:brushProperty name="tip" value="rectangle"/>
+      <inkml:brushProperty name="rasterOp" value="maskPen"/>
+      <inkml:brushProperty name="ignorePressure" value="1"/>
+    </inkml:brush>
+  </inkml:definitions>
+  <inkml:trace contextRef="#ctx0" brushRef="#br0">1 56,'103'2,"113"-5,-117-10,-62 7,57-2,93-5,13-1,911 15,-1086-1</inkml:trace>
+</inkml:ink>
+</file>
+
+<file path=ppt/ink/ink12.xml><?xml version="1.0" encoding="utf-8"?>
+<inkml:ink xmlns:inkml="http://www.w3.org/2003/InkML">
+  <inkml:definitions>
+    <inkml:context xml:id="ctx0">
+      <inkml:inkSource xml:id="inkSrc0">
+        <inkml:traceFormat>
+          <inkml:channel name="X" type="integer" min="-2.14748E9" max="2.14748E9" units="cm"/>
+          <inkml:channel name="Y" type="integer" min="-2.14748E9" max="2.14748E9" units="cm"/>
+        </inkml:traceFormat>
+        <inkml:channelProperties>
+          <inkml:channelProperty channel="X" name="resolution" value="1000" units="1/cm"/>
+          <inkml:channelProperty channel="Y" name="resolution" value="1000" units="1/cm"/>
+        </inkml:channelProperties>
+      </inkml:inkSource>
+      <inkml:timestamp xml:id="ts0" timeString="2025-12-07T07:05:19.236"/>
+    </inkml:context>
+    <inkml:brush xml:id="br0">
+      <inkml:brushProperty name="width" value="0.3" units="cm"/>
+      <inkml:brushProperty name="height" value="0.6" units="cm"/>
+      <inkml:brushProperty name="color" value="#FFFC00"/>
+      <inkml:brushProperty name="tip" value="rectangle"/>
+      <inkml:brushProperty name="rasterOp" value="maskPen"/>
+      <inkml:brushProperty name="ignorePressure" value="1"/>
+    </inkml:brush>
+  </inkml:definitions>
+  <inkml:trace contextRef="#ctx0" brushRef="#br0">1 3,'314'11,"-37"9,-208-19,0-3,72-10,2-2,252 8,-218 8,-157-1,0 0,0 1,-1 1,25 7,96 13,-57-10,-56-11</inkml:trace>
+</inkml:ink>
+</file>
+
+<file path=ppt/ink/ink13.xml><?xml version="1.0" encoding="utf-8"?>
+<inkml:ink xmlns:inkml="http://www.w3.org/2003/InkML">
+  <inkml:definitions>
+    <inkml:context xml:id="ctx0">
+      <inkml:inkSource xml:id="inkSrc0">
+        <inkml:traceFormat>
+          <inkml:channel name="X" type="integer" min="-2.14748E9" max="2.14748E9" units="cm"/>
+          <inkml:channel name="Y" type="integer" min="-2.14748E9" max="2.14748E9" units="cm"/>
+        </inkml:traceFormat>
+        <inkml:channelProperties>
+          <inkml:channelProperty channel="X" name="resolution" value="1000" units="1/cm"/>
+          <inkml:channelProperty channel="Y" name="resolution" value="1000" units="1/cm"/>
+        </inkml:channelProperties>
+      </inkml:inkSource>
+      <inkml:timestamp xml:id="ts0" timeString="2025-12-07T03:18:41.668"/>
+    </inkml:context>
+    <inkml:brush xml:id="br0">
+      <inkml:brushProperty name="width" value="0.3" units="cm"/>
+      <inkml:brushProperty name="height" value="0.6" units="cm"/>
+      <inkml:brushProperty name="color" value="#FFFC00"/>
+      <inkml:brushProperty name="tip" value="rectangle"/>
+      <inkml:brushProperty name="rasterOp" value="maskPen"/>
+      <inkml:brushProperty name="ignorePressure" value="1"/>
+    </inkml:brush>
+  </inkml:definitions>
+  <inkml:trace contextRef="#ctx0" brushRef="#br0">0 220,'3'2,"-1"0,0 0,1-1,-1 1,1-1,-1 0,1 0,0 0,0 0,-1 0,1 0,0-1,3 1,40-1,-33 0,182-8,165-1,133 9,-457-2,0-2,-1-1,52-15,14-13,-75 23,0 1,0 1,1 2,40-5,41 8,-77 4,0-2,0-1,0-1,0-1,36-11,155-39,-183 46,36-3,0 4,0 2,78 6,-62 0,-86-1,0 0,-1 0,1 0,-1 1,1 0,-1 0,1 0,-1 0,0 0,1 1,-1 0,0 0,4 3,-5-3,-1 1,0-1,0 1,0 0,0-1,0 1,-1 0,1 0,-1 0,0 1,1-1,-2 0,1 0,0 1,-1-1,1 1,-1-1,0 5,0-5,1 1,-1-1,0 0,-1 1,1-1,0 0,-1 1,0-1,0 0,0 1,0-1,0 0,-1 0,1 0,-1 0,0 0,0-1,0 1,-5 4,3-4,0 0,-1 0,0-1,0 0,0 0,0 0,0-1,0 0,0 0,0 0,0 0,-8-1,-101 3,-38 2,-385 11,398-17,108 0,-58-11,56 6,-46-2,-620 6,337 4,228-2,109 0</inkml:trace>
+</inkml:ink>
+</file>
+
+<file path=ppt/ink/ink14.xml><?xml version="1.0" encoding="utf-8"?>
+<inkml:ink xmlns:inkml="http://www.w3.org/2003/InkML">
+  <inkml:definitions>
+    <inkml:context xml:id="ctx0">
+      <inkml:inkSource xml:id="inkSrc0">
+        <inkml:traceFormat>
+          <inkml:channel name="X" type="integer" min="-2.14748E9" max="2.14748E9" units="cm"/>
+          <inkml:channel name="Y" type="integer" min="-2.14748E9" max="2.14748E9" units="cm"/>
+        </inkml:traceFormat>
+        <inkml:channelProperties>
+          <inkml:channelProperty channel="X" name="resolution" value="1000" units="1/cm"/>
+          <inkml:channelProperty channel="Y" name="resolution" value="1000" units="1/cm"/>
+        </inkml:channelProperties>
+      </inkml:inkSource>
+      <inkml:timestamp xml:id="ts0" timeString="2025-12-07T03:18:44.807"/>
+    </inkml:context>
+    <inkml:brush xml:id="br0">
+      <inkml:brushProperty name="width" value="0.3" units="cm"/>
+      <inkml:brushProperty name="height" value="0.6" units="cm"/>
+      <inkml:brushProperty name="color" value="#FFFC00"/>
+      <inkml:brushProperty name="tip" value="rectangle"/>
+      <inkml:brushProperty name="rasterOp" value="maskPen"/>
+      <inkml:brushProperty name="ignorePressure" value="1"/>
+    </inkml:brush>
+  </inkml:definitions>
+  <inkml:trace contextRef="#ctx0" brushRef="#br0">1 37,'221'-2,"242"5,-329 10,15 1,-109-14,0 2,0 2,48 11,20 6,204 13,152-27,-264-9,-72 3,148-3,-259 0,0-1,0-1,-1-1,20-7,-18 5,0 2,0 0,25-4,7 6,63 4,33-2,-119-2,-1-2,0-1,0-1,-1-2,0 0,0-1,30-18,-35 15</inkml:trace>
+</inkml:ink>
+</file>
+
+<file path=ppt/ink/ink15.xml><?xml version="1.0" encoding="utf-8"?>
+<inkml:ink xmlns:inkml="http://www.w3.org/2003/InkML">
+  <inkml:definitions>
+    <inkml:context xml:id="ctx0">
+      <inkml:inkSource xml:id="inkSrc0">
+        <inkml:traceFormat>
+          <inkml:channel name="X" type="integer" min="-2.14748E9" max="2.14748E9" units="cm"/>
+          <inkml:channel name="Y" type="integer" min="-2.14748E9" max="2.14748E9" units="cm"/>
+        </inkml:traceFormat>
+        <inkml:channelProperties>
+          <inkml:channelProperty channel="X" name="resolution" value="1000" units="1/cm"/>
+          <inkml:channelProperty channel="Y" name="resolution" value="1000" units="1/cm"/>
+        </inkml:channelProperties>
+      </inkml:inkSource>
+      <inkml:timestamp xml:id="ts0" timeString="2025-12-07T03:18:54.387"/>
+    </inkml:context>
+    <inkml:brush xml:id="br0">
+      <inkml:brushProperty name="width" value="0.3" units="cm"/>
+      <inkml:brushProperty name="height" value="0.6" units="cm"/>
+      <inkml:brushProperty name="color" value="#FFFC00"/>
+      <inkml:brushProperty name="tip" value="rectangle"/>
+      <inkml:brushProperty name="rasterOp" value="maskPen"/>
+      <inkml:brushProperty name="ignorePressure" value="1"/>
+    </inkml:brush>
+  </inkml:definitions>
+  <inkml:trace contextRef="#ctx0" brushRef="#br0">1 276,'155'-12,"-65"2,653-23,-320 50,-336-9,158-5,-215-7,-1-1,43-13,-42 10,0 1,36-4,-20 5,55-14,33-6,-67 15,110-32,-112 24,123-18,-87 24,-27 3,90 0,-133 10,-4 0,-1 0,46 8,-63-6,0 0,0 1,0 0,-1 0,1 1,-1 0,0 1,0 0,0 0,-1 1,11 10,-1 0,-1 1,20 27,-31-36,0 0,0 1,-1 0,0 0,0 0,-1 0,0 1,2 16,1 31,-2 0,-3 1,-6 57,5-111,0 0,0 0,-1-1,0 1,1 0,-1-1,0 1,-1-1,1 1,-1-1,0 1,1-1,-1 0,-1 0,1 0,0 0,-1 0,1-1,-6 5,4-5,-1 0,1-1,0 1,-1-1,1 0,-1 0,0 0,1 0,-1-1,0 0,1 0,-1 0,0 0,1-1,-8-2,-48-10,-86-30,-13-6,119 43,-1 1,0 3,-1 1,-42 4,-11 0,-4-5,-102 5,112 8,-19 2,-420-8,296-7,199 4,-54 9,-4 1,-220-8,180-6,115 4,0 0,0 0,0 2,0 0,-23 9,20-6,-1-1,0-1,-21 3,-34-2,-42 7,62-7,0-1,-87-5,67-1,52 1</inkml:trace>
+</inkml:ink>
+</file>
+
 <file path=ppt/ink/ink2.xml><?xml version="1.0" encoding="utf-8"?>
+<inkml:ink xmlns:inkml="http://www.w3.org/2003/InkML">
+  <inkml:definitions>
+    <inkml:context xml:id="ctx0">
+      <inkml:inkSource xml:id="inkSrc0">
+        <inkml:traceFormat>
+          <inkml:channel name="X" type="integer" min="-2.14748E9" max="2.14748E9" units="cm"/>
+          <inkml:channel name="Y" type="integer" min="-2.14748E9" max="2.14748E9" units="cm"/>
+          <inkml:channel name="F" type="integer" max="32767" units="dev"/>
+        </inkml:traceFormat>
+        <inkml:channelProperties>
+          <inkml:channelProperty channel="X" name="resolution" value="1000" units="1/cm"/>
+          <inkml:channelProperty channel="Y" name="resolution" value="1000" units="1/cm"/>
+          <inkml:channelProperty channel="F" name="resolution" value="0" units="1/dev"/>
+        </inkml:channelProperties>
+      </inkml:inkSource>
+      <inkml:timestamp xml:id="ts0" timeString="2022-11-23T12:25:27.524"/>
+    </inkml:context>
+    <inkml:brush xml:id="br0">
+      <inkml:brushProperty name="width" value="0.1" units="cm"/>
+      <inkml:brushProperty name="height" value="0.1" units="cm"/>
+      <inkml:brushProperty name="color" value="#E71224"/>
+    </inkml:brush>
+  </inkml:definitions>
+  <inkml:trace contextRef="#ctx0" brushRef="#br0">0 0 24575,'0'0'-8191</inkml:trace>
+</inkml:ink>
+</file>
+
+<file path=ppt/ink/ink3.xml><?xml version="1.0" encoding="utf-8"?>
+<inkml:ink xmlns:inkml="http://www.w3.org/2003/InkML">
+  <inkml:definitions>
+    <inkml:context xml:id="ctx0">
+      <inkml:inkSource xml:id="inkSrc0">
+        <inkml:traceFormat>
+          <inkml:channel name="X" type="integer" min="-2.14748E9" max="2.14748E9" units="cm"/>
+          <inkml:channel name="Y" type="integer" min="-2.14748E9" max="2.14748E9" units="cm"/>
+          <inkml:channel name="F" type="integer" max="32767" units="dev"/>
+        </inkml:traceFormat>
+        <inkml:channelProperties>
+          <inkml:channelProperty channel="X" name="resolution" value="1000" units="1/cm"/>
+          <inkml:channelProperty channel="Y" name="resolution" value="1000" units="1/cm"/>
+          <inkml:channelProperty channel="F" name="resolution" value="0" units="1/dev"/>
+        </inkml:channelProperties>
+      </inkml:inkSource>
+      <inkml:timestamp xml:id="ts0" timeString="2022-11-23T12:25:27.524"/>
+    </inkml:context>
+    <inkml:brush xml:id="br0">
+      <inkml:brushProperty name="width" value="0.1" units="cm"/>
+      <inkml:brushProperty name="height" value="0.1" units="cm"/>
+      <inkml:brushProperty name="color" value="#E71224"/>
+    </inkml:brush>
+  </inkml:definitions>
+  <inkml:trace contextRef="#ctx0" brushRef="#br0">0 0 24575,'0'0'-8191</inkml:trace>
+</inkml:ink>
+</file>
+
+<file path=ppt/ink/ink4.xml><?xml version="1.0" encoding="utf-8"?>
+<inkml:ink xmlns:inkml="http://www.w3.org/2003/InkML">
+  <inkml:definitions>
+    <inkml:context xml:id="ctx0">
+      <inkml:inkSource xml:id="inkSrc0">
+        <inkml:traceFormat>
+          <inkml:channel name="X" type="integer" min="-2.14748E9" max="2.14748E9" units="cm"/>
+          <inkml:channel name="Y" type="integer" min="-2.14748E9" max="2.14748E9" units="cm"/>
+        </inkml:traceFormat>
+        <inkml:channelProperties>
+          <inkml:channelProperty channel="X" name="resolution" value="1000" units="1/cm"/>
+          <inkml:channelProperty channel="Y" name="resolution" value="1000" units="1/cm"/>
+        </inkml:channelProperties>
+      </inkml:inkSource>
+      <inkml:timestamp xml:id="ts0" timeString="2025-12-07T03:36:02.781"/>
+    </inkml:context>
+    <inkml:brush xml:id="br0">
+      <inkml:brushProperty name="width" value="0.3" units="cm"/>
+      <inkml:brushProperty name="height" value="0.6" units="cm"/>
+      <inkml:brushProperty name="color" value="#FFFC00"/>
+      <inkml:brushProperty name="tip" value="rectangle"/>
+      <inkml:brushProperty name="rasterOp" value="maskPen"/>
+      <inkml:brushProperty name="ignorePressure" value="1"/>
+    </inkml:brush>
+  </inkml:definitions>
+  <inkml:trace contextRef="#ctx0" brushRef="#br0">845 1,'-9'1,"1"0,0 1,0 0,0 0,1 1,-14 5,-14 6,-7-1,0-2,-1-1,-1-3,-61 4,-337-14,419 3</inkml:trace>
+</inkml:ink>
+</file>
+
+<file path=ppt/ink/ink5.xml><?xml version="1.0" encoding="utf-8"?>
+<inkml:ink xmlns:inkml="http://www.w3.org/2003/InkML">
+  <inkml:definitions>
+    <inkml:context xml:id="ctx0">
+      <inkml:inkSource xml:id="inkSrc0">
+        <inkml:traceFormat>
+          <inkml:channel name="X" type="integer" min="-2.14748E9" max="2.14748E9" units="cm"/>
+          <inkml:channel name="Y" type="integer" min="-2.14748E9" max="2.14748E9" units="cm"/>
+          <inkml:channel name="F" type="integer" max="32767" units="dev"/>
+        </inkml:traceFormat>
+        <inkml:channelProperties>
+          <inkml:channelProperty channel="X" name="resolution" value="1000" units="1/cm"/>
+          <inkml:channelProperty channel="Y" name="resolution" value="1000" units="1/cm"/>
+          <inkml:channelProperty channel="F" name="resolution" value="0" units="1/dev"/>
+        </inkml:channelProperties>
+      </inkml:inkSource>
+      <inkml:timestamp xml:id="ts0" timeString="2022-11-23T12:25:27.524"/>
+    </inkml:context>
+    <inkml:brush xml:id="br0">
+      <inkml:brushProperty name="width" value="0.1" units="cm"/>
+      <inkml:brushProperty name="height" value="0.1" units="cm"/>
+      <inkml:brushProperty name="color" value="#E71224"/>
+    </inkml:brush>
+  </inkml:definitions>
+  <inkml:trace contextRef="#ctx0" brushRef="#br0">0 0 24575,'0'0'-8191</inkml:trace>
+</inkml:ink>
+</file>
+
+<file path=ppt/ink/ink6.xml><?xml version="1.0" encoding="utf-8"?>
+<inkml:ink xmlns:inkml="http://www.w3.org/2003/InkML">
+  <inkml:definitions>
+    <inkml:context xml:id="ctx0">
+      <inkml:inkSource xml:id="inkSrc0">
+        <inkml:traceFormat>
+          <inkml:channel name="X" type="integer" min="-2.14748E9" max="2.14748E9" units="cm"/>
+          <inkml:channel name="Y" type="integer" min="-2.14748E9" max="2.14748E9" units="cm"/>
+          <inkml:channel name="F" type="integer" max="32767" units="dev"/>
+        </inkml:traceFormat>
+        <inkml:channelProperties>
+          <inkml:channelProperty channel="X" name="resolution" value="1000" units="1/cm"/>
+          <inkml:channelProperty channel="Y" name="resolution" value="1000" units="1/cm"/>
+          <inkml:channelProperty channel="F" name="resolution" value="0" units="1/dev"/>
+        </inkml:channelProperties>
+      </inkml:inkSource>
+      <inkml:timestamp xml:id="ts0" timeString="2025-12-07T03:35:22.957"/>
+    </inkml:context>
+    <inkml:brush xml:id="br0">
+      <inkml:brushProperty name="width" value="0.3" units="cm"/>
+      <inkml:brushProperty name="height" value="0.6" units="cm"/>
+      <inkml:brushProperty name="color" value="#FFFC00"/>
+      <inkml:brushProperty name="tip" value="rectangle"/>
+      <inkml:brushProperty name="rasterOp" value="maskPen"/>
+      <inkml:brushProperty name="ignorePressure" value="1"/>
+    </inkml:brush>
+  </inkml:definitions>
+  <inkml:trace contextRef="#ctx0" brushRef="#br0">0 0 0,'765'0'0</inkml:trace>
+</inkml:ink>
+</file>
+
+<file path=ppt/ink/ink7.xml><?xml version="1.0" encoding="utf-8"?>
+<inkml:ink xmlns:inkml="http://www.w3.org/2003/InkML">
+  <inkml:definitions>
+    <inkml:context xml:id="ctx0">
+      <inkml:inkSource xml:id="inkSrc0">
+        <inkml:traceFormat>
+          <inkml:channel name="X" type="integer" min="-2.14748E9" max="2.14748E9" units="cm"/>
+          <inkml:channel name="Y" type="integer" min="-2.14748E9" max="2.14748E9" units="cm"/>
+          <inkml:channel name="F" type="integer" max="32767" units="dev"/>
+        </inkml:traceFormat>
+        <inkml:channelProperties>
+          <inkml:channelProperty channel="X" name="resolution" value="1000" units="1/cm"/>
+          <inkml:channelProperty channel="Y" name="resolution" value="1000" units="1/cm"/>
+          <inkml:channelProperty channel="F" name="resolution" value="0" units="1/dev"/>
+        </inkml:channelProperties>
+      </inkml:inkSource>
+      <inkml:timestamp xml:id="ts0" timeString="2022-11-23T12:25:27.524"/>
+    </inkml:context>
+    <inkml:brush xml:id="br0">
+      <inkml:brushProperty name="width" value="0.1" units="cm"/>
+      <inkml:brushProperty name="height" value="0.1" units="cm"/>
+      <inkml:brushProperty name="color" value="#E71224"/>
+    </inkml:brush>
+  </inkml:definitions>
+  <inkml:trace contextRef="#ctx0" brushRef="#br0">0 0 24575,'0'0'-8191</inkml:trace>
+</inkml:ink>
+</file>
+
+<file path=ppt/ink/ink8.xml><?xml version="1.0" encoding="utf-8"?>
+<inkml:ink xmlns:inkml="http://www.w3.org/2003/InkML">
+  <inkml:definitions>
+    <inkml:context xml:id="ctx0">
+      <inkml:inkSource xml:id="inkSrc0">
+        <inkml:traceFormat>
+          <inkml:channel name="X" type="integer" min="-2.14748E9" max="2.14748E9" units="cm"/>
+          <inkml:channel name="Y" type="integer" min="-2.14748E9" max="2.14748E9" units="cm"/>
+          <inkml:channel name="F" type="integer" max="32767" units="dev"/>
+        </inkml:traceFormat>
+        <inkml:channelProperties>
+          <inkml:channelProperty channel="X" name="resolution" value="1000" units="1/cm"/>
+          <inkml:channelProperty channel="Y" name="resolution" value="1000" units="1/cm"/>
+          <inkml:channelProperty channel="F" name="resolution" value="0" units="1/dev"/>
+        </inkml:channelProperties>
+      </inkml:inkSource>
+      <inkml:timestamp xml:id="ts0" timeString="2025-12-07T05:25:10.768"/>
+    </inkml:context>
+    <inkml:brush xml:id="br0">
+      <inkml:brushProperty name="width" value="0.3" units="cm"/>
+      <inkml:brushProperty name="height" value="0.6" units="cm"/>
+      <inkml:brushProperty name="color" value="#FFFC00"/>
+      <inkml:brushProperty name="tip" value="rectangle"/>
+      <inkml:brushProperty name="rasterOp" value="maskPen"/>
+      <inkml:brushProperty name="ignorePressure" value="1"/>
+    </inkml:brush>
+  </inkml:definitions>
+  <inkml:trace contextRef="#ctx0" brushRef="#br0">1 1 0,'901'0'0</inkml:trace>
+</inkml:ink>
+</file>
+
+<file path=ppt/ink/ink9.xml><?xml version="1.0" encoding="utf-8"?>
 <inkml:ink xmlns:inkml="http://www.w3.org/2003/InkML">
   <inkml:definitions>
     <inkml:context xml:id="ctx0">
@@ -488,7 +871,7 @@
             <a:fld id="{8E359C8A-39F6-4045-9163-4042C4C26B15}" type="datetimeFigureOut">
               <a:rPr lang="en-GB" smtClean="0"/>
               <a:pPr/>
-              <a:t>04/12/2025</a:t>
+              <a:t>07/12/2025</a:t>
             </a:fld>
             <a:endParaRPr lang="en-GB"/>
           </a:p>
@@ -842,6 +1225,153 @@
 </p:notes>
 </file>
 
+<file path=ppt/notesSlides/notesSlide10.xml><?xml version="1.0" encoding="utf-8"?>
+<p:notes xmlns:a="http://schemas.openxmlformats.org/drawingml/2006/main" xmlns:r="http://schemas.openxmlformats.org/officeDocument/2006/relationships" xmlns:p="http://schemas.openxmlformats.org/presentationml/2006/main">
+  <p:cSld>
+    <p:spTree>
+      <p:nvGrpSpPr>
+        <p:cNvPr id="1" name="">
+          <a:extLst>
+            <a:ext uri="{FF2B5EF4-FFF2-40B4-BE49-F238E27FC236}">
+              <a16:creationId xmlns:a16="http://schemas.microsoft.com/office/drawing/2014/main" id="{85BDF9EA-333F-3A4F-1319-49836C99231D}"/>
+            </a:ext>
+          </a:extLst>
+        </p:cNvPr>
+        <p:cNvGrpSpPr/>
+        <p:nvPr/>
+      </p:nvGrpSpPr>
+      <p:grpSpPr>
+        <a:xfrm>
+          <a:off x="0" y="0"/>
+          <a:ext cx="0" cy="0"/>
+          <a:chOff x="0" y="0"/>
+          <a:chExt cx="0" cy="0"/>
+        </a:xfrm>
+      </p:grpSpPr>
+      <p:sp>
+        <p:nvSpPr>
+          <p:cNvPr id="148" name="PlaceHolder 1">
+            <a:extLst>
+              <a:ext uri="{FF2B5EF4-FFF2-40B4-BE49-F238E27FC236}">
+                <a16:creationId xmlns:a16="http://schemas.microsoft.com/office/drawing/2014/main" id="{24090A4B-994C-5B52-E294-918099E63C15}"/>
+              </a:ext>
+            </a:extLst>
+          </p:cNvPr>
+          <p:cNvSpPr>
+            <a:spLocks noGrp="1" noRot="1" noChangeAspect="1"/>
+          </p:cNvSpPr>
+          <p:nvPr>
+            <p:ph type="sldImg"/>
+          </p:nvPr>
+        </p:nvSpPr>
+        <p:spPr>
+          <a:xfrm>
+            <a:off x="685800" y="1143000"/>
+            <a:ext cx="5486400" cy="3086100"/>
+          </a:xfrm>
+          <a:prstGeom prst="rect">
+            <a:avLst/>
+          </a:prstGeom>
+        </p:spPr>
+      </p:sp>
+      <p:sp>
+        <p:nvSpPr>
+          <p:cNvPr id="149" name="PlaceHolder 2">
+            <a:extLst>
+              <a:ext uri="{FF2B5EF4-FFF2-40B4-BE49-F238E27FC236}">
+                <a16:creationId xmlns:a16="http://schemas.microsoft.com/office/drawing/2014/main" id="{EF66D1F8-8FF0-B382-082E-2B2EA2CC835B}"/>
+              </a:ext>
+            </a:extLst>
+          </p:cNvPr>
+          <p:cNvSpPr>
+            <a:spLocks noGrp="1"/>
+          </p:cNvSpPr>
+          <p:nvPr>
+            <p:ph type="body"/>
+          </p:nvPr>
+        </p:nvSpPr>
+        <p:spPr>
+          <a:xfrm>
+            <a:off x="685800" y="4400640"/>
+            <a:ext cx="5486040" cy="3600000"/>
+          </a:xfrm>
+          <a:prstGeom prst="rect">
+            <a:avLst/>
+          </a:prstGeom>
+        </p:spPr>
+        <p:txBody>
+          <a:bodyPr>
+            <a:noAutofit/>
+          </a:bodyPr>
+          <a:lstStyle/>
+          <a:p>
+            <a:endParaRPr lang="en-US" sz="2000" b="0" strike="noStrike" spc="-1">
+              <a:latin typeface="Arial"/>
+            </a:endParaRPr>
+          </a:p>
+        </p:txBody>
+      </p:sp>
+      <p:sp>
+        <p:nvSpPr>
+          <p:cNvPr id="150" name="TextShape 3">
+            <a:extLst>
+              <a:ext uri="{FF2B5EF4-FFF2-40B4-BE49-F238E27FC236}">
+                <a16:creationId xmlns:a16="http://schemas.microsoft.com/office/drawing/2014/main" id="{91034AA0-84DC-81D3-6B95-78FD17FA7A63}"/>
+              </a:ext>
+            </a:extLst>
+          </p:cNvPr>
+          <p:cNvSpPr txBox="1"/>
+          <p:nvPr/>
+        </p:nvSpPr>
+        <p:spPr>
+          <a:xfrm>
+            <a:off x="3884760" y="8685360"/>
+            <a:ext cx="2971440" cy="458280"/>
+          </a:xfrm>
+          <a:prstGeom prst="rect">
+            <a:avLst/>
+          </a:prstGeom>
+          <a:noFill/>
+          <a:ln>
+            <a:noFill/>
+          </a:ln>
+        </p:spPr>
+        <p:txBody>
+          <a:bodyPr anchor="b">
+            <a:noAutofit/>
+          </a:bodyPr>
+          <a:lstStyle/>
+          <a:p>
+            <a:pPr algn="r">
+              <a:lnSpc>
+                <a:spcPct val="100000"/>
+              </a:lnSpc>
+            </a:pPr>
+            <a:fld id="{677DA20C-D3E3-4F02-A624-D52A93CA4942}" type="slidenum">
+              <a:rPr lang="en-GB" sz="1200" b="0" strike="noStrike" spc="-1">
+                <a:latin typeface="Times New Roman"/>
+              </a:rPr>
+              <a:t>16</a:t>
+            </a:fld>
+            <a:endParaRPr lang="en-US" sz="1200" b="0" strike="noStrike" spc="-1">
+              <a:latin typeface="Times New Roman"/>
+            </a:endParaRPr>
+          </a:p>
+        </p:txBody>
+      </p:sp>
+    </p:spTree>
+    <p:extLst>
+      <p:ext uri="{BB962C8B-B14F-4D97-AF65-F5344CB8AC3E}">
+        <p14:creationId xmlns:p14="http://schemas.microsoft.com/office/powerpoint/2010/main" val="2585228822"/>
+      </p:ext>
+    </p:extLst>
+  </p:cSld>
+  <p:clrMapOvr>
+    <a:masterClrMapping/>
+  </p:clrMapOvr>
+</p:notes>
+</file>
+
 <file path=ppt/notesSlides/notesSlide2.xml><?xml version="1.0" encoding="utf-8"?>
 <p:notes xmlns:a="http://schemas.openxmlformats.org/drawingml/2006/main" xmlns:r="http://schemas.openxmlformats.org/officeDocument/2006/relationships" xmlns:p="http://schemas.openxmlformats.org/presentationml/2006/main">
   <p:cSld>
@@ -956,7 +1486,13 @@
   <p:cSld>
     <p:spTree>
       <p:nvGrpSpPr>
-        <p:cNvPr id="1" name=""/>
+        <p:cNvPr id="1" name="">
+          <a:extLst>
+            <a:ext uri="{FF2B5EF4-FFF2-40B4-BE49-F238E27FC236}">
+              <a16:creationId xmlns:a16="http://schemas.microsoft.com/office/drawing/2014/main" id="{CB6EE6F2-0EF8-0287-27F0-CD4D84869756}"/>
+            </a:ext>
+          </a:extLst>
+        </p:cNvPr>
         <p:cNvGrpSpPr/>
         <p:nvPr/>
       </p:nvGrpSpPr>
@@ -970,7 +1506,13 @@
       </p:grpSpPr>
       <p:sp>
         <p:nvSpPr>
-          <p:cNvPr id="2" name="Slide Image Placeholder 1"/>
+          <p:cNvPr id="2" name="Slide Image Placeholder 1">
+            <a:extLst>
+              <a:ext uri="{FF2B5EF4-FFF2-40B4-BE49-F238E27FC236}">
+                <a16:creationId xmlns:a16="http://schemas.microsoft.com/office/drawing/2014/main" id="{CA4177A5-7B20-7FF7-09DC-36750645C7A5}"/>
+              </a:ext>
+            </a:extLst>
+          </p:cNvPr>
           <p:cNvSpPr>
             <a:spLocks noGrp="1" noRot="1" noChangeAspect="1"/>
           </p:cNvSpPr>
@@ -982,7 +1524,13 @@
       </p:sp>
       <p:sp>
         <p:nvSpPr>
-          <p:cNvPr id="3" name="Notes Placeholder 2"/>
+          <p:cNvPr id="3" name="Notes Placeholder 2">
+            <a:extLst>
+              <a:ext uri="{FF2B5EF4-FFF2-40B4-BE49-F238E27FC236}">
+                <a16:creationId xmlns:a16="http://schemas.microsoft.com/office/drawing/2014/main" id="{5924C131-EA35-B27B-7CB7-BB00A3A0EE36}"/>
+              </a:ext>
+            </a:extLst>
+          </p:cNvPr>
           <p:cNvSpPr>
             <a:spLocks noGrp="1"/>
           </p:cNvSpPr>
@@ -1001,7 +1549,13 @@
       </p:sp>
       <p:sp>
         <p:nvSpPr>
-          <p:cNvPr id="4" name="Slide Number Placeholder 3"/>
+          <p:cNvPr id="4" name="Slide Number Placeholder 3">
+            <a:extLst>
+              <a:ext uri="{FF2B5EF4-FFF2-40B4-BE49-F238E27FC236}">
+                <a16:creationId xmlns:a16="http://schemas.microsoft.com/office/drawing/2014/main" id="{A049C5AC-6599-2CBF-F326-FDA08DCA2877}"/>
+              </a:ext>
+            </a:extLst>
+          </p:cNvPr>
           <p:cNvSpPr>
             <a:spLocks noGrp="1"/>
           </p:cNvSpPr>
@@ -1017,7 +1571,7 @@
             <a:fld id="{30370952-48CC-46D7-9FCD-59FAD40CC025}" type="slidenum">
               <a:rPr lang="en-GB" smtClean="0"/>
               <a:pPr/>
-              <a:t>8</a:t>
+              <a:t>4</a:t>
             </a:fld>
             <a:endParaRPr lang="en-GB"/>
           </a:p>
@@ -1026,7 +1580,7 @@
     </p:spTree>
     <p:extLst>
       <p:ext uri="{BB962C8B-B14F-4D97-AF65-F5344CB8AC3E}">
-        <p14:creationId xmlns:p14="http://schemas.microsoft.com/office/powerpoint/2010/main" val="3934570700"/>
+        <p14:creationId xmlns:p14="http://schemas.microsoft.com/office/powerpoint/2010/main" val="3852798770"/>
       </p:ext>
     </p:extLst>
   </p:cSld>
@@ -1041,7 +1595,13 @@
   <p:cSld>
     <p:spTree>
       <p:nvGrpSpPr>
-        <p:cNvPr id="1" name=""/>
+        <p:cNvPr id="1" name="">
+          <a:extLst>
+            <a:ext uri="{FF2B5EF4-FFF2-40B4-BE49-F238E27FC236}">
+              <a16:creationId xmlns:a16="http://schemas.microsoft.com/office/drawing/2014/main" id="{CDB6EADD-41E9-75E1-B945-CC66CAC26480}"/>
+            </a:ext>
+          </a:extLst>
+        </p:cNvPr>
         <p:cNvGrpSpPr/>
         <p:nvPr/>
       </p:nvGrpSpPr>
@@ -1055,7 +1615,13 @@
       </p:grpSpPr>
       <p:sp>
         <p:nvSpPr>
-          <p:cNvPr id="148" name="PlaceHolder 1"/>
+          <p:cNvPr id="2" name="Slide Image Placeholder 1">
+            <a:extLst>
+              <a:ext uri="{FF2B5EF4-FFF2-40B4-BE49-F238E27FC236}">
+                <a16:creationId xmlns:a16="http://schemas.microsoft.com/office/drawing/2014/main" id="{9E8308E2-EF07-0537-C632-4F38C09225B9}"/>
+              </a:ext>
+            </a:extLst>
+          </p:cNvPr>
           <p:cNvSpPr>
             <a:spLocks noGrp="1" noRot="1" noChangeAspect="1"/>
           </p:cNvSpPr>
@@ -1063,90 +1629,69 @@
             <p:ph type="sldImg"/>
           </p:nvPr>
         </p:nvSpPr>
-        <p:spPr>
-          <a:xfrm>
-            <a:off x="685800" y="1143000"/>
-            <a:ext cx="5486400" cy="3086100"/>
-          </a:xfrm>
-          <a:prstGeom prst="rect">
-            <a:avLst/>
-          </a:prstGeom>
-        </p:spPr>
-      </p:sp>
-      <p:sp>
-        <p:nvSpPr>
-          <p:cNvPr id="149" name="PlaceHolder 2"/>
+        <p:spPr/>
+      </p:sp>
+      <p:sp>
+        <p:nvSpPr>
+          <p:cNvPr id="3" name="Notes Placeholder 2">
+            <a:extLst>
+              <a:ext uri="{FF2B5EF4-FFF2-40B4-BE49-F238E27FC236}">
+                <a16:creationId xmlns:a16="http://schemas.microsoft.com/office/drawing/2014/main" id="{7DCA1534-6C37-6E8B-58F1-9299C93E7588}"/>
+              </a:ext>
+            </a:extLst>
+          </p:cNvPr>
           <p:cNvSpPr>
             <a:spLocks noGrp="1"/>
           </p:cNvSpPr>
           <p:nvPr>
-            <p:ph type="body"/>
+            <p:ph type="body" idx="1"/>
           </p:nvPr>
         </p:nvSpPr>
-        <p:spPr>
-          <a:xfrm>
-            <a:off x="685800" y="4400640"/>
-            <a:ext cx="5486040" cy="3600000"/>
-          </a:xfrm>
-          <a:prstGeom prst="rect">
-            <a:avLst/>
-          </a:prstGeom>
-        </p:spPr>
-        <p:txBody>
-          <a:bodyPr>
-            <a:noAutofit/>
-          </a:bodyPr>
+        <p:spPr/>
+        <p:txBody>
+          <a:bodyPr/>
           <a:lstStyle/>
           <a:p>
-            <a:endParaRPr lang="en-US" sz="2000" b="0" strike="noStrike" spc="-1">
-              <a:latin typeface="Arial"/>
-            </a:endParaRPr>
-          </a:p>
-        </p:txBody>
-      </p:sp>
-      <p:sp>
-        <p:nvSpPr>
-          <p:cNvPr id="150" name="TextShape 3"/>
-          <p:cNvSpPr txBox="1"/>
-          <p:nvPr/>
-        </p:nvSpPr>
-        <p:spPr>
-          <a:xfrm>
-            <a:off x="3884760" y="8685360"/>
-            <a:ext cx="2971440" cy="458280"/>
-          </a:xfrm>
-          <a:prstGeom prst="rect">
-            <a:avLst/>
-          </a:prstGeom>
-          <a:noFill/>
-          <a:ln>
-            <a:noFill/>
-          </a:ln>
-        </p:spPr>
-        <p:txBody>
-          <a:bodyPr anchor="b">
-            <a:noAutofit/>
-          </a:bodyPr>
+            <a:endParaRPr lang="en-GB"/>
+          </a:p>
+        </p:txBody>
+      </p:sp>
+      <p:sp>
+        <p:nvSpPr>
+          <p:cNvPr id="4" name="Slide Number Placeholder 3">
+            <a:extLst>
+              <a:ext uri="{FF2B5EF4-FFF2-40B4-BE49-F238E27FC236}">
+                <a16:creationId xmlns:a16="http://schemas.microsoft.com/office/drawing/2014/main" id="{C749D110-CB82-5D03-1405-430DB371319B}"/>
+              </a:ext>
+            </a:extLst>
+          </p:cNvPr>
+          <p:cNvSpPr>
+            <a:spLocks noGrp="1"/>
+          </p:cNvSpPr>
+          <p:nvPr>
+            <p:ph type="sldNum" sz="quarter" idx="5"/>
+          </p:nvPr>
+        </p:nvSpPr>
+        <p:spPr/>
+        <p:txBody>
+          <a:bodyPr/>
           <a:lstStyle/>
           <a:p>
-            <a:pPr algn="r">
-              <a:lnSpc>
-                <a:spcPct val="100000"/>
-              </a:lnSpc>
-            </a:pPr>
-            <a:fld id="{677DA20C-D3E3-4F02-A624-D52A93CA4942}" type="slidenum">
-              <a:rPr lang="en-GB" sz="1200" b="0" strike="noStrike" spc="-1">
-                <a:latin typeface="Times New Roman"/>
-              </a:rPr>
-              <a:t>10</a:t>
+            <a:fld id="{30370952-48CC-46D7-9FCD-59FAD40CC025}" type="slidenum">
+              <a:rPr lang="en-GB" smtClean="0"/>
+              <a:pPr/>
+              <a:t>5</a:t>
             </a:fld>
-            <a:endParaRPr lang="en-US" sz="1200" b="0" strike="noStrike" spc="-1">
-              <a:latin typeface="Times New Roman"/>
-            </a:endParaRPr>
+            <a:endParaRPr lang="en-GB"/>
           </a:p>
         </p:txBody>
       </p:sp>
     </p:spTree>
+    <p:extLst>
+      <p:ext uri="{BB962C8B-B14F-4D97-AF65-F5344CB8AC3E}">
+        <p14:creationId xmlns:p14="http://schemas.microsoft.com/office/powerpoint/2010/main" val="1660658787"/>
+      </p:ext>
+    </p:extLst>
   </p:cSld>
   <p:clrMapOvr>
     <a:masterClrMapping/>
@@ -1162,7 +1707,7 @@
         <p:cNvPr id="1" name="">
           <a:extLst>
             <a:ext uri="{FF2B5EF4-FFF2-40B4-BE49-F238E27FC236}">
-              <a16:creationId xmlns:a16="http://schemas.microsoft.com/office/drawing/2014/main" id="{58184BB6-775E-510F-8B0F-B91A33158293}"/>
+              <a16:creationId xmlns:a16="http://schemas.microsoft.com/office/drawing/2014/main" id="{AC0B96F4-26B3-5499-DCF8-516C1B6618C2}"/>
             </a:ext>
           </a:extLst>
         </p:cNvPr>
@@ -1179,10 +1724,10 @@
       </p:grpSpPr>
       <p:sp>
         <p:nvSpPr>
-          <p:cNvPr id="148" name="PlaceHolder 1">
-            <a:extLst>
-              <a:ext uri="{FF2B5EF4-FFF2-40B4-BE49-F238E27FC236}">
-                <a16:creationId xmlns:a16="http://schemas.microsoft.com/office/drawing/2014/main" id="{0FEE0802-160E-8642-2F9F-E7BA1369C8AC}"/>
+          <p:cNvPr id="2" name="Slide Image Placeholder 1">
+            <a:extLst>
+              <a:ext uri="{FF2B5EF4-FFF2-40B4-BE49-F238E27FC236}">
+                <a16:creationId xmlns:a16="http://schemas.microsoft.com/office/drawing/2014/main" id="{55EE3623-70C5-7F58-61B7-76F03F3821D5}"/>
               </a:ext>
             </a:extLst>
           </p:cNvPr>
@@ -1193,22 +1738,14 @@
             <p:ph type="sldImg"/>
           </p:nvPr>
         </p:nvSpPr>
-        <p:spPr>
-          <a:xfrm>
-            <a:off x="685800" y="1143000"/>
-            <a:ext cx="5486400" cy="3086100"/>
-          </a:xfrm>
-          <a:prstGeom prst="rect">
-            <a:avLst/>
-          </a:prstGeom>
-        </p:spPr>
-      </p:sp>
-      <p:sp>
-        <p:nvSpPr>
-          <p:cNvPr id="149" name="PlaceHolder 2">
-            <a:extLst>
-              <a:ext uri="{FF2B5EF4-FFF2-40B4-BE49-F238E27FC236}">
-                <a16:creationId xmlns:a16="http://schemas.microsoft.com/office/drawing/2014/main" id="{C4E00770-4ED6-3329-932C-67422CEACAC7}"/>
+        <p:spPr/>
+      </p:sp>
+      <p:sp>
+        <p:nvSpPr>
+          <p:cNvPr id="3" name="Notes Placeholder 2">
+            <a:extLst>
+              <a:ext uri="{FF2B5EF4-FFF2-40B4-BE49-F238E27FC236}">
+                <a16:creationId xmlns:a16="http://schemas.microsoft.com/office/drawing/2014/main" id="{F5C8C468-2B52-D909-8119-2A4583AF35C8}"/>
               </a:ext>
             </a:extLst>
           </p:cNvPr>
@@ -1216,82 +1753,52 @@
             <a:spLocks noGrp="1"/>
           </p:cNvSpPr>
           <p:nvPr>
-            <p:ph type="body"/>
+            <p:ph type="body" idx="1"/>
           </p:nvPr>
         </p:nvSpPr>
-        <p:spPr>
-          <a:xfrm>
-            <a:off x="685800" y="4400640"/>
-            <a:ext cx="5486040" cy="3600000"/>
-          </a:xfrm>
-          <a:prstGeom prst="rect">
-            <a:avLst/>
-          </a:prstGeom>
-        </p:spPr>
-        <p:txBody>
-          <a:bodyPr>
-            <a:noAutofit/>
-          </a:bodyPr>
+        <p:spPr/>
+        <p:txBody>
+          <a:bodyPr/>
           <a:lstStyle/>
           <a:p>
-            <a:endParaRPr lang="en-US" sz="2000" b="0" strike="noStrike" spc="-1">
-              <a:latin typeface="Arial"/>
-            </a:endParaRPr>
-          </a:p>
-        </p:txBody>
-      </p:sp>
-      <p:sp>
-        <p:nvSpPr>
-          <p:cNvPr id="150" name="TextShape 3">
-            <a:extLst>
-              <a:ext uri="{FF2B5EF4-FFF2-40B4-BE49-F238E27FC236}">
-                <a16:creationId xmlns:a16="http://schemas.microsoft.com/office/drawing/2014/main" id="{2231F400-67BB-19D8-2685-F08849C3C3F1}"/>
-              </a:ext>
-            </a:extLst>
-          </p:cNvPr>
-          <p:cNvSpPr txBox="1"/>
-          <p:nvPr/>
-        </p:nvSpPr>
-        <p:spPr>
-          <a:xfrm>
-            <a:off x="3884760" y="8685360"/>
-            <a:ext cx="2971440" cy="458280"/>
-          </a:xfrm>
-          <a:prstGeom prst="rect">
-            <a:avLst/>
-          </a:prstGeom>
-          <a:noFill/>
-          <a:ln>
-            <a:noFill/>
-          </a:ln>
-        </p:spPr>
-        <p:txBody>
-          <a:bodyPr anchor="b">
-            <a:noAutofit/>
-          </a:bodyPr>
+            <a:endParaRPr lang="en-GB"/>
+          </a:p>
+        </p:txBody>
+      </p:sp>
+      <p:sp>
+        <p:nvSpPr>
+          <p:cNvPr id="4" name="Slide Number Placeholder 3">
+            <a:extLst>
+              <a:ext uri="{FF2B5EF4-FFF2-40B4-BE49-F238E27FC236}">
+                <a16:creationId xmlns:a16="http://schemas.microsoft.com/office/drawing/2014/main" id="{3429E82C-2C2E-34D1-6195-30610D73BE64}"/>
+              </a:ext>
+            </a:extLst>
+          </p:cNvPr>
+          <p:cNvSpPr>
+            <a:spLocks noGrp="1"/>
+          </p:cNvSpPr>
+          <p:nvPr>
+            <p:ph type="sldNum" sz="quarter" idx="5"/>
+          </p:nvPr>
+        </p:nvSpPr>
+        <p:spPr/>
+        <p:txBody>
+          <a:bodyPr/>
           <a:lstStyle/>
           <a:p>
-            <a:pPr algn="r">
-              <a:lnSpc>
-                <a:spcPct val="100000"/>
-              </a:lnSpc>
-            </a:pPr>
-            <a:fld id="{677DA20C-D3E3-4F02-A624-D52A93CA4942}" type="slidenum">
-              <a:rPr lang="en-GB" sz="1200" b="0" strike="noStrike" spc="-1">
-                <a:latin typeface="Times New Roman"/>
-              </a:rPr>
-              <a:t>11</a:t>
+            <a:fld id="{30370952-48CC-46D7-9FCD-59FAD40CC025}" type="slidenum">
+              <a:rPr lang="en-GB" smtClean="0"/>
+              <a:pPr/>
+              <a:t>6</a:t>
             </a:fld>
-            <a:endParaRPr lang="en-US" sz="1200" b="0" strike="noStrike" spc="-1">
-              <a:latin typeface="Times New Roman"/>
-            </a:endParaRPr>
+            <a:endParaRPr lang="en-GB"/>
           </a:p>
         </p:txBody>
       </p:sp>
     </p:spTree>
     <p:extLst>
       <p:ext uri="{BB962C8B-B14F-4D97-AF65-F5344CB8AC3E}">
-        <p14:creationId xmlns:p14="http://schemas.microsoft.com/office/powerpoint/2010/main" val="3194472432"/>
+        <p14:creationId xmlns:p14="http://schemas.microsoft.com/office/powerpoint/2010/main" val="1059085742"/>
       </p:ext>
     </p:extLst>
   </p:cSld>
@@ -1309,7 +1816,7 @@
         <p:cNvPr id="1" name="">
           <a:extLst>
             <a:ext uri="{FF2B5EF4-FFF2-40B4-BE49-F238E27FC236}">
-              <a16:creationId xmlns:a16="http://schemas.microsoft.com/office/drawing/2014/main" id="{85BDF9EA-333F-3A4F-1319-49836C99231D}"/>
+              <a16:creationId xmlns:a16="http://schemas.microsoft.com/office/drawing/2014/main" id="{E7D6D0B7-E157-FE46-F2E1-7B1DB2493215}"/>
             </a:ext>
           </a:extLst>
         </p:cNvPr>
@@ -1326,13 +1833,304 @@
       </p:grpSpPr>
       <p:sp>
         <p:nvSpPr>
-          <p:cNvPr id="148" name="PlaceHolder 1">
-            <a:extLst>
-              <a:ext uri="{FF2B5EF4-FFF2-40B4-BE49-F238E27FC236}">
-                <a16:creationId xmlns:a16="http://schemas.microsoft.com/office/drawing/2014/main" id="{24090A4B-994C-5B52-E294-918099E63C15}"/>
-              </a:ext>
-            </a:extLst>
-          </p:cNvPr>
+          <p:cNvPr id="2" name="Slide Image Placeholder 1">
+            <a:extLst>
+              <a:ext uri="{FF2B5EF4-FFF2-40B4-BE49-F238E27FC236}">
+                <a16:creationId xmlns:a16="http://schemas.microsoft.com/office/drawing/2014/main" id="{C201039E-0FE8-11C0-BDF3-2FAAEDBD31C6}"/>
+              </a:ext>
+            </a:extLst>
+          </p:cNvPr>
+          <p:cNvSpPr>
+            <a:spLocks noGrp="1" noRot="1" noChangeAspect="1"/>
+          </p:cNvSpPr>
+          <p:nvPr>
+            <p:ph type="sldImg"/>
+          </p:nvPr>
+        </p:nvSpPr>
+        <p:spPr/>
+      </p:sp>
+      <p:sp>
+        <p:nvSpPr>
+          <p:cNvPr id="3" name="Notes Placeholder 2">
+            <a:extLst>
+              <a:ext uri="{FF2B5EF4-FFF2-40B4-BE49-F238E27FC236}">
+                <a16:creationId xmlns:a16="http://schemas.microsoft.com/office/drawing/2014/main" id="{1DC6B5BA-0DE6-BFF1-DFDA-21A43615924C}"/>
+              </a:ext>
+            </a:extLst>
+          </p:cNvPr>
+          <p:cNvSpPr>
+            <a:spLocks noGrp="1"/>
+          </p:cNvSpPr>
+          <p:nvPr>
+            <p:ph type="body" idx="1"/>
+          </p:nvPr>
+        </p:nvSpPr>
+        <p:spPr/>
+        <p:txBody>
+          <a:bodyPr/>
+          <a:lstStyle/>
+          <a:p>
+            <a:endParaRPr lang="en-GB"/>
+          </a:p>
+        </p:txBody>
+      </p:sp>
+      <p:sp>
+        <p:nvSpPr>
+          <p:cNvPr id="4" name="Slide Number Placeholder 3">
+            <a:extLst>
+              <a:ext uri="{FF2B5EF4-FFF2-40B4-BE49-F238E27FC236}">
+                <a16:creationId xmlns:a16="http://schemas.microsoft.com/office/drawing/2014/main" id="{C8CFEDD9-AFCE-ACDB-468A-C593B8FC9112}"/>
+              </a:ext>
+            </a:extLst>
+          </p:cNvPr>
+          <p:cNvSpPr>
+            <a:spLocks noGrp="1"/>
+          </p:cNvSpPr>
+          <p:nvPr>
+            <p:ph type="sldNum" sz="quarter" idx="5"/>
+          </p:nvPr>
+        </p:nvSpPr>
+        <p:spPr/>
+        <p:txBody>
+          <a:bodyPr/>
+          <a:lstStyle/>
+          <a:p>
+            <a:fld id="{30370952-48CC-46D7-9FCD-59FAD40CC025}" type="slidenum">
+              <a:rPr lang="en-GB" smtClean="0"/>
+              <a:pPr/>
+              <a:t>7</a:t>
+            </a:fld>
+            <a:endParaRPr lang="en-GB"/>
+          </a:p>
+        </p:txBody>
+      </p:sp>
+    </p:spTree>
+    <p:extLst>
+      <p:ext uri="{BB962C8B-B14F-4D97-AF65-F5344CB8AC3E}">
+        <p14:creationId xmlns:p14="http://schemas.microsoft.com/office/powerpoint/2010/main" val="3384613751"/>
+      </p:ext>
+    </p:extLst>
+  </p:cSld>
+  <p:clrMapOvr>
+    <a:masterClrMapping/>
+  </p:clrMapOvr>
+</p:notes>
+</file>
+
+<file path=ppt/notesSlides/notesSlide7.xml><?xml version="1.0" encoding="utf-8"?>
+<p:notes xmlns:a="http://schemas.openxmlformats.org/drawingml/2006/main" xmlns:r="http://schemas.openxmlformats.org/officeDocument/2006/relationships" xmlns:p="http://schemas.openxmlformats.org/presentationml/2006/main">
+  <p:cSld>
+    <p:spTree>
+      <p:nvGrpSpPr>
+        <p:cNvPr id="1" name="">
+          <a:extLst>
+            <a:ext uri="{FF2B5EF4-FFF2-40B4-BE49-F238E27FC236}">
+              <a16:creationId xmlns:a16="http://schemas.microsoft.com/office/drawing/2014/main" id="{2506DBC1-9399-8267-077C-FF3C6D67983D}"/>
+            </a:ext>
+          </a:extLst>
+        </p:cNvPr>
+        <p:cNvGrpSpPr/>
+        <p:nvPr/>
+      </p:nvGrpSpPr>
+      <p:grpSpPr>
+        <a:xfrm>
+          <a:off x="0" y="0"/>
+          <a:ext cx="0" cy="0"/>
+          <a:chOff x="0" y="0"/>
+          <a:chExt cx="0" cy="0"/>
+        </a:xfrm>
+      </p:grpSpPr>
+      <p:sp>
+        <p:nvSpPr>
+          <p:cNvPr id="2" name="Slide Image Placeholder 1">
+            <a:extLst>
+              <a:ext uri="{FF2B5EF4-FFF2-40B4-BE49-F238E27FC236}">
+                <a16:creationId xmlns:a16="http://schemas.microsoft.com/office/drawing/2014/main" id="{DEA6DB15-4E53-ACEA-4EBA-8CAA1391A338}"/>
+              </a:ext>
+            </a:extLst>
+          </p:cNvPr>
+          <p:cNvSpPr>
+            <a:spLocks noGrp="1" noRot="1" noChangeAspect="1"/>
+          </p:cNvSpPr>
+          <p:nvPr>
+            <p:ph type="sldImg"/>
+          </p:nvPr>
+        </p:nvSpPr>
+        <p:spPr/>
+      </p:sp>
+      <p:sp>
+        <p:nvSpPr>
+          <p:cNvPr id="3" name="Notes Placeholder 2">
+            <a:extLst>
+              <a:ext uri="{FF2B5EF4-FFF2-40B4-BE49-F238E27FC236}">
+                <a16:creationId xmlns:a16="http://schemas.microsoft.com/office/drawing/2014/main" id="{28CE726C-3B4F-B17B-4EA5-C5EB6BC6195E}"/>
+              </a:ext>
+            </a:extLst>
+          </p:cNvPr>
+          <p:cNvSpPr>
+            <a:spLocks noGrp="1"/>
+          </p:cNvSpPr>
+          <p:nvPr>
+            <p:ph type="body" idx="1"/>
+          </p:nvPr>
+        </p:nvSpPr>
+        <p:spPr/>
+        <p:txBody>
+          <a:bodyPr/>
+          <a:lstStyle/>
+          <a:p>
+            <a:endParaRPr lang="en-GB"/>
+          </a:p>
+        </p:txBody>
+      </p:sp>
+      <p:sp>
+        <p:nvSpPr>
+          <p:cNvPr id="4" name="Slide Number Placeholder 3">
+            <a:extLst>
+              <a:ext uri="{FF2B5EF4-FFF2-40B4-BE49-F238E27FC236}">
+                <a16:creationId xmlns:a16="http://schemas.microsoft.com/office/drawing/2014/main" id="{28853A5C-8A9B-301D-9438-9CD084F9CC10}"/>
+              </a:ext>
+            </a:extLst>
+          </p:cNvPr>
+          <p:cNvSpPr>
+            <a:spLocks noGrp="1"/>
+          </p:cNvSpPr>
+          <p:nvPr>
+            <p:ph type="sldNum" sz="quarter" idx="5"/>
+          </p:nvPr>
+        </p:nvSpPr>
+        <p:spPr/>
+        <p:txBody>
+          <a:bodyPr/>
+          <a:lstStyle/>
+          <a:p>
+            <a:fld id="{30370952-48CC-46D7-9FCD-59FAD40CC025}" type="slidenum">
+              <a:rPr lang="en-GB" smtClean="0"/>
+              <a:pPr/>
+              <a:t>8</a:t>
+            </a:fld>
+            <a:endParaRPr lang="en-GB"/>
+          </a:p>
+        </p:txBody>
+      </p:sp>
+    </p:spTree>
+    <p:extLst>
+      <p:ext uri="{BB962C8B-B14F-4D97-AF65-F5344CB8AC3E}">
+        <p14:creationId xmlns:p14="http://schemas.microsoft.com/office/powerpoint/2010/main" val="2547120870"/>
+      </p:ext>
+    </p:extLst>
+  </p:cSld>
+  <p:clrMapOvr>
+    <a:masterClrMapping/>
+  </p:clrMapOvr>
+</p:notes>
+</file>
+
+<file path=ppt/notesSlides/notesSlide8.xml><?xml version="1.0" encoding="utf-8"?>
+<p:notes xmlns:a="http://schemas.openxmlformats.org/drawingml/2006/main" xmlns:r="http://schemas.openxmlformats.org/officeDocument/2006/relationships" xmlns:p="http://schemas.openxmlformats.org/presentationml/2006/main">
+  <p:cSld>
+    <p:spTree>
+      <p:nvGrpSpPr>
+        <p:cNvPr id="1" name=""/>
+        <p:cNvGrpSpPr/>
+        <p:nvPr/>
+      </p:nvGrpSpPr>
+      <p:grpSpPr>
+        <a:xfrm>
+          <a:off x="0" y="0"/>
+          <a:ext cx="0" cy="0"/>
+          <a:chOff x="0" y="0"/>
+          <a:chExt cx="0" cy="0"/>
+        </a:xfrm>
+      </p:grpSpPr>
+      <p:sp>
+        <p:nvSpPr>
+          <p:cNvPr id="2" name="Slide Image Placeholder 1"/>
+          <p:cNvSpPr>
+            <a:spLocks noGrp="1" noRot="1" noChangeAspect="1"/>
+          </p:cNvSpPr>
+          <p:nvPr>
+            <p:ph type="sldImg"/>
+          </p:nvPr>
+        </p:nvSpPr>
+        <p:spPr/>
+      </p:sp>
+      <p:sp>
+        <p:nvSpPr>
+          <p:cNvPr id="3" name="Notes Placeholder 2"/>
+          <p:cNvSpPr>
+            <a:spLocks noGrp="1"/>
+          </p:cNvSpPr>
+          <p:nvPr>
+            <p:ph type="body" idx="1"/>
+          </p:nvPr>
+        </p:nvSpPr>
+        <p:spPr/>
+        <p:txBody>
+          <a:bodyPr/>
+          <a:lstStyle/>
+          <a:p>
+            <a:endParaRPr lang="en-GB"/>
+          </a:p>
+        </p:txBody>
+      </p:sp>
+      <p:sp>
+        <p:nvSpPr>
+          <p:cNvPr id="4" name="Slide Number Placeholder 3"/>
+          <p:cNvSpPr>
+            <a:spLocks noGrp="1"/>
+          </p:cNvSpPr>
+          <p:nvPr>
+            <p:ph type="sldNum" sz="quarter" idx="5"/>
+          </p:nvPr>
+        </p:nvSpPr>
+        <p:spPr/>
+        <p:txBody>
+          <a:bodyPr/>
+          <a:lstStyle/>
+          <a:p>
+            <a:fld id="{30370952-48CC-46D7-9FCD-59FAD40CC025}" type="slidenum">
+              <a:rPr lang="en-GB" smtClean="0"/>
+              <a:pPr/>
+              <a:t>12</a:t>
+            </a:fld>
+            <a:endParaRPr lang="en-GB"/>
+          </a:p>
+        </p:txBody>
+      </p:sp>
+    </p:spTree>
+    <p:extLst>
+      <p:ext uri="{BB962C8B-B14F-4D97-AF65-F5344CB8AC3E}">
+        <p14:creationId xmlns:p14="http://schemas.microsoft.com/office/powerpoint/2010/main" val="3934570700"/>
+      </p:ext>
+    </p:extLst>
+  </p:cSld>
+  <p:clrMapOvr>
+    <a:masterClrMapping/>
+  </p:clrMapOvr>
+</p:notes>
+</file>
+
+<file path=ppt/notesSlides/notesSlide9.xml><?xml version="1.0" encoding="utf-8"?>
+<p:notes xmlns:a="http://schemas.openxmlformats.org/drawingml/2006/main" xmlns:r="http://schemas.openxmlformats.org/officeDocument/2006/relationships" xmlns:p="http://schemas.openxmlformats.org/presentationml/2006/main">
+  <p:cSld>
+    <p:spTree>
+      <p:nvGrpSpPr>
+        <p:cNvPr id="1" name=""/>
+        <p:cNvGrpSpPr/>
+        <p:nvPr/>
+      </p:nvGrpSpPr>
+      <p:grpSpPr>
+        <a:xfrm>
+          <a:off x="0" y="0"/>
+          <a:ext cx="0" cy="0"/>
+          <a:chOff x="0" y="0"/>
+          <a:chExt cx="0" cy="0"/>
+        </a:xfrm>
+      </p:grpSpPr>
+      <p:sp>
+        <p:nvSpPr>
+          <p:cNvPr id="148" name="PlaceHolder 1"/>
           <p:cNvSpPr>
             <a:spLocks noGrp="1" noRot="1" noChangeAspect="1"/>
           </p:cNvSpPr>
@@ -1352,13 +2150,7 @@
       </p:sp>
       <p:sp>
         <p:nvSpPr>
-          <p:cNvPr id="149" name="PlaceHolder 2">
-            <a:extLst>
-              <a:ext uri="{FF2B5EF4-FFF2-40B4-BE49-F238E27FC236}">
-                <a16:creationId xmlns:a16="http://schemas.microsoft.com/office/drawing/2014/main" id="{EF66D1F8-8FF0-B382-082E-2B2EA2CC835B}"/>
-              </a:ext>
-            </a:extLst>
-          </p:cNvPr>
+          <p:cNvPr id="149" name="PlaceHolder 2"/>
           <p:cNvSpPr>
             <a:spLocks noGrp="1"/>
           </p:cNvSpPr>
@@ -1389,13 +2181,7 @@
       </p:sp>
       <p:sp>
         <p:nvSpPr>
-          <p:cNvPr id="150" name="TextShape 3">
-            <a:extLst>
-              <a:ext uri="{FF2B5EF4-FFF2-40B4-BE49-F238E27FC236}">
-                <a16:creationId xmlns:a16="http://schemas.microsoft.com/office/drawing/2014/main" id="{91034AA0-84DC-81D3-6B95-78FD17FA7A63}"/>
-              </a:ext>
-            </a:extLst>
-          </p:cNvPr>
+          <p:cNvPr id="150" name="TextShape 3"/>
           <p:cNvSpPr txBox="1"/>
           <p:nvPr/>
         </p:nvSpPr>
@@ -1427,7 +2213,7 @@
               <a:rPr lang="en-GB" sz="1200" b="0" strike="noStrike" spc="-1">
                 <a:latin typeface="Times New Roman"/>
               </a:rPr>
-              <a:t>12</a:t>
+              <a:t>15</a:t>
             </a:fld>
             <a:endParaRPr lang="en-US" sz="1200" b="0" strike="noStrike" spc="-1">
               <a:latin typeface="Times New Roman"/>
@@ -1436,11 +2222,6 @@
         </p:txBody>
       </p:sp>
     </p:spTree>
-    <p:extLst>
-      <p:ext uri="{BB962C8B-B14F-4D97-AF65-F5344CB8AC3E}">
-        <p14:creationId xmlns:p14="http://schemas.microsoft.com/office/powerpoint/2010/main" val="2585228822"/>
-      </p:ext>
-    </p:extLst>
   </p:cSld>
   <p:clrMapOvr>
     <a:masterClrMapping/>
@@ -5481,6 +6262,1799 @@
   <p:cSld>
     <p:spTree>
       <p:nvGrpSpPr>
+        <p:cNvPr id="1" name="">
+          <a:extLst>
+            <a:ext uri="{FF2B5EF4-FFF2-40B4-BE49-F238E27FC236}">
+              <a16:creationId xmlns:a16="http://schemas.microsoft.com/office/drawing/2014/main" id="{DB6E4F5B-D4B0-8884-7F5F-7395AFE85E4E}"/>
+            </a:ext>
+          </a:extLst>
+        </p:cNvPr>
+        <p:cNvGrpSpPr/>
+        <p:nvPr/>
+      </p:nvGrpSpPr>
+      <p:grpSpPr>
+        <a:xfrm>
+          <a:off x="0" y="0"/>
+          <a:ext cx="0" cy="0"/>
+          <a:chOff x="0" y="0"/>
+          <a:chExt cx="0" cy="0"/>
+        </a:xfrm>
+      </p:grpSpPr>
+      <p:sp>
+        <p:nvSpPr>
+          <p:cNvPr id="2" name="Subtitle 1">
+            <a:extLst>
+              <a:ext uri="{FF2B5EF4-FFF2-40B4-BE49-F238E27FC236}">
+                <a16:creationId xmlns:a16="http://schemas.microsoft.com/office/drawing/2014/main" id="{AE914057-BDFA-A5B2-0C63-DA39BB3FD51D}"/>
+              </a:ext>
+            </a:extLst>
+          </p:cNvPr>
+          <p:cNvSpPr>
+            <a:spLocks noGrp="1"/>
+          </p:cNvSpPr>
+          <p:nvPr>
+            <p:ph type="subTitle" idx="1"/>
+          </p:nvPr>
+        </p:nvSpPr>
+        <p:spPr>
+          <a:xfrm>
+            <a:off x="965289" y="1034819"/>
+            <a:ext cx="10567950" cy="360000"/>
+          </a:xfrm>
+        </p:spPr>
+        <p:txBody>
+          <a:bodyPr/>
+          <a:lstStyle/>
+          <a:p>
+            <a:r>
+              <a:rPr lang="en-US" sz="2800" dirty="0"/>
+              <a:t>Difference in mean/median CGPA for depressed/non-depressed students in India</a:t>
+            </a:r>
+            <a:endParaRPr lang="en-GB" sz="2800" dirty="0"/>
+          </a:p>
+        </p:txBody>
+      </p:sp>
+      <p:sp>
+        <p:nvSpPr>
+          <p:cNvPr id="4" name="Slide Number Placeholder 3">
+            <a:extLst>
+              <a:ext uri="{FF2B5EF4-FFF2-40B4-BE49-F238E27FC236}">
+                <a16:creationId xmlns:a16="http://schemas.microsoft.com/office/drawing/2014/main" id="{535E275A-C4C6-D950-8666-649AA843EB2A}"/>
+              </a:ext>
+            </a:extLst>
+          </p:cNvPr>
+          <p:cNvSpPr>
+            <a:spLocks noGrp="1"/>
+          </p:cNvSpPr>
+          <p:nvPr>
+            <p:ph type="sldNum" sz="quarter" idx="12"/>
+          </p:nvPr>
+        </p:nvSpPr>
+        <p:spPr/>
+        <p:txBody>
+          <a:bodyPr/>
+          <a:lstStyle/>
+          <a:p>
+            <a:fld id="{E4D355CA-84B7-41B1-B164-8BB439CC7C6B}" type="slidenum">
+              <a:rPr lang="en-GB" smtClean="0"/>
+              <a:pPr/>
+              <a:t>10</a:t>
+            </a:fld>
+            <a:endParaRPr lang="en-GB"/>
+          </a:p>
+        </p:txBody>
+      </p:sp>
+      <p:pic>
+        <p:nvPicPr>
+          <p:cNvPr id="5" name="Picture 4" descr="A close-up of a number&#10;&#10;AI-generated content may be incorrect.">
+            <a:extLst>
+              <a:ext uri="{FF2B5EF4-FFF2-40B4-BE49-F238E27FC236}">
+                <a16:creationId xmlns:a16="http://schemas.microsoft.com/office/drawing/2014/main" id="{344FD94E-3401-9E76-7B01-19BCCE421538}"/>
+              </a:ext>
+            </a:extLst>
+          </p:cNvPr>
+          <p:cNvPicPr>
+            <a:picLocks noChangeAspect="1"/>
+          </p:cNvPicPr>
+          <p:nvPr/>
+        </p:nvPicPr>
+        <p:blipFill>
+          <a:blip r:embed="rId2"/>
+          <a:stretch>
+            <a:fillRect/>
+          </a:stretch>
+        </p:blipFill>
+        <p:spPr>
+          <a:xfrm>
+            <a:off x="965289" y="2143433"/>
+            <a:ext cx="8776871" cy="1791728"/>
+          </a:xfrm>
+          <a:prstGeom prst="rect">
+            <a:avLst/>
+          </a:prstGeom>
+        </p:spPr>
+      </p:pic>
+    </p:spTree>
+    <p:extLst>
+      <p:ext uri="{BB962C8B-B14F-4D97-AF65-F5344CB8AC3E}">
+        <p14:creationId xmlns:p14="http://schemas.microsoft.com/office/powerpoint/2010/main" val="1076843637"/>
+      </p:ext>
+    </p:extLst>
+  </p:cSld>
+  <p:clrMapOvr>
+    <a:masterClrMapping/>
+  </p:clrMapOvr>
+</p:sld>
+</file>
+
+<file path=ppt/slides/slide11.xml><?xml version="1.0" encoding="utf-8"?>
+<p:sld xmlns:a="http://schemas.openxmlformats.org/drawingml/2006/main" xmlns:r="http://schemas.openxmlformats.org/officeDocument/2006/relationships" xmlns:p="http://schemas.openxmlformats.org/presentationml/2006/main">
+  <p:cSld>
+    <p:spTree>
+      <p:nvGrpSpPr>
+        <p:cNvPr id="1" name=""/>
+        <p:cNvGrpSpPr/>
+        <p:nvPr/>
+      </p:nvGrpSpPr>
+      <p:grpSpPr>
+        <a:xfrm>
+          <a:off x="0" y="0"/>
+          <a:ext cx="0" cy="0"/>
+          <a:chOff x="0" y="0"/>
+          <a:chExt cx="0" cy="0"/>
+        </a:xfrm>
+      </p:grpSpPr>
+      <p:sp>
+        <p:nvSpPr>
+          <p:cNvPr id="104" name="CustomShape 1"/>
+          <p:cNvSpPr/>
+          <p:nvPr/>
+        </p:nvSpPr>
+        <p:spPr>
+          <a:xfrm>
+            <a:off x="0" y="0"/>
+            <a:ext cx="12191760" cy="6857640"/>
+          </a:xfrm>
+          <a:prstGeom prst="rect">
+            <a:avLst/>
+          </a:prstGeom>
+          <a:solidFill>
+            <a:schemeClr val="bg1"/>
+          </a:solidFill>
+          <a:ln>
+            <a:noFill/>
+          </a:ln>
+        </p:spPr>
+        <p:style>
+          <a:lnRef idx="2">
+            <a:schemeClr val="accent1">
+              <a:shade val="50000"/>
+            </a:schemeClr>
+          </a:lnRef>
+          <a:fillRef idx="1">
+            <a:schemeClr val="accent1"/>
+          </a:fillRef>
+          <a:effectRef idx="0">
+            <a:schemeClr val="accent1"/>
+          </a:effectRef>
+          <a:fontRef idx="minor"/>
+        </p:style>
+        <p:txBody>
+          <a:bodyPr/>
+          <a:lstStyle/>
+          <a:p>
+            <a:endParaRPr lang="en-GB"/>
+          </a:p>
+        </p:txBody>
+      </p:sp>
+      <p:sp>
+        <p:nvSpPr>
+          <p:cNvPr id="105" name="CustomShape 2"/>
+          <p:cNvSpPr/>
+          <p:nvPr/>
+        </p:nvSpPr>
+        <p:spPr>
+          <a:xfrm rot="10800000" flipH="1">
+            <a:off x="360" y="360"/>
+            <a:ext cx="12191760" cy="1575720"/>
+          </a:xfrm>
+          <a:prstGeom prst="rect">
+            <a:avLst/>
+          </a:prstGeom>
+          <a:gradFill rotWithShape="0">
+            <a:gsLst>
+              <a:gs pos="0">
+                <a:srgbClr val="000000">
+                  <a:alpha val="96078"/>
+                </a:srgbClr>
+              </a:gs>
+              <a:gs pos="100000">
+                <a:srgbClr val="77418E"/>
+              </a:gs>
+            </a:gsLst>
+            <a:lin ang="15600000"/>
+          </a:gradFill>
+          <a:ln>
+            <a:noFill/>
+          </a:ln>
+        </p:spPr>
+        <p:style>
+          <a:lnRef idx="2">
+            <a:schemeClr val="accent1">
+              <a:shade val="50000"/>
+            </a:schemeClr>
+          </a:lnRef>
+          <a:fillRef idx="1">
+            <a:schemeClr val="accent1"/>
+          </a:fillRef>
+          <a:effectRef idx="0">
+            <a:schemeClr val="accent1"/>
+          </a:effectRef>
+          <a:fontRef idx="minor"/>
+        </p:style>
+        <p:txBody>
+          <a:bodyPr/>
+          <a:lstStyle/>
+          <a:p>
+            <a:endParaRPr lang="en-GB"/>
+          </a:p>
+        </p:txBody>
+      </p:sp>
+      <p:sp>
+        <p:nvSpPr>
+          <p:cNvPr id="106" name="CustomShape 3"/>
+          <p:cNvSpPr/>
+          <p:nvPr/>
+        </p:nvSpPr>
+        <p:spPr>
+          <a:xfrm>
+            <a:off x="0" y="0"/>
+            <a:ext cx="8128440" cy="1575000"/>
+          </a:xfrm>
+          <a:prstGeom prst="rect">
+            <a:avLst/>
+          </a:prstGeom>
+          <a:gradFill rotWithShape="0">
+            <a:gsLst>
+              <a:gs pos="26000">
+                <a:srgbClr val="C49FD3">
+                  <a:alpha val="0"/>
+                </a:srgbClr>
+              </a:gs>
+              <a:gs pos="100000">
+                <a:srgbClr val="9C5FB5">
+                  <a:alpha val="41176"/>
+                </a:srgbClr>
+              </a:gs>
+            </a:gsLst>
+            <a:lin ang="19200000"/>
+          </a:gradFill>
+          <a:ln>
+            <a:noFill/>
+          </a:ln>
+        </p:spPr>
+        <p:style>
+          <a:lnRef idx="2">
+            <a:schemeClr val="accent1">
+              <a:shade val="50000"/>
+            </a:schemeClr>
+          </a:lnRef>
+          <a:fillRef idx="1">
+            <a:schemeClr val="accent1"/>
+          </a:fillRef>
+          <a:effectRef idx="0">
+            <a:schemeClr val="accent1"/>
+          </a:effectRef>
+          <a:fontRef idx="minor"/>
+        </p:style>
+        <p:txBody>
+          <a:bodyPr/>
+          <a:lstStyle/>
+          <a:p>
+            <a:endParaRPr lang="en-GB"/>
+          </a:p>
+        </p:txBody>
+      </p:sp>
+      <p:sp>
+        <p:nvSpPr>
+          <p:cNvPr id="107" name="CustomShape 4"/>
+          <p:cNvSpPr/>
+          <p:nvPr/>
+        </p:nvSpPr>
+        <p:spPr>
+          <a:xfrm flipH="1">
+            <a:off x="0" y="0"/>
+            <a:ext cx="12191760" cy="1573920"/>
+          </a:xfrm>
+          <a:prstGeom prst="rect">
+            <a:avLst/>
+          </a:prstGeom>
+          <a:gradFill rotWithShape="0">
+            <a:gsLst>
+              <a:gs pos="22000">
+                <a:srgbClr val="9C5FB5">
+                  <a:alpha val="15294"/>
+                </a:srgbClr>
+              </a:gs>
+              <a:gs pos="100000">
+                <a:srgbClr val="000000">
+                  <a:alpha val="63137"/>
+                </a:srgbClr>
+              </a:gs>
+            </a:gsLst>
+            <a:lin ang="6000000"/>
+          </a:gradFill>
+          <a:ln>
+            <a:noFill/>
+          </a:ln>
+        </p:spPr>
+        <p:style>
+          <a:lnRef idx="2">
+            <a:schemeClr val="accent1">
+              <a:shade val="50000"/>
+            </a:schemeClr>
+          </a:lnRef>
+          <a:fillRef idx="1">
+            <a:schemeClr val="accent1"/>
+          </a:fillRef>
+          <a:effectRef idx="0">
+            <a:schemeClr val="accent1"/>
+          </a:effectRef>
+          <a:fontRef idx="minor"/>
+        </p:style>
+        <p:txBody>
+          <a:bodyPr/>
+          <a:lstStyle/>
+          <a:p>
+            <a:endParaRPr lang="en-GB"/>
+          </a:p>
+        </p:txBody>
+      </p:sp>
+      <p:sp>
+        <p:nvSpPr>
+          <p:cNvPr id="108" name="TextShape 5"/>
+          <p:cNvSpPr txBox="1"/>
+          <p:nvPr/>
+        </p:nvSpPr>
+        <p:spPr>
+          <a:xfrm>
+            <a:off x="290880" y="158400"/>
+            <a:ext cx="7063200" cy="1158840"/>
+          </a:xfrm>
+          <a:prstGeom prst="rect">
+            <a:avLst/>
+          </a:prstGeom>
+          <a:noFill/>
+          <a:ln>
+            <a:noFill/>
+          </a:ln>
+        </p:spPr>
+        <p:txBody>
+          <a:bodyPr anchor="ctr">
+            <a:normAutofit/>
+          </a:bodyPr>
+          <a:lstStyle/>
+          <a:p>
+            <a:pPr>
+              <a:lnSpc>
+                <a:spcPct val="90000"/>
+              </a:lnSpc>
+            </a:pPr>
+            <a:r>
+              <a:rPr lang="en-US" sz="2400" b="0" strike="noStrike" spc="-202">
+                <a:solidFill>
+                  <a:srgbClr val="FFFFFF"/>
+                </a:solidFill>
+                <a:latin typeface="Arial"/>
+              </a:rPr>
+              <a:t> </a:t>
+            </a:r>
+            <a:br/>
+            <a:br/>
+            <a:endParaRPr lang="en-US" sz="2400" b="0" strike="noStrike" spc="-1">
+              <a:solidFill>
+                <a:srgbClr val="203232"/>
+              </a:solidFill>
+              <a:latin typeface="Arial"/>
+            </a:endParaRPr>
+          </a:p>
+        </p:txBody>
+      </p:sp>
+      <p:sp>
+        <p:nvSpPr>
+          <p:cNvPr id="109" name="TextShape 6"/>
+          <p:cNvSpPr txBox="1"/>
+          <p:nvPr/>
+        </p:nvSpPr>
+        <p:spPr>
+          <a:xfrm>
+            <a:off x="7354080" y="203882"/>
+            <a:ext cx="4705437" cy="1158840"/>
+          </a:xfrm>
+          <a:prstGeom prst="rect">
+            <a:avLst/>
+          </a:prstGeom>
+          <a:noFill/>
+          <a:ln>
+            <a:noFill/>
+          </a:ln>
+        </p:spPr>
+        <p:txBody>
+          <a:bodyPr anchor="ctr">
+            <a:noAutofit/>
+          </a:bodyPr>
+          <a:lstStyle/>
+          <a:p>
+            <a:pPr>
+              <a:lnSpc>
+                <a:spcPts val="2880"/>
+              </a:lnSpc>
+              <a:spcAft>
+                <a:spcPts val="992"/>
+              </a:spcAft>
+              <a:tabLst>
+                <a:tab pos="0" algn="l"/>
+              </a:tabLst>
+            </a:pPr>
+            <a:r>
+              <a:rPr lang="en-GB" sz="3000" b="1" strike="noStrike" spc="-100">
+                <a:solidFill>
+                  <a:srgbClr val="FFFFFF"/>
+                </a:solidFill>
+                <a:latin typeface="Arial"/>
+              </a:rPr>
+              <a:t>Our RQ asks about Differences in means/ medians </a:t>
+            </a:r>
+            <a:endParaRPr lang="en-US" sz="3000" b="1" strike="noStrike" spc="-1">
+              <a:latin typeface="Arial"/>
+            </a:endParaRPr>
+          </a:p>
+        </p:txBody>
+      </p:sp>
+      <p:sp>
+        <p:nvSpPr>
+          <p:cNvPr id="110" name="TextShape 7"/>
+          <p:cNvSpPr txBox="1"/>
+          <p:nvPr/>
+        </p:nvSpPr>
+        <p:spPr>
+          <a:xfrm>
+            <a:off x="11704320" y="6455520"/>
+            <a:ext cx="447840" cy="364680"/>
+          </a:xfrm>
+          <a:prstGeom prst="rect">
+            <a:avLst/>
+          </a:prstGeom>
+          <a:noFill/>
+          <a:ln>
+            <a:noFill/>
+          </a:ln>
+        </p:spPr>
+        <p:txBody>
+          <a:bodyPr anchor="ctr">
+            <a:normAutofit/>
+          </a:bodyPr>
+          <a:lstStyle/>
+          <a:p>
+            <a:pPr algn="r">
+              <a:lnSpc>
+                <a:spcPct val="100000"/>
+              </a:lnSpc>
+              <a:spcAft>
+                <a:spcPts val="601"/>
+              </a:spcAft>
+            </a:pPr>
+            <a:fld id="{29CEFF96-2F62-4B45-8A43-FC60A0A96C7C}" type="slidenum">
+              <a:rPr lang="en-US" sz="1100" b="1" strike="noStrike" spc="-1">
+                <a:solidFill>
+                  <a:srgbClr val="7DABAB"/>
+                </a:solidFill>
+                <a:latin typeface="Arial"/>
+              </a:rPr>
+              <a:t>11</a:t>
+            </a:fld>
+            <a:endParaRPr lang="en-US" sz="1100" b="0" strike="noStrike" spc="-1">
+              <a:latin typeface="Times New Roman"/>
+            </a:endParaRPr>
+          </a:p>
+        </p:txBody>
+      </p:sp>
+      <p:sp>
+        <p:nvSpPr>
+          <p:cNvPr id="111" name="CustomShape 8"/>
+          <p:cNvSpPr/>
+          <p:nvPr/>
+        </p:nvSpPr>
+        <p:spPr>
+          <a:xfrm>
+            <a:off x="366120" y="197640"/>
+            <a:ext cx="6988320" cy="1187640"/>
+          </a:xfrm>
+          <a:prstGeom prst="rect">
+            <a:avLst/>
+          </a:prstGeom>
+          <a:noFill/>
+          <a:ln>
+            <a:noFill/>
+          </a:ln>
+        </p:spPr>
+        <p:style>
+          <a:lnRef idx="0">
+            <a:scrgbClr r="0" g="0" b="0"/>
+          </a:lnRef>
+          <a:fillRef idx="0">
+            <a:scrgbClr r="0" g="0" b="0"/>
+          </a:fillRef>
+          <a:effectRef idx="0">
+            <a:scrgbClr r="0" g="0" b="0"/>
+          </a:effectRef>
+          <a:fontRef idx="minor"/>
+        </p:style>
+        <p:txBody>
+          <a:bodyPr lIns="90000" tIns="45000" rIns="90000" bIns="45000">
+            <a:spAutoFit/>
+          </a:bodyPr>
+          <a:lstStyle/>
+          <a:p>
+            <a:pPr>
+              <a:lnSpc>
+                <a:spcPct val="100000"/>
+              </a:lnSpc>
+            </a:pPr>
+            <a:r>
+              <a:rPr lang="en-GB" sz="2400" b="0" strike="noStrike" spc="-1" dirty="0">
+                <a:solidFill>
+                  <a:srgbClr val="FFFFFF"/>
+                </a:solidFill>
+                <a:latin typeface="Arial"/>
+              </a:rPr>
+              <a:t>Here is a </a:t>
+            </a:r>
+            <a:r>
+              <a:rPr lang="en-GB" sz="2400" b="1" strike="noStrike" spc="-1" dirty="0">
+                <a:solidFill>
+                  <a:srgbClr val="FFFFFF"/>
+                </a:solidFill>
+                <a:latin typeface="Arial"/>
+              </a:rPr>
+              <a:t>Histogram </a:t>
+            </a:r>
+            <a:r>
+              <a:rPr lang="en-GB" sz="2400" b="0" strike="noStrike" spc="-1" dirty="0">
+                <a:solidFill>
+                  <a:srgbClr val="FFFFFF"/>
+                </a:solidFill>
+                <a:latin typeface="Arial"/>
+              </a:rPr>
+              <a:t>showing the frequencies of our dependent variable to include the normal curve overlay (shown in blue)</a:t>
+            </a:r>
+            <a:r>
+              <a:rPr lang="en-GB" sz="1800" b="0" strike="noStrike" spc="-1" dirty="0">
+                <a:solidFill>
+                  <a:srgbClr val="203232"/>
+                </a:solidFill>
+                <a:latin typeface="Arial"/>
+              </a:rPr>
+              <a:t>.</a:t>
+            </a:r>
+            <a:endParaRPr lang="en-US" sz="1800" b="0" strike="noStrike" spc="-1" dirty="0">
+              <a:latin typeface="Arial"/>
+            </a:endParaRPr>
+          </a:p>
+        </p:txBody>
+      </p:sp>
+      <p:sp>
+        <p:nvSpPr>
+          <p:cNvPr id="112" name="CustomShape 9"/>
+          <p:cNvSpPr/>
+          <p:nvPr/>
+        </p:nvSpPr>
+        <p:spPr>
+          <a:xfrm>
+            <a:off x="663300" y="1751580"/>
+            <a:ext cx="10865160" cy="4886280"/>
+          </a:xfrm>
+          <a:prstGeom prst="roundRect">
+            <a:avLst>
+              <a:gd name="adj" fmla="val 16667"/>
+            </a:avLst>
+          </a:prstGeom>
+          <a:solidFill>
+            <a:schemeClr val="accent1">
+              <a:lumMod val="20000"/>
+              <a:lumOff val="80000"/>
+            </a:schemeClr>
+          </a:solidFill>
+          <a:ln/>
+        </p:spPr>
+        <p:style>
+          <a:lnRef idx="2">
+            <a:schemeClr val="accent1">
+              <a:shade val="50000"/>
+            </a:schemeClr>
+          </a:lnRef>
+          <a:fillRef idx="1">
+            <a:schemeClr val="accent1"/>
+          </a:fillRef>
+          <a:effectRef idx="0">
+            <a:schemeClr val="accent1"/>
+          </a:effectRef>
+          <a:fontRef idx="minor"/>
+        </p:style>
+        <p:txBody>
+          <a:bodyPr lIns="90000" tIns="45000" rIns="90000" bIns="45000" anchor="ctr">
+            <a:noAutofit/>
+          </a:bodyPr>
+          <a:lstStyle/>
+          <a:p>
+            <a:endParaRPr lang="en-GB" dirty="0"/>
+          </a:p>
+        </p:txBody>
+      </p:sp>
+      <p:sp>
+        <p:nvSpPr>
+          <p:cNvPr id="113" name="CustomShape 10"/>
+          <p:cNvSpPr/>
+          <p:nvPr/>
+        </p:nvSpPr>
+        <p:spPr>
+          <a:xfrm>
+            <a:off x="7275870" y="2966577"/>
+            <a:ext cx="3846825" cy="1752872"/>
+          </a:xfrm>
+          <a:prstGeom prst="rect">
+            <a:avLst/>
+          </a:prstGeom>
+          <a:noFill/>
+          <a:ln>
+            <a:noFill/>
+          </a:ln>
+        </p:spPr>
+        <p:style>
+          <a:lnRef idx="0">
+            <a:scrgbClr r="0" g="0" b="0"/>
+          </a:lnRef>
+          <a:fillRef idx="0">
+            <a:scrgbClr r="0" g="0" b="0"/>
+          </a:fillRef>
+          <a:effectRef idx="0">
+            <a:scrgbClr r="0" g="0" b="0"/>
+          </a:effectRef>
+          <a:fontRef idx="minor"/>
+        </p:style>
+        <p:txBody>
+          <a:bodyPr wrap="square" lIns="90000" tIns="45000" rIns="90000" bIns="45000">
+            <a:spAutoFit/>
+          </a:bodyPr>
+          <a:lstStyle/>
+          <a:p>
+            <a:pPr>
+              <a:lnSpc>
+                <a:spcPct val="100000"/>
+              </a:lnSpc>
+            </a:pPr>
+            <a:r>
+              <a:rPr lang="en-GB" spc="-1" dirty="0">
+                <a:solidFill>
+                  <a:srgbClr val="203232"/>
+                </a:solidFill>
+              </a:rPr>
+              <a:t>Normal Distribution</a:t>
+            </a:r>
+          </a:p>
+          <a:p>
+            <a:pPr>
+              <a:lnSpc>
+                <a:spcPct val="100000"/>
+              </a:lnSpc>
+            </a:pPr>
+            <a:endParaRPr lang="en-GB" spc="-1" dirty="0">
+              <a:solidFill>
+                <a:srgbClr val="203232"/>
+              </a:solidFill>
+            </a:endParaRPr>
+          </a:p>
+          <a:p>
+            <a:pPr>
+              <a:lnSpc>
+                <a:spcPct val="100000"/>
+              </a:lnSpc>
+            </a:pPr>
+            <a:r>
+              <a:rPr lang="en-GB" spc="-1" dirty="0">
+                <a:solidFill>
+                  <a:srgbClr val="203232"/>
+                </a:solidFill>
+              </a:rPr>
+              <a:t>The normal curve overlay </a:t>
+            </a:r>
+            <a:r>
+              <a:rPr lang="en-GB" b="1" i="1" spc="-1" dirty="0">
+                <a:solidFill>
+                  <a:srgbClr val="203232"/>
+                </a:solidFill>
+              </a:rPr>
+              <a:t>follows</a:t>
+            </a:r>
+            <a:r>
+              <a:rPr lang="en-GB" spc="-1" dirty="0">
+                <a:solidFill>
+                  <a:srgbClr val="203232"/>
+                </a:solidFill>
+              </a:rPr>
+              <a:t> the contours of the underlying data, so we use the parametric test</a:t>
+            </a:r>
+            <a:r>
+              <a:rPr lang="en-GB" spc="-1" dirty="0">
+                <a:solidFill>
+                  <a:srgbClr val="0073CF"/>
+                </a:solidFill>
+              </a:rPr>
+              <a:t>: t-test.</a:t>
+            </a:r>
+            <a:endParaRPr lang="en-US" spc="-1" dirty="0"/>
+          </a:p>
+        </p:txBody>
+      </p:sp>
+      <p:sp>
+        <p:nvSpPr>
+          <p:cNvPr id="5" name="TextBox 4">
+            <a:extLst>
+              <a:ext uri="{FF2B5EF4-FFF2-40B4-BE49-F238E27FC236}">
+                <a16:creationId xmlns:a16="http://schemas.microsoft.com/office/drawing/2014/main" id="{9ACF8965-95F3-E3DD-CF99-AD76067AEF77}"/>
+              </a:ext>
+            </a:extLst>
+          </p:cNvPr>
+          <p:cNvSpPr txBox="1"/>
+          <p:nvPr/>
+        </p:nvSpPr>
+        <p:spPr>
+          <a:xfrm>
+            <a:off x="7275870" y="2092128"/>
+            <a:ext cx="3180080" cy="369332"/>
+          </a:xfrm>
+          <a:prstGeom prst="rect">
+            <a:avLst/>
+          </a:prstGeom>
+          <a:noFill/>
+        </p:spPr>
+        <p:txBody>
+          <a:bodyPr wrap="square" rtlCol="0">
+            <a:spAutoFit/>
+          </a:bodyPr>
+          <a:lstStyle/>
+          <a:p>
+            <a:r>
+              <a:rPr lang="en-US" dirty="0"/>
+              <a:t>Histogram - Overall CGPA</a:t>
+            </a:r>
+          </a:p>
+        </p:txBody>
+      </p:sp>
+      <p:pic>
+        <p:nvPicPr>
+          <p:cNvPr id="3" name="Picture 2" descr="A graph with blue bars and red line&#10;&#10;AI-generated content may be incorrect.">
+            <a:extLst>
+              <a:ext uri="{FF2B5EF4-FFF2-40B4-BE49-F238E27FC236}">
+                <a16:creationId xmlns:a16="http://schemas.microsoft.com/office/drawing/2014/main" id="{074D5352-A590-4DA8-185E-4409C7B41DBB}"/>
+              </a:ext>
+            </a:extLst>
+          </p:cNvPr>
+          <p:cNvPicPr>
+            <a:picLocks noChangeAspect="1"/>
+          </p:cNvPicPr>
+          <p:nvPr/>
+        </p:nvPicPr>
+        <p:blipFill>
+          <a:blip r:embed="rId2">
+            <a:extLst>
+              <a:ext uri="{28A0092B-C50C-407E-A947-70E740481C1C}">
+                <a14:useLocalDpi xmlns:a14="http://schemas.microsoft.com/office/drawing/2010/main" val="0"/>
+              </a:ext>
+            </a:extLst>
+          </a:blip>
+          <a:stretch>
+            <a:fillRect/>
+          </a:stretch>
+        </p:blipFill>
+        <p:spPr>
+          <a:xfrm>
+            <a:off x="939872" y="2092128"/>
+            <a:ext cx="6145863" cy="4245143"/>
+          </a:xfrm>
+          <a:prstGeom prst="rect">
+            <a:avLst/>
+          </a:prstGeom>
+        </p:spPr>
+      </p:pic>
+    </p:spTree>
+  </p:cSld>
+  <p:clrMapOvr>
+    <a:masterClrMapping/>
+  </p:clrMapOvr>
+</p:sld>
+</file>
+
+<file path=ppt/slides/slide12.xml><?xml version="1.0" encoding="utf-8"?>
+<p:sld xmlns:a="http://schemas.openxmlformats.org/drawingml/2006/main" xmlns:r="http://schemas.openxmlformats.org/officeDocument/2006/relationships" xmlns:p="http://schemas.openxmlformats.org/presentationml/2006/main">
+  <p:cSld>
+    <p:spTree>
+      <p:nvGrpSpPr>
+        <p:cNvPr id="1" name=""/>
+        <p:cNvGrpSpPr/>
+        <p:nvPr/>
+      </p:nvGrpSpPr>
+      <p:grpSpPr>
+        <a:xfrm>
+          <a:off x="0" y="0"/>
+          <a:ext cx="0" cy="0"/>
+          <a:chOff x="0" y="0"/>
+          <a:chExt cx="0" cy="0"/>
+        </a:xfrm>
+      </p:grpSpPr>
+      <p:sp>
+        <p:nvSpPr>
+          <p:cNvPr id="3" name="Footer Placeholder 2">
+            <a:extLst>
+              <a:ext uri="{FF2B5EF4-FFF2-40B4-BE49-F238E27FC236}">
+                <a16:creationId xmlns:a16="http://schemas.microsoft.com/office/drawing/2014/main" id="{3C4D431B-7665-75B0-2D73-5BD588DCB766}"/>
+              </a:ext>
+            </a:extLst>
+          </p:cNvPr>
+          <p:cNvSpPr>
+            <a:spLocks noGrp="1"/>
+          </p:cNvSpPr>
+          <p:nvPr>
+            <p:ph type="ftr" sz="quarter" idx="11"/>
+          </p:nvPr>
+        </p:nvSpPr>
+        <p:spPr>
+          <a:xfrm>
+            <a:off x="952800" y="262288"/>
+            <a:ext cx="7176911" cy="230832"/>
+          </a:xfrm>
+        </p:spPr>
+        <p:txBody>
+          <a:bodyPr/>
+          <a:lstStyle/>
+          <a:p>
+            <a:r>
+              <a:rPr lang="en-GB" dirty="0"/>
+              <a:t>PRE 7COM1079-2022  Student Group No:  A 136</a:t>
+            </a:r>
+          </a:p>
+        </p:txBody>
+      </p:sp>
+      <p:sp>
+        <p:nvSpPr>
+          <p:cNvPr id="4" name="Slide Number Placeholder 3">
+            <a:extLst>
+              <a:ext uri="{FF2B5EF4-FFF2-40B4-BE49-F238E27FC236}">
+                <a16:creationId xmlns:a16="http://schemas.microsoft.com/office/drawing/2014/main" id="{1625FA15-B17F-387B-E383-5505647ABB89}"/>
+              </a:ext>
+            </a:extLst>
+          </p:cNvPr>
+          <p:cNvSpPr>
+            <a:spLocks noGrp="1"/>
+          </p:cNvSpPr>
+          <p:nvPr>
+            <p:ph type="sldNum" sz="quarter" idx="12"/>
+          </p:nvPr>
+        </p:nvSpPr>
+        <p:spPr/>
+        <p:txBody>
+          <a:bodyPr/>
+          <a:lstStyle/>
+          <a:p>
+            <a:fld id="{E4D355CA-84B7-41B1-B164-8BB439CC7C6B}" type="slidenum">
+              <a:rPr lang="en-GB" smtClean="0"/>
+              <a:pPr/>
+              <a:t>12</a:t>
+            </a:fld>
+            <a:endParaRPr lang="en-GB"/>
+          </a:p>
+        </p:txBody>
+      </p:sp>
+      <p:sp>
+        <p:nvSpPr>
+          <p:cNvPr id="8" name="Subtitle 7">
+            <a:extLst>
+              <a:ext uri="{FF2B5EF4-FFF2-40B4-BE49-F238E27FC236}">
+                <a16:creationId xmlns:a16="http://schemas.microsoft.com/office/drawing/2014/main" id="{08296624-D625-8A51-63F8-EC461F283B3B}"/>
+              </a:ext>
+            </a:extLst>
+          </p:cNvPr>
+          <p:cNvSpPr>
+            <a:spLocks noGrp="1"/>
+          </p:cNvSpPr>
+          <p:nvPr>
+            <p:ph type="subTitle" idx="1"/>
+          </p:nvPr>
+        </p:nvSpPr>
+        <p:spPr>
+          <a:xfrm>
+            <a:off x="952800" y="680046"/>
+            <a:ext cx="9781369" cy="230833"/>
+          </a:xfrm>
+          <a:solidFill>
+            <a:schemeClr val="bg2"/>
+          </a:solidFill>
+        </p:spPr>
+        <p:txBody>
+          <a:bodyPr/>
+          <a:lstStyle/>
+          <a:p>
+            <a:pPr>
+              <a:lnSpc>
+                <a:spcPct val="100000"/>
+              </a:lnSpc>
+            </a:pPr>
+            <a:r>
+              <a:rPr lang="en-GB" b="0" dirty="0">
+                <a:solidFill>
+                  <a:srgbClr val="FF0000"/>
+                </a:solidFill>
+              </a:rPr>
+              <a:t>2. Boxplot</a:t>
+            </a:r>
+            <a:endParaRPr lang="en-GB" b="0" i="1" dirty="0"/>
+          </a:p>
+        </p:txBody>
+      </p:sp>
+      <p:pic>
+        <p:nvPicPr>
+          <p:cNvPr id="6" name="Picture 5" descr="A graph of a comparison of a student's depression status&#10;&#10;AI-generated content may be incorrect.">
+            <a:extLst>
+              <a:ext uri="{FF2B5EF4-FFF2-40B4-BE49-F238E27FC236}">
+                <a16:creationId xmlns:a16="http://schemas.microsoft.com/office/drawing/2014/main" id="{0BE281F0-1C24-884C-CEFA-DF352793D2BA}"/>
+              </a:ext>
+            </a:extLst>
+          </p:cNvPr>
+          <p:cNvPicPr>
+            <a:picLocks noChangeAspect="1"/>
+          </p:cNvPicPr>
+          <p:nvPr/>
+        </p:nvPicPr>
+        <p:blipFill>
+          <a:blip r:embed="rId3">
+            <a:extLst>
+              <a:ext uri="{28A0092B-C50C-407E-A947-70E740481C1C}">
+                <a14:useLocalDpi xmlns:a14="http://schemas.microsoft.com/office/drawing/2010/main" val="0"/>
+              </a:ext>
+            </a:extLst>
+          </a:blip>
+          <a:stretch>
+            <a:fillRect/>
+          </a:stretch>
+        </p:blipFill>
+        <p:spPr>
+          <a:xfrm>
+            <a:off x="1099031" y="1314336"/>
+            <a:ext cx="5842543" cy="4035630"/>
+          </a:xfrm>
+          <a:prstGeom prst="rect">
+            <a:avLst/>
+          </a:prstGeom>
+        </p:spPr>
+      </p:pic>
+      <p:sp>
+        <p:nvSpPr>
+          <p:cNvPr id="7" name="TextBox 6">
+            <a:extLst>
+              <a:ext uri="{FF2B5EF4-FFF2-40B4-BE49-F238E27FC236}">
+                <a16:creationId xmlns:a16="http://schemas.microsoft.com/office/drawing/2014/main" id="{241F9D6F-3193-4870-158F-AEA59E2B813F}"/>
+              </a:ext>
+            </a:extLst>
+          </p:cNvPr>
+          <p:cNvSpPr txBox="1"/>
+          <p:nvPr/>
+        </p:nvSpPr>
+        <p:spPr>
+          <a:xfrm>
+            <a:off x="7010400" y="2685820"/>
+            <a:ext cx="4673074" cy="646331"/>
+          </a:xfrm>
+          <a:prstGeom prst="rect">
+            <a:avLst/>
+          </a:prstGeom>
+          <a:noFill/>
+        </p:spPr>
+        <p:txBody>
+          <a:bodyPr wrap="none" rtlCol="0">
+            <a:spAutoFit/>
+          </a:bodyPr>
+          <a:lstStyle/>
+          <a:p>
+            <a:r>
+              <a:rPr lang="en-US" dirty="0">
+                <a:solidFill>
+                  <a:srgbClr val="FF0000"/>
+                </a:solidFill>
+              </a:rPr>
+              <a:t>Outliers have been removed for two records</a:t>
+            </a:r>
+          </a:p>
+          <a:p>
+            <a:r>
+              <a:rPr lang="en-US" dirty="0">
+                <a:solidFill>
+                  <a:srgbClr val="FF0000"/>
+                </a:solidFill>
+              </a:rPr>
+              <a:t>where CGPA = 0 for not depressed students</a:t>
+            </a:r>
+          </a:p>
+        </p:txBody>
+      </p:sp>
+    </p:spTree>
+    <p:extLst>
+      <p:ext uri="{BB962C8B-B14F-4D97-AF65-F5344CB8AC3E}">
+        <p14:creationId xmlns:p14="http://schemas.microsoft.com/office/powerpoint/2010/main" val="2723358785"/>
+      </p:ext>
+    </p:extLst>
+  </p:cSld>
+  <p:clrMapOvr>
+    <a:masterClrMapping/>
+  </p:clrMapOvr>
+</p:sld>
+</file>
+
+<file path=ppt/slides/slide13.xml><?xml version="1.0" encoding="utf-8"?>
+<p:sld xmlns:a="http://schemas.openxmlformats.org/drawingml/2006/main" xmlns:r="http://schemas.openxmlformats.org/officeDocument/2006/relationships" xmlns:p="http://schemas.openxmlformats.org/presentationml/2006/main">
+  <p:cSld>
+    <p:spTree>
+      <p:nvGrpSpPr>
+        <p:cNvPr id="1" name="">
+          <a:extLst>
+            <a:ext uri="{FF2B5EF4-FFF2-40B4-BE49-F238E27FC236}">
+              <a16:creationId xmlns:a16="http://schemas.microsoft.com/office/drawing/2014/main" id="{1A42EC50-20C2-7B69-38C1-802085247BE3}"/>
+            </a:ext>
+          </a:extLst>
+        </p:cNvPr>
+        <p:cNvGrpSpPr/>
+        <p:nvPr/>
+      </p:nvGrpSpPr>
+      <p:grpSpPr>
+        <a:xfrm>
+          <a:off x="0" y="0"/>
+          <a:ext cx="0" cy="0"/>
+          <a:chOff x="0" y="0"/>
+          <a:chExt cx="0" cy="0"/>
+        </a:xfrm>
+      </p:grpSpPr>
+      <p:sp>
+        <p:nvSpPr>
+          <p:cNvPr id="104" name="CustomShape 1">
+            <a:extLst>
+              <a:ext uri="{FF2B5EF4-FFF2-40B4-BE49-F238E27FC236}">
+                <a16:creationId xmlns:a16="http://schemas.microsoft.com/office/drawing/2014/main" id="{95723682-6F19-C0F8-5C87-99BF972326C5}"/>
+              </a:ext>
+            </a:extLst>
+          </p:cNvPr>
+          <p:cNvSpPr/>
+          <p:nvPr/>
+        </p:nvSpPr>
+        <p:spPr>
+          <a:xfrm>
+            <a:off x="0" y="0"/>
+            <a:ext cx="12191760" cy="6857640"/>
+          </a:xfrm>
+          <a:prstGeom prst="rect">
+            <a:avLst/>
+          </a:prstGeom>
+          <a:solidFill>
+            <a:schemeClr val="bg1"/>
+          </a:solidFill>
+          <a:ln>
+            <a:noFill/>
+          </a:ln>
+        </p:spPr>
+        <p:style>
+          <a:lnRef idx="2">
+            <a:schemeClr val="accent1">
+              <a:shade val="50000"/>
+            </a:schemeClr>
+          </a:lnRef>
+          <a:fillRef idx="1">
+            <a:schemeClr val="accent1"/>
+          </a:fillRef>
+          <a:effectRef idx="0">
+            <a:schemeClr val="accent1"/>
+          </a:effectRef>
+          <a:fontRef idx="minor"/>
+        </p:style>
+        <p:txBody>
+          <a:bodyPr/>
+          <a:lstStyle/>
+          <a:p>
+            <a:endParaRPr lang="en-GB"/>
+          </a:p>
+        </p:txBody>
+      </p:sp>
+      <p:sp>
+        <p:nvSpPr>
+          <p:cNvPr id="105" name="CustomShape 2">
+            <a:extLst>
+              <a:ext uri="{FF2B5EF4-FFF2-40B4-BE49-F238E27FC236}">
+                <a16:creationId xmlns:a16="http://schemas.microsoft.com/office/drawing/2014/main" id="{59CF95D9-2372-DE69-0408-1346F1F53907}"/>
+              </a:ext>
+            </a:extLst>
+          </p:cNvPr>
+          <p:cNvSpPr/>
+          <p:nvPr/>
+        </p:nvSpPr>
+        <p:spPr>
+          <a:xfrm rot="10800000" flipH="1">
+            <a:off x="360" y="360"/>
+            <a:ext cx="12191760" cy="1575720"/>
+          </a:xfrm>
+          <a:prstGeom prst="rect">
+            <a:avLst/>
+          </a:prstGeom>
+          <a:gradFill rotWithShape="0">
+            <a:gsLst>
+              <a:gs pos="0">
+                <a:srgbClr val="000000">
+                  <a:alpha val="96078"/>
+                </a:srgbClr>
+              </a:gs>
+              <a:gs pos="100000">
+                <a:srgbClr val="77418E"/>
+              </a:gs>
+            </a:gsLst>
+            <a:lin ang="15600000"/>
+          </a:gradFill>
+          <a:ln>
+            <a:noFill/>
+          </a:ln>
+        </p:spPr>
+        <p:style>
+          <a:lnRef idx="2">
+            <a:schemeClr val="accent1">
+              <a:shade val="50000"/>
+            </a:schemeClr>
+          </a:lnRef>
+          <a:fillRef idx="1">
+            <a:schemeClr val="accent1"/>
+          </a:fillRef>
+          <a:effectRef idx="0">
+            <a:schemeClr val="accent1"/>
+          </a:effectRef>
+          <a:fontRef idx="minor"/>
+        </p:style>
+        <p:txBody>
+          <a:bodyPr/>
+          <a:lstStyle/>
+          <a:p>
+            <a:endParaRPr lang="en-GB"/>
+          </a:p>
+        </p:txBody>
+      </p:sp>
+      <p:sp>
+        <p:nvSpPr>
+          <p:cNvPr id="106" name="CustomShape 3">
+            <a:extLst>
+              <a:ext uri="{FF2B5EF4-FFF2-40B4-BE49-F238E27FC236}">
+                <a16:creationId xmlns:a16="http://schemas.microsoft.com/office/drawing/2014/main" id="{BD5A8D64-CCFD-5306-83D4-7AB5615B272E}"/>
+              </a:ext>
+            </a:extLst>
+          </p:cNvPr>
+          <p:cNvSpPr/>
+          <p:nvPr/>
+        </p:nvSpPr>
+        <p:spPr>
+          <a:xfrm>
+            <a:off x="0" y="0"/>
+            <a:ext cx="8128440" cy="1575000"/>
+          </a:xfrm>
+          <a:prstGeom prst="rect">
+            <a:avLst/>
+          </a:prstGeom>
+          <a:gradFill rotWithShape="0">
+            <a:gsLst>
+              <a:gs pos="26000">
+                <a:srgbClr val="C49FD3">
+                  <a:alpha val="0"/>
+                </a:srgbClr>
+              </a:gs>
+              <a:gs pos="100000">
+                <a:srgbClr val="9C5FB5">
+                  <a:alpha val="41176"/>
+                </a:srgbClr>
+              </a:gs>
+            </a:gsLst>
+            <a:lin ang="19200000"/>
+          </a:gradFill>
+          <a:ln>
+            <a:noFill/>
+          </a:ln>
+        </p:spPr>
+        <p:style>
+          <a:lnRef idx="2">
+            <a:schemeClr val="accent1">
+              <a:shade val="50000"/>
+            </a:schemeClr>
+          </a:lnRef>
+          <a:fillRef idx="1">
+            <a:schemeClr val="accent1"/>
+          </a:fillRef>
+          <a:effectRef idx="0">
+            <a:schemeClr val="accent1"/>
+          </a:effectRef>
+          <a:fontRef idx="minor"/>
+        </p:style>
+        <p:txBody>
+          <a:bodyPr/>
+          <a:lstStyle/>
+          <a:p>
+            <a:endParaRPr lang="en-GB"/>
+          </a:p>
+        </p:txBody>
+      </p:sp>
+      <p:sp>
+        <p:nvSpPr>
+          <p:cNvPr id="107" name="CustomShape 4">
+            <a:extLst>
+              <a:ext uri="{FF2B5EF4-FFF2-40B4-BE49-F238E27FC236}">
+                <a16:creationId xmlns:a16="http://schemas.microsoft.com/office/drawing/2014/main" id="{2A4E58ED-0DC3-CBD2-50C2-6F69EAD79684}"/>
+              </a:ext>
+            </a:extLst>
+          </p:cNvPr>
+          <p:cNvSpPr/>
+          <p:nvPr/>
+        </p:nvSpPr>
+        <p:spPr>
+          <a:xfrm flipH="1">
+            <a:off x="0" y="0"/>
+            <a:ext cx="12191760" cy="1573920"/>
+          </a:xfrm>
+          <a:prstGeom prst="rect">
+            <a:avLst/>
+          </a:prstGeom>
+          <a:gradFill rotWithShape="0">
+            <a:gsLst>
+              <a:gs pos="22000">
+                <a:srgbClr val="9C5FB5">
+                  <a:alpha val="15294"/>
+                </a:srgbClr>
+              </a:gs>
+              <a:gs pos="100000">
+                <a:srgbClr val="000000">
+                  <a:alpha val="63137"/>
+                </a:srgbClr>
+              </a:gs>
+            </a:gsLst>
+            <a:lin ang="6000000"/>
+          </a:gradFill>
+          <a:ln>
+            <a:noFill/>
+          </a:ln>
+        </p:spPr>
+        <p:style>
+          <a:lnRef idx="2">
+            <a:schemeClr val="accent1">
+              <a:shade val="50000"/>
+            </a:schemeClr>
+          </a:lnRef>
+          <a:fillRef idx="1">
+            <a:schemeClr val="accent1"/>
+          </a:fillRef>
+          <a:effectRef idx="0">
+            <a:schemeClr val="accent1"/>
+          </a:effectRef>
+          <a:fontRef idx="minor"/>
+        </p:style>
+        <p:txBody>
+          <a:bodyPr/>
+          <a:lstStyle/>
+          <a:p>
+            <a:endParaRPr lang="en-GB"/>
+          </a:p>
+        </p:txBody>
+      </p:sp>
+      <p:sp>
+        <p:nvSpPr>
+          <p:cNvPr id="108" name="TextShape 5">
+            <a:extLst>
+              <a:ext uri="{FF2B5EF4-FFF2-40B4-BE49-F238E27FC236}">
+                <a16:creationId xmlns:a16="http://schemas.microsoft.com/office/drawing/2014/main" id="{825EE3B4-3C83-3502-3A72-040B53047745}"/>
+              </a:ext>
+            </a:extLst>
+          </p:cNvPr>
+          <p:cNvSpPr txBox="1"/>
+          <p:nvPr/>
+        </p:nvSpPr>
+        <p:spPr>
+          <a:xfrm>
+            <a:off x="290880" y="158400"/>
+            <a:ext cx="7063200" cy="1158840"/>
+          </a:xfrm>
+          <a:prstGeom prst="rect">
+            <a:avLst/>
+          </a:prstGeom>
+          <a:noFill/>
+          <a:ln>
+            <a:noFill/>
+          </a:ln>
+        </p:spPr>
+        <p:txBody>
+          <a:bodyPr anchor="ctr">
+            <a:normAutofit/>
+          </a:bodyPr>
+          <a:lstStyle/>
+          <a:p>
+            <a:pPr>
+              <a:lnSpc>
+                <a:spcPct val="90000"/>
+              </a:lnSpc>
+            </a:pPr>
+            <a:r>
+              <a:rPr lang="en-US" sz="2400" b="0" strike="noStrike" spc="-202">
+                <a:solidFill>
+                  <a:srgbClr val="FFFFFF"/>
+                </a:solidFill>
+                <a:latin typeface="Arial"/>
+              </a:rPr>
+              <a:t> </a:t>
+            </a:r>
+            <a:br/>
+            <a:br/>
+            <a:endParaRPr lang="en-US" sz="2400" b="0" strike="noStrike" spc="-1">
+              <a:solidFill>
+                <a:srgbClr val="203232"/>
+              </a:solidFill>
+              <a:latin typeface="Arial"/>
+            </a:endParaRPr>
+          </a:p>
+        </p:txBody>
+      </p:sp>
+      <p:sp>
+        <p:nvSpPr>
+          <p:cNvPr id="109" name="TextShape 6">
+            <a:extLst>
+              <a:ext uri="{FF2B5EF4-FFF2-40B4-BE49-F238E27FC236}">
+                <a16:creationId xmlns:a16="http://schemas.microsoft.com/office/drawing/2014/main" id="{5C90A7C8-C960-5586-0BD8-8EC12E0665C0}"/>
+              </a:ext>
+            </a:extLst>
+          </p:cNvPr>
+          <p:cNvSpPr txBox="1"/>
+          <p:nvPr/>
+        </p:nvSpPr>
+        <p:spPr>
+          <a:xfrm>
+            <a:off x="7354080" y="203882"/>
+            <a:ext cx="4705437" cy="1158840"/>
+          </a:xfrm>
+          <a:prstGeom prst="rect">
+            <a:avLst/>
+          </a:prstGeom>
+          <a:noFill/>
+          <a:ln>
+            <a:noFill/>
+          </a:ln>
+        </p:spPr>
+        <p:txBody>
+          <a:bodyPr anchor="ctr">
+            <a:noAutofit/>
+          </a:bodyPr>
+          <a:lstStyle/>
+          <a:p>
+            <a:pPr>
+              <a:lnSpc>
+                <a:spcPts val="2880"/>
+              </a:lnSpc>
+              <a:spcAft>
+                <a:spcPts val="992"/>
+              </a:spcAft>
+              <a:tabLst>
+                <a:tab pos="0" algn="l"/>
+              </a:tabLst>
+            </a:pPr>
+            <a:r>
+              <a:rPr lang="en-GB" sz="3000" b="1" strike="noStrike" spc="-100">
+                <a:solidFill>
+                  <a:srgbClr val="FFFFFF"/>
+                </a:solidFill>
+                <a:latin typeface="Arial"/>
+              </a:rPr>
+              <a:t>Our RQ asks about Differences in means/ medians </a:t>
+            </a:r>
+            <a:endParaRPr lang="en-US" sz="3000" b="1" strike="noStrike" spc="-1">
+              <a:latin typeface="Arial"/>
+            </a:endParaRPr>
+          </a:p>
+        </p:txBody>
+      </p:sp>
+      <p:sp>
+        <p:nvSpPr>
+          <p:cNvPr id="110" name="TextShape 7">
+            <a:extLst>
+              <a:ext uri="{FF2B5EF4-FFF2-40B4-BE49-F238E27FC236}">
+                <a16:creationId xmlns:a16="http://schemas.microsoft.com/office/drawing/2014/main" id="{09A008A0-19C1-1AE3-5B7D-247605B7AD69}"/>
+              </a:ext>
+            </a:extLst>
+          </p:cNvPr>
+          <p:cNvSpPr txBox="1"/>
+          <p:nvPr/>
+        </p:nvSpPr>
+        <p:spPr>
+          <a:xfrm>
+            <a:off x="11704320" y="6455520"/>
+            <a:ext cx="447840" cy="364680"/>
+          </a:xfrm>
+          <a:prstGeom prst="rect">
+            <a:avLst/>
+          </a:prstGeom>
+          <a:noFill/>
+          <a:ln>
+            <a:noFill/>
+          </a:ln>
+        </p:spPr>
+        <p:txBody>
+          <a:bodyPr anchor="ctr">
+            <a:normAutofit/>
+          </a:bodyPr>
+          <a:lstStyle/>
+          <a:p>
+            <a:pPr algn="r">
+              <a:lnSpc>
+                <a:spcPct val="100000"/>
+              </a:lnSpc>
+              <a:spcAft>
+                <a:spcPts val="601"/>
+              </a:spcAft>
+            </a:pPr>
+            <a:fld id="{29CEFF96-2F62-4B45-8A43-FC60A0A96C7C}" type="slidenum">
+              <a:rPr lang="en-US" sz="1100" b="1" strike="noStrike" spc="-1">
+                <a:solidFill>
+                  <a:srgbClr val="7DABAB"/>
+                </a:solidFill>
+                <a:latin typeface="Arial"/>
+              </a:rPr>
+              <a:t>13</a:t>
+            </a:fld>
+            <a:endParaRPr lang="en-US" sz="1100" b="0" strike="noStrike" spc="-1">
+              <a:latin typeface="Times New Roman"/>
+            </a:endParaRPr>
+          </a:p>
+        </p:txBody>
+      </p:sp>
+      <p:sp>
+        <p:nvSpPr>
+          <p:cNvPr id="111" name="CustomShape 8">
+            <a:extLst>
+              <a:ext uri="{FF2B5EF4-FFF2-40B4-BE49-F238E27FC236}">
+                <a16:creationId xmlns:a16="http://schemas.microsoft.com/office/drawing/2014/main" id="{83CDF2D2-C842-B56D-4257-CD462A178F28}"/>
+              </a:ext>
+            </a:extLst>
+          </p:cNvPr>
+          <p:cNvSpPr/>
+          <p:nvPr/>
+        </p:nvSpPr>
+        <p:spPr>
+          <a:xfrm>
+            <a:off x="366120" y="197640"/>
+            <a:ext cx="6988320" cy="1187640"/>
+          </a:xfrm>
+          <a:prstGeom prst="rect">
+            <a:avLst/>
+          </a:prstGeom>
+          <a:noFill/>
+          <a:ln>
+            <a:noFill/>
+          </a:ln>
+        </p:spPr>
+        <p:style>
+          <a:lnRef idx="0">
+            <a:scrgbClr r="0" g="0" b="0"/>
+          </a:lnRef>
+          <a:fillRef idx="0">
+            <a:scrgbClr r="0" g="0" b="0"/>
+          </a:fillRef>
+          <a:effectRef idx="0">
+            <a:scrgbClr r="0" g="0" b="0"/>
+          </a:effectRef>
+          <a:fontRef idx="minor"/>
+        </p:style>
+        <p:txBody>
+          <a:bodyPr lIns="90000" tIns="45000" rIns="90000" bIns="45000">
+            <a:spAutoFit/>
+          </a:bodyPr>
+          <a:lstStyle/>
+          <a:p>
+            <a:pPr>
+              <a:lnSpc>
+                <a:spcPct val="100000"/>
+              </a:lnSpc>
+            </a:pPr>
+            <a:r>
+              <a:rPr lang="en-GB" sz="2400" b="0" strike="noStrike" spc="-1" dirty="0">
+                <a:solidFill>
+                  <a:srgbClr val="FFFFFF"/>
+                </a:solidFill>
+                <a:latin typeface="Arial"/>
+              </a:rPr>
+              <a:t>Here is a </a:t>
+            </a:r>
+            <a:r>
+              <a:rPr lang="en-GB" sz="2400" b="1" strike="noStrike" spc="-1" dirty="0">
+                <a:solidFill>
+                  <a:srgbClr val="FFFFFF"/>
+                </a:solidFill>
+                <a:latin typeface="Arial"/>
+              </a:rPr>
+              <a:t>Histogram </a:t>
+            </a:r>
+            <a:r>
+              <a:rPr lang="en-GB" sz="2400" b="0" strike="noStrike" spc="-1" dirty="0">
+                <a:solidFill>
+                  <a:srgbClr val="FFFFFF"/>
+                </a:solidFill>
+                <a:latin typeface="Arial"/>
+              </a:rPr>
+              <a:t>showing the frequencies of our dependent variable to include the normal curve overlay (shown in blue)</a:t>
+            </a:r>
+            <a:r>
+              <a:rPr lang="en-GB" sz="1800" b="0" strike="noStrike" spc="-1" dirty="0">
+                <a:solidFill>
+                  <a:srgbClr val="203232"/>
+                </a:solidFill>
+                <a:latin typeface="Arial"/>
+              </a:rPr>
+              <a:t>.</a:t>
+            </a:r>
+            <a:endParaRPr lang="en-US" sz="1800" b="0" strike="noStrike" spc="-1" dirty="0">
+              <a:latin typeface="Arial"/>
+            </a:endParaRPr>
+          </a:p>
+        </p:txBody>
+      </p:sp>
+      <p:sp>
+        <p:nvSpPr>
+          <p:cNvPr id="112" name="CustomShape 9">
+            <a:extLst>
+              <a:ext uri="{FF2B5EF4-FFF2-40B4-BE49-F238E27FC236}">
+                <a16:creationId xmlns:a16="http://schemas.microsoft.com/office/drawing/2014/main" id="{8EBC55C2-0DD7-D3F0-F69E-D14FEFBFDF3B}"/>
+              </a:ext>
+            </a:extLst>
+          </p:cNvPr>
+          <p:cNvSpPr/>
+          <p:nvPr/>
+        </p:nvSpPr>
+        <p:spPr>
+          <a:xfrm>
+            <a:off x="632472" y="1731961"/>
+            <a:ext cx="10865160" cy="4886280"/>
+          </a:xfrm>
+          <a:prstGeom prst="roundRect">
+            <a:avLst>
+              <a:gd name="adj" fmla="val 16667"/>
+            </a:avLst>
+          </a:prstGeom>
+          <a:solidFill>
+            <a:schemeClr val="accent1">
+              <a:lumMod val="20000"/>
+              <a:lumOff val="80000"/>
+            </a:schemeClr>
+          </a:solidFill>
+          <a:ln/>
+        </p:spPr>
+        <p:style>
+          <a:lnRef idx="2">
+            <a:schemeClr val="accent1">
+              <a:shade val="50000"/>
+            </a:schemeClr>
+          </a:lnRef>
+          <a:fillRef idx="1">
+            <a:schemeClr val="accent1"/>
+          </a:fillRef>
+          <a:effectRef idx="0">
+            <a:schemeClr val="accent1"/>
+          </a:effectRef>
+          <a:fontRef idx="minor"/>
+        </p:style>
+        <p:txBody>
+          <a:bodyPr lIns="90000" tIns="45000" rIns="90000" bIns="45000" anchor="ctr">
+            <a:noAutofit/>
+          </a:bodyPr>
+          <a:lstStyle/>
+          <a:p>
+            <a:pPr algn="just">
+              <a:lnSpc>
+                <a:spcPct val="100000"/>
+              </a:lnSpc>
+            </a:pPr>
+            <a:endParaRPr lang="en-US" spc="-1" dirty="0"/>
+          </a:p>
+        </p:txBody>
+      </p:sp>
+      <p:sp>
+        <p:nvSpPr>
+          <p:cNvPr id="5" name="TextBox 4">
+            <a:extLst>
+              <a:ext uri="{FF2B5EF4-FFF2-40B4-BE49-F238E27FC236}">
+                <a16:creationId xmlns:a16="http://schemas.microsoft.com/office/drawing/2014/main" id="{1EB8C849-0CC6-2347-D7BF-1BC0FDE77170}"/>
+              </a:ext>
+            </a:extLst>
+          </p:cNvPr>
+          <p:cNvSpPr txBox="1"/>
+          <p:nvPr/>
+        </p:nvSpPr>
+        <p:spPr>
+          <a:xfrm>
+            <a:off x="2972007" y="1943700"/>
+            <a:ext cx="6247745" cy="369332"/>
+          </a:xfrm>
+          <a:prstGeom prst="rect">
+            <a:avLst/>
+          </a:prstGeom>
+          <a:noFill/>
+        </p:spPr>
+        <p:txBody>
+          <a:bodyPr wrap="square" rtlCol="0">
+            <a:spAutoFit/>
+          </a:bodyPr>
+          <a:lstStyle/>
+          <a:p>
+            <a:r>
+              <a:rPr lang="en-US" dirty="0" err="1"/>
+              <a:t>Piechart</a:t>
+            </a:r>
+            <a:r>
+              <a:rPr lang="en-US" dirty="0"/>
+              <a:t> of Depressed and Non-depressed students</a:t>
+            </a:r>
+          </a:p>
+        </p:txBody>
+      </p:sp>
+      <p:pic>
+        <p:nvPicPr>
+          <p:cNvPr id="4" name="Picture 3" descr="A pie chart with a red circle and blue circle&#10;&#10;AI-generated content may be incorrect.">
+            <a:extLst>
+              <a:ext uri="{FF2B5EF4-FFF2-40B4-BE49-F238E27FC236}">
+                <a16:creationId xmlns:a16="http://schemas.microsoft.com/office/drawing/2014/main" id="{E3C9DF46-F873-4FAD-34A5-77186279F371}"/>
+              </a:ext>
+            </a:extLst>
+          </p:cNvPr>
+          <p:cNvPicPr>
+            <a:picLocks noChangeAspect="1"/>
+          </p:cNvPicPr>
+          <p:nvPr/>
+        </p:nvPicPr>
+        <p:blipFill>
+          <a:blip r:embed="rId2">
+            <a:extLst>
+              <a:ext uri="{28A0092B-C50C-407E-A947-70E740481C1C}">
+                <a14:useLocalDpi xmlns:a14="http://schemas.microsoft.com/office/drawing/2010/main" val="0"/>
+              </a:ext>
+            </a:extLst>
+          </a:blip>
+          <a:stretch>
+            <a:fillRect/>
+          </a:stretch>
+        </p:blipFill>
+        <p:spPr>
+          <a:xfrm>
+            <a:off x="2192593" y="2497605"/>
+            <a:ext cx="7443019" cy="3687982"/>
+          </a:xfrm>
+          <a:prstGeom prst="rect">
+            <a:avLst/>
+          </a:prstGeom>
+        </p:spPr>
+      </p:pic>
+    </p:spTree>
+    <p:extLst>
+      <p:ext uri="{BB962C8B-B14F-4D97-AF65-F5344CB8AC3E}">
+        <p14:creationId xmlns:p14="http://schemas.microsoft.com/office/powerpoint/2010/main" val="2103343374"/>
+      </p:ext>
+    </p:extLst>
+  </p:cSld>
+  <p:clrMapOvr>
+    <a:masterClrMapping/>
+  </p:clrMapOvr>
+</p:sld>
+</file>
+
+<file path=ppt/slides/slide14.xml><?xml version="1.0" encoding="utf-8"?>
+<p:sld xmlns:a="http://schemas.openxmlformats.org/drawingml/2006/main" xmlns:r="http://schemas.openxmlformats.org/officeDocument/2006/relationships" xmlns:p="http://schemas.openxmlformats.org/presentationml/2006/main">
+  <p:cSld>
+    <p:spTree>
+      <p:nvGrpSpPr>
+        <p:cNvPr id="1" name=""/>
+        <p:cNvGrpSpPr/>
+        <p:nvPr/>
+      </p:nvGrpSpPr>
+      <p:grpSpPr>
+        <a:xfrm>
+          <a:off x="0" y="0"/>
+          <a:ext cx="0" cy="0"/>
+          <a:chOff x="0" y="0"/>
+          <a:chExt cx="0" cy="0"/>
+        </a:xfrm>
+      </p:grpSpPr>
+      <p:sp>
+        <p:nvSpPr>
+          <p:cNvPr id="2" name="Subtitle 1">
+            <a:extLst>
+              <a:ext uri="{FF2B5EF4-FFF2-40B4-BE49-F238E27FC236}">
+                <a16:creationId xmlns:a16="http://schemas.microsoft.com/office/drawing/2014/main" id="{A3BCDAA3-A3AD-A880-5E9C-0E1ABBC0A463}"/>
+              </a:ext>
+            </a:extLst>
+          </p:cNvPr>
+          <p:cNvSpPr>
+            <a:spLocks noGrp="1"/>
+          </p:cNvSpPr>
+          <p:nvPr>
+            <p:ph type="subTitle" idx="1"/>
+          </p:nvPr>
+        </p:nvSpPr>
+        <p:spPr>
+          <a:xfrm>
+            <a:off x="3992167" y="2997174"/>
+            <a:ext cx="4375084" cy="1060297"/>
+          </a:xfrm>
+        </p:spPr>
+        <p:txBody>
+          <a:bodyPr/>
+          <a:lstStyle/>
+          <a:p>
+            <a:r>
+              <a:rPr lang="en-US" dirty="0"/>
+              <a:t>Part 2: Analysis</a:t>
+            </a:r>
+            <a:endParaRPr lang="en-GB" dirty="0"/>
+          </a:p>
+        </p:txBody>
+      </p:sp>
+      <p:sp>
+        <p:nvSpPr>
+          <p:cNvPr id="4" name="Slide Number Placeholder 3">
+            <a:extLst>
+              <a:ext uri="{FF2B5EF4-FFF2-40B4-BE49-F238E27FC236}">
+                <a16:creationId xmlns:a16="http://schemas.microsoft.com/office/drawing/2014/main" id="{953BD585-11D8-30FD-4A30-9F1639F0D149}"/>
+              </a:ext>
+            </a:extLst>
+          </p:cNvPr>
+          <p:cNvSpPr>
+            <a:spLocks noGrp="1"/>
+          </p:cNvSpPr>
+          <p:nvPr>
+            <p:ph type="sldNum" sz="quarter" idx="12"/>
+          </p:nvPr>
+        </p:nvSpPr>
+        <p:spPr/>
+        <p:txBody>
+          <a:bodyPr/>
+          <a:lstStyle/>
+          <a:p>
+            <a:fld id="{E4D355CA-84B7-41B1-B164-8BB439CC7C6B}" type="slidenum">
+              <a:rPr lang="en-GB" smtClean="0"/>
+              <a:pPr/>
+              <a:t>14</a:t>
+            </a:fld>
+            <a:endParaRPr lang="en-GB"/>
+          </a:p>
+        </p:txBody>
+      </p:sp>
+    </p:spTree>
+    <p:extLst>
+      <p:ext uri="{BB962C8B-B14F-4D97-AF65-F5344CB8AC3E}">
+        <p14:creationId xmlns:p14="http://schemas.microsoft.com/office/powerpoint/2010/main" val="1771321156"/>
+      </p:ext>
+    </p:extLst>
+  </p:cSld>
+  <p:clrMapOvr>
+    <a:masterClrMapping/>
+  </p:clrMapOvr>
+</p:sld>
+</file>
+
+<file path=ppt/slides/slide15.xml><?xml version="1.0" encoding="utf-8"?>
+<p:sld xmlns:a="http://schemas.openxmlformats.org/drawingml/2006/main" xmlns:r="http://schemas.openxmlformats.org/officeDocument/2006/relationships" xmlns:p="http://schemas.openxmlformats.org/presentationml/2006/main">
+  <p:cSld>
+    <p:spTree>
+      <p:nvGrpSpPr>
         <p:cNvPr id="1" name=""/>
         <p:cNvGrpSpPr/>
         <p:nvPr/>
@@ -5575,7 +8149,7 @@
                 </a:solidFill>
                 <a:latin typeface="Arial"/>
               </a:rPr>
-              <a:t>10</a:t>
+              <a:t>15</a:t>
             </a:fld>
             <a:endParaRPr lang="en-US" sz="1500" b="0" strike="noStrike" spc="-1">
               <a:latin typeface="Times New Roman"/>
@@ -5628,7 +8202,7 @@
                 </a:solidFill>
                 <a:latin typeface="Arial"/>
               </a:rPr>
-              <a:t>R Script and Results (T test for validation) – The Analysis</a:t>
+              <a:t>R Script and Results (independent T test) – The Analysis</a:t>
             </a:r>
             <a:endParaRPr lang="en-US" sz="3600" b="1" strike="noStrike" spc="-1" dirty="0">
               <a:latin typeface="Arial"/>
@@ -5667,7 +8241,7 @@
         <p:spPr>
           <a:xfrm>
             <a:off x="819336" y="1562895"/>
-            <a:ext cx="10815526" cy="1569660"/>
+            <a:ext cx="11235012" cy="2308324"/>
           </a:xfrm>
           <a:prstGeom prst="rect">
             <a:avLst/>
@@ -5688,7 +8262,7 @@
             </a:pPr>
             <a:r>
               <a:rPr lang="en-US" sz="2400" dirty="0"/>
-              <a:t># Independent T-Test – not required but used for validation</a:t>
+              <a:t># Independent T-Test</a:t>
             </a:r>
           </a:p>
           <a:p>
@@ -5698,8 +8272,30 @@
                   <a:srgbClr val="FF0000"/>
                 </a:solidFill>
               </a:rPr>
+              <a:t># Statistical Tests</a:t>
+            </a:r>
+          </a:p>
+          <a:p>
+            <a:r>
+              <a:rPr lang="en-US" sz="2400" dirty="0">
+                <a:solidFill>
+                  <a:srgbClr val="FF0000"/>
+                </a:solidFill>
+              </a:rPr>
+              <a:t># Independent T-Test</a:t>
+            </a:r>
+          </a:p>
+          <a:p>
+            <a:r>
+              <a:rPr lang="en-US" sz="2400" dirty="0">
+                <a:solidFill>
+                  <a:srgbClr val="FF0000"/>
+                </a:solidFill>
+              </a:rPr>
               <a:t>print("Independent t-test:")</a:t>
             </a:r>
+          </a:p>
+          <a:p>
             <a:r>
               <a:rPr lang="en-US" sz="2400" dirty="0" err="1">
                 <a:solidFill>
@@ -5784,10 +8380,10 @@
       </p:sp>
       <p:pic>
         <p:nvPicPr>
-          <p:cNvPr id="4" name="Picture 3">
-            <a:extLst>
-              <a:ext uri="{FF2B5EF4-FFF2-40B4-BE49-F238E27FC236}">
-                <a16:creationId xmlns:a16="http://schemas.microsoft.com/office/drawing/2014/main" id="{A4F296F4-3FDF-2F03-DC43-BAF5F7398DB2}"/>
+          <p:cNvPr id="5" name="Picture 4" descr="A screenshot of a computer code&#10;&#10;AI-generated content may be incorrect.">
+            <a:extLst>
+              <a:ext uri="{FF2B5EF4-FFF2-40B4-BE49-F238E27FC236}">
+                <a16:creationId xmlns:a16="http://schemas.microsoft.com/office/drawing/2014/main" id="{012D6728-7A60-3DD7-D274-1CC2EA51D9E3}"/>
               </a:ext>
             </a:extLst>
           </p:cNvPr>
@@ -5804,14 +8400,116 @@
         </p:blipFill>
         <p:spPr>
           <a:xfrm>
-            <a:off x="819336" y="3429000"/>
-            <a:ext cx="10815526" cy="2339685"/>
+            <a:off x="965159" y="3981125"/>
+            <a:ext cx="9732337" cy="2682052"/>
           </a:xfrm>
           <a:prstGeom prst="rect">
             <a:avLst/>
           </a:prstGeom>
         </p:spPr>
       </p:pic>
+      <mc:AlternateContent xmlns:mc="http://schemas.openxmlformats.org/markup-compatibility/2006">
+        <mc:Choice xmlns:p14="http://schemas.microsoft.com/office/powerpoint/2010/main" Requires="p14">
+          <p:contentPart p14:bwMode="auto" r:id="rId4">
+            <p14:nvContentPartPr>
+              <p14:cNvPr id="6" name="Ink 5">
+                <a:extLst>
+                  <a:ext uri="{FF2B5EF4-FFF2-40B4-BE49-F238E27FC236}">
+                    <a16:creationId xmlns:a16="http://schemas.microsoft.com/office/drawing/2014/main" id="{C2B22FAB-5F1B-C7D3-5B5A-6456A7EE08C0}"/>
+                  </a:ext>
+                </a:extLst>
+              </p14:cNvPr>
+              <p14:cNvContentPartPr/>
+              <p14:nvPr/>
+            </p14:nvContentPartPr>
+            <p14:xfrm>
+              <a:off x="5083034" y="4748268"/>
+              <a:ext cx="995760" cy="85680"/>
+            </p14:xfrm>
+          </p:contentPart>
+        </mc:Choice>
+        <mc:Fallback>
+          <p:pic>
+            <p:nvPicPr>
+              <p:cNvPr id="6" name="Ink 5">
+                <a:extLst>
+                  <a:ext uri="{FF2B5EF4-FFF2-40B4-BE49-F238E27FC236}">
+                    <a16:creationId xmlns:a16="http://schemas.microsoft.com/office/drawing/2014/main" id="{C2B22FAB-5F1B-C7D3-5B5A-6456A7EE08C0}"/>
+                  </a:ext>
+                </a:extLst>
+              </p:cNvPr>
+              <p:cNvPicPr/>
+              <p:nvPr/>
+            </p:nvPicPr>
+            <p:blipFill>
+              <a:blip r:embed="rId5"/>
+              <a:stretch>
+                <a:fillRect/>
+              </a:stretch>
+            </p:blipFill>
+            <p:spPr>
+              <a:xfrm>
+                <a:off x="5029034" y="4640268"/>
+                <a:ext cx="1103400" cy="301320"/>
+              </a:xfrm>
+              <a:prstGeom prst="rect">
+                <a:avLst/>
+              </a:prstGeom>
+            </p:spPr>
+          </p:pic>
+        </mc:Fallback>
+      </mc:AlternateContent>
+      <mc:AlternateContent xmlns:mc="http://schemas.openxmlformats.org/markup-compatibility/2006">
+        <mc:Choice xmlns:p14="http://schemas.microsoft.com/office/powerpoint/2010/main" Requires="p14">
+          <p:contentPart p14:bwMode="auto" r:id="rId6">
+            <p14:nvContentPartPr>
+              <p14:cNvPr id="7" name="Ink 6">
+                <a:extLst>
+                  <a:ext uri="{FF2B5EF4-FFF2-40B4-BE49-F238E27FC236}">
+                    <a16:creationId xmlns:a16="http://schemas.microsoft.com/office/drawing/2014/main" id="{C3C1B54F-D492-2214-A9A4-0314C83D7D94}"/>
+                  </a:ext>
+                </a:extLst>
+              </p14:cNvPr>
+              <p14:cNvContentPartPr/>
+              <p14:nvPr/>
+            </p14:nvContentPartPr>
+            <p14:xfrm>
+              <a:off x="3883514" y="4853748"/>
+              <a:ext cx="1234080" cy="53280"/>
+            </p14:xfrm>
+          </p:contentPart>
+        </mc:Choice>
+        <mc:Fallback>
+          <p:pic>
+            <p:nvPicPr>
+              <p:cNvPr id="7" name="Ink 6">
+                <a:extLst>
+                  <a:ext uri="{FF2B5EF4-FFF2-40B4-BE49-F238E27FC236}">
+                    <a16:creationId xmlns:a16="http://schemas.microsoft.com/office/drawing/2014/main" id="{C3C1B54F-D492-2214-A9A4-0314C83D7D94}"/>
+                  </a:ext>
+                </a:extLst>
+              </p:cNvPr>
+              <p:cNvPicPr/>
+              <p:nvPr/>
+            </p:nvPicPr>
+            <p:blipFill>
+              <a:blip r:embed="rId7"/>
+              <a:stretch>
+                <a:fillRect/>
+              </a:stretch>
+            </p:blipFill>
+            <p:spPr>
+              <a:xfrm>
+                <a:off x="3829874" y="4745748"/>
+                <a:ext cx="1341720" cy="268920"/>
+              </a:xfrm>
+              <a:prstGeom prst="rect">
+                <a:avLst/>
+              </a:prstGeom>
+            </p:spPr>
+          </p:pic>
+        </mc:Fallback>
+      </mc:AlternateContent>
     </p:spTree>
   </p:cSld>
   <p:clrMapOvr>
@@ -5820,393 +8518,7 @@
 </p:sld>
 </file>
 
-<file path=ppt/slides/slide11.xml><?xml version="1.0" encoding="utf-8"?>
-<p:sld xmlns:a="http://schemas.openxmlformats.org/drawingml/2006/main" xmlns:r="http://schemas.openxmlformats.org/officeDocument/2006/relationships" xmlns:p="http://schemas.openxmlformats.org/presentationml/2006/main">
-  <p:cSld>
-    <p:spTree>
-      <p:nvGrpSpPr>
-        <p:cNvPr id="1" name="">
-          <a:extLst>
-            <a:ext uri="{FF2B5EF4-FFF2-40B4-BE49-F238E27FC236}">
-              <a16:creationId xmlns:a16="http://schemas.microsoft.com/office/drawing/2014/main" id="{5EA98F86-8F6D-4666-50D2-1D6BEBFC432B}"/>
-            </a:ext>
-          </a:extLst>
-        </p:cNvPr>
-        <p:cNvGrpSpPr/>
-        <p:nvPr/>
-      </p:nvGrpSpPr>
-      <p:grpSpPr>
-        <a:xfrm>
-          <a:off x="0" y="0"/>
-          <a:ext cx="0" cy="0"/>
-          <a:chOff x="0" y="0"/>
-          <a:chExt cx="0" cy="0"/>
-        </a:xfrm>
-      </p:grpSpPr>
-      <p:sp>
-        <p:nvSpPr>
-          <p:cNvPr id="135" name="TextShape 1">
-            <a:extLst>
-              <a:ext uri="{FF2B5EF4-FFF2-40B4-BE49-F238E27FC236}">
-                <a16:creationId xmlns:a16="http://schemas.microsoft.com/office/drawing/2014/main" id="{4885983F-A1E0-898B-CDF8-BE17E2132651}"/>
-              </a:ext>
-            </a:extLst>
-          </p:cNvPr>
-          <p:cNvSpPr txBox="1"/>
-          <p:nvPr/>
-        </p:nvSpPr>
-        <p:spPr>
-          <a:xfrm>
-            <a:off x="965160" y="790920"/>
-            <a:ext cx="7176600" cy="230400"/>
-          </a:xfrm>
-          <a:prstGeom prst="rect">
-            <a:avLst/>
-          </a:prstGeom>
-          <a:noFill/>
-          <a:ln>
-            <a:noFill/>
-          </a:ln>
-        </p:spPr>
-        <p:txBody>
-          <a:bodyPr lIns="0" tIns="0" rIns="0" bIns="0">
-            <a:noAutofit/>
-          </a:bodyPr>
-          <a:lstStyle/>
-          <a:p>
-            <a:pPr>
-              <a:lnSpc>
-                <a:spcPct val="100000"/>
-              </a:lnSpc>
-            </a:pPr>
-            <a:r>
-              <a:rPr lang="en-GB" sz="1500" b="0" strike="noStrike" spc="-1">
-                <a:solidFill>
-                  <a:srgbClr val="B3B9B9"/>
-                </a:solidFill>
-                <a:latin typeface="Arial"/>
-              </a:rPr>
-              <a:t>PRE 7COM1079-2022  Student Group No:  ?????</a:t>
-            </a:r>
-            <a:endParaRPr lang="en-US" sz="1500" b="0" strike="noStrike" spc="-1">
-              <a:latin typeface="Times New Roman"/>
-            </a:endParaRPr>
-          </a:p>
-        </p:txBody>
-      </p:sp>
-      <p:sp>
-        <p:nvSpPr>
-          <p:cNvPr id="136" name="TextShape 2">
-            <a:extLst>
-              <a:ext uri="{FF2B5EF4-FFF2-40B4-BE49-F238E27FC236}">
-                <a16:creationId xmlns:a16="http://schemas.microsoft.com/office/drawing/2014/main" id="{0AC8DDF5-C766-362A-CEE5-133777AD6C3A}"/>
-              </a:ext>
-            </a:extLst>
-          </p:cNvPr>
-          <p:cNvSpPr txBox="1"/>
-          <p:nvPr/>
-        </p:nvSpPr>
-        <p:spPr>
-          <a:xfrm>
-            <a:off x="10616400" y="790920"/>
-            <a:ext cx="622440" cy="230400"/>
-          </a:xfrm>
-          <a:prstGeom prst="rect">
-            <a:avLst/>
-          </a:prstGeom>
-          <a:noFill/>
-          <a:ln>
-            <a:noFill/>
-          </a:ln>
-        </p:spPr>
-        <p:txBody>
-          <a:bodyPr lIns="0" tIns="0" rIns="0" bIns="0">
-            <a:noAutofit/>
-          </a:bodyPr>
-          <a:lstStyle/>
-          <a:p>
-            <a:pPr algn="r">
-              <a:lnSpc>
-                <a:spcPct val="100000"/>
-              </a:lnSpc>
-            </a:pPr>
-            <a:fld id="{ADC5D68A-648F-4923-B6A1-749DE04AEFFA}" type="slidenum">
-              <a:rPr lang="en-GB" sz="1500" b="1" strike="noStrike" spc="-1">
-                <a:solidFill>
-                  <a:srgbClr val="B3B9B9"/>
-                </a:solidFill>
-                <a:latin typeface="Arial"/>
-              </a:rPr>
-              <a:t>11</a:t>
-            </a:fld>
-            <a:endParaRPr lang="en-US" sz="1500" b="0" strike="noStrike" spc="-1">
-              <a:latin typeface="Times New Roman"/>
-            </a:endParaRPr>
-          </a:p>
-        </p:txBody>
-      </p:sp>
-      <p:sp>
-        <p:nvSpPr>
-          <p:cNvPr id="137" name="TextShape 3">
-            <a:extLst>
-              <a:ext uri="{FF2B5EF4-FFF2-40B4-BE49-F238E27FC236}">
-                <a16:creationId xmlns:a16="http://schemas.microsoft.com/office/drawing/2014/main" id="{687F38B7-53DC-6350-379F-598173DC23C2}"/>
-              </a:ext>
-            </a:extLst>
-          </p:cNvPr>
-          <p:cNvSpPr txBox="1"/>
-          <p:nvPr/>
-        </p:nvSpPr>
-        <p:spPr>
-          <a:xfrm>
-            <a:off x="952919" y="385588"/>
-            <a:ext cx="10815527" cy="667800"/>
-          </a:xfrm>
-          <a:prstGeom prst="rect">
-            <a:avLst/>
-          </a:prstGeom>
-          <a:solidFill>
-            <a:srgbClr val="FFFFFF"/>
-          </a:solidFill>
-          <a:ln>
-            <a:noFill/>
-          </a:ln>
-        </p:spPr>
-        <p:txBody>
-          <a:bodyPr lIns="0" tIns="0" rIns="0" bIns="0">
-            <a:noAutofit/>
-          </a:bodyPr>
-          <a:lstStyle/>
-          <a:p>
-            <a:pPr>
-              <a:lnSpc>
-                <a:spcPct val="100000"/>
-              </a:lnSpc>
-              <a:spcAft>
-                <a:spcPts val="992"/>
-              </a:spcAft>
-              <a:tabLst>
-                <a:tab pos="0" algn="l"/>
-              </a:tabLst>
-            </a:pPr>
-            <a:r>
-              <a:rPr lang="en-GB" sz="3600" b="1" strike="noStrike" spc="-100" dirty="0">
-                <a:solidFill>
-                  <a:srgbClr val="203232"/>
-                </a:solidFill>
-                <a:latin typeface="Arial"/>
-              </a:rPr>
-              <a:t>R Script and Results  (Wilcoxon Test) – The Analysis</a:t>
-            </a:r>
-            <a:endParaRPr lang="en-US" sz="3600" b="1" strike="noStrike" spc="-1" dirty="0">
-              <a:latin typeface="Arial"/>
-            </a:endParaRPr>
-          </a:p>
-          <a:p>
-            <a:pPr>
-              <a:lnSpc>
-                <a:spcPct val="100000"/>
-              </a:lnSpc>
-              <a:spcAft>
-                <a:spcPts val="992"/>
-              </a:spcAft>
-              <a:tabLst>
-                <a:tab pos="0" algn="l"/>
-              </a:tabLst>
-            </a:pPr>
-            <a:endParaRPr lang="en-US" sz="2400" b="0" strike="noStrike" spc="-1" dirty="0">
-              <a:latin typeface="Arial"/>
-            </a:endParaRPr>
-          </a:p>
-        </p:txBody>
-      </p:sp>
-      <p:sp>
-        <p:nvSpPr>
-          <p:cNvPr id="2" name="TextBox 1">
-            <a:extLst>
-              <a:ext uri="{FF2B5EF4-FFF2-40B4-BE49-F238E27FC236}">
-                <a16:creationId xmlns:a16="http://schemas.microsoft.com/office/drawing/2014/main" id="{70CD8DB4-05B9-E89B-ED79-46F18C272C40}"/>
-              </a:ext>
-            </a:extLst>
-          </p:cNvPr>
-          <p:cNvSpPr txBox="1"/>
-          <p:nvPr/>
-        </p:nvSpPr>
-        <p:spPr>
-          <a:xfrm>
-            <a:off x="701458" y="1276908"/>
-            <a:ext cx="11066988" cy="2308324"/>
-          </a:xfrm>
-          <a:prstGeom prst="rect">
-            <a:avLst/>
-          </a:prstGeom>
-          <a:solidFill>
-            <a:schemeClr val="bg1"/>
-          </a:solidFill>
-        </p:spPr>
-        <p:txBody>
-          <a:bodyPr wrap="square" rtlCol="0">
-            <a:spAutoFit/>
-          </a:bodyPr>
-          <a:lstStyle/>
-          <a:p>
-            <a:pPr marL="285750" indent="-285750">
-              <a:buFont typeface="Arial" panose="020B0604020202020204" pitchFamily="34" charset="0"/>
-              <a:buChar char="•"/>
-            </a:pPr>
-            <a:r>
-              <a:rPr lang="en-US" sz="2400" spc="-202" dirty="0">
-                <a:solidFill>
-                  <a:srgbClr val="FF0000"/>
-                </a:solidFill>
-              </a:rPr>
-              <a:t># Wilcoxon Rank-Sum Test</a:t>
-            </a:r>
-          </a:p>
-          <a:p>
-            <a:r>
-              <a:rPr lang="en-US" sz="2400" spc="-202" dirty="0">
-                <a:solidFill>
-                  <a:srgbClr val="FF0000"/>
-                </a:solidFill>
-              </a:rPr>
-              <a:t>print("Wilcoxon Rank-Sum Test:")</a:t>
-            </a:r>
-            <a:r>
-              <a:rPr lang="en-US" sz="2400" spc="-202" dirty="0" err="1">
-                <a:solidFill>
-                  <a:srgbClr val="FF0000"/>
-                </a:solidFill>
-              </a:rPr>
-              <a:t>wilcox_test_result</a:t>
-            </a:r>
-            <a:r>
-              <a:rPr lang="en-US" sz="2400" spc="-202" dirty="0">
-                <a:solidFill>
-                  <a:srgbClr val="FF0000"/>
-                </a:solidFill>
-              </a:rPr>
-              <a:t> &lt;- </a:t>
-            </a:r>
-            <a:r>
-              <a:rPr lang="en-US" sz="2400" spc="-202" dirty="0" err="1">
-                <a:solidFill>
-                  <a:srgbClr val="FF0000"/>
-                </a:solidFill>
-              </a:rPr>
-              <a:t>wilcox.test</a:t>
-            </a:r>
-            <a:r>
-              <a:rPr lang="en-US" sz="2400" spc="-202" dirty="0">
-                <a:solidFill>
-                  <a:srgbClr val="FF0000"/>
-                </a:solidFill>
-              </a:rPr>
-              <a:t>(CGPA ~ Depression, data = </a:t>
-            </a:r>
-            <a:r>
-              <a:rPr lang="en-US" sz="2400" spc="-202" dirty="0" err="1">
-                <a:solidFill>
-                  <a:srgbClr val="FF0000"/>
-                </a:solidFill>
-              </a:rPr>
-              <a:t>data_clean</a:t>
-            </a:r>
-            <a:r>
-              <a:rPr lang="en-US" sz="2400" spc="-202" dirty="0">
-                <a:solidFill>
-                  <a:srgbClr val="FF0000"/>
-                </a:solidFill>
-              </a:rPr>
-              <a:t>)</a:t>
-            </a:r>
-          </a:p>
-          <a:p>
-            <a:r>
-              <a:rPr lang="en-US" sz="2400" spc="-202" dirty="0">
-                <a:solidFill>
-                  <a:srgbClr val="FF0000"/>
-                </a:solidFill>
-              </a:rPr>
-              <a:t>print(</a:t>
-            </a:r>
-            <a:r>
-              <a:rPr lang="en-US" sz="2400" spc="-202" dirty="0" err="1">
-                <a:solidFill>
-                  <a:srgbClr val="FF0000"/>
-                </a:solidFill>
-              </a:rPr>
-              <a:t>wilcox_test_result</a:t>
-            </a:r>
-            <a:r>
-              <a:rPr lang="en-US" sz="2400" spc="-202" dirty="0">
-                <a:solidFill>
-                  <a:srgbClr val="FF0000"/>
-                </a:solidFill>
-              </a:rPr>
-              <a:t>)</a:t>
-            </a:r>
-          </a:p>
-          <a:p>
-            <a:endParaRPr lang="en-US" sz="2400" spc="-202" dirty="0">
-              <a:solidFill>
-                <a:srgbClr val="FF0000"/>
-              </a:solidFill>
-            </a:endParaRPr>
-          </a:p>
-          <a:p>
-            <a:endParaRPr lang="en-US" sz="2400" spc="-202" dirty="0">
-              <a:solidFill>
-                <a:srgbClr val="FF0000"/>
-              </a:solidFill>
-            </a:endParaRPr>
-          </a:p>
-        </p:txBody>
-      </p:sp>
-      <p:pic>
-        <p:nvPicPr>
-          <p:cNvPr id="4" name="Picture 3">
-            <a:extLst>
-              <a:ext uri="{FF2B5EF4-FFF2-40B4-BE49-F238E27FC236}">
-                <a16:creationId xmlns:a16="http://schemas.microsoft.com/office/drawing/2014/main" id="{809DE164-1EF7-B458-A51C-AC820FDFB79B}"/>
-              </a:ext>
-            </a:extLst>
-          </p:cNvPr>
-          <p:cNvPicPr>
-            <a:picLocks noChangeAspect="1"/>
-          </p:cNvPicPr>
-          <p:nvPr/>
-        </p:nvPicPr>
-        <p:blipFill>
-          <a:blip r:embed="rId3"/>
-          <a:stretch>
-            <a:fillRect/>
-          </a:stretch>
-        </p:blipFill>
-        <p:spPr>
-          <a:xfrm>
-            <a:off x="701458" y="3361712"/>
-            <a:ext cx="11116069" cy="1941872"/>
-          </a:xfrm>
-          <a:prstGeom prst="rect">
-            <a:avLst/>
-          </a:prstGeom>
-        </p:spPr>
-      </p:pic>
-    </p:spTree>
-    <p:extLst>
-      <p:ext uri="{BB962C8B-B14F-4D97-AF65-F5344CB8AC3E}">
-        <p14:creationId xmlns:p14="http://schemas.microsoft.com/office/powerpoint/2010/main" val="1101053050"/>
-      </p:ext>
-    </p:extLst>
-  </p:cSld>
-  <p:clrMapOvr>
-    <a:masterClrMapping/>
-  </p:clrMapOvr>
-</p:sld>
-</file>
-
-<file path=ppt/slides/slide12.xml><?xml version="1.0" encoding="utf-8"?>
+<file path=ppt/slides/slide16.xml><?xml version="1.0" encoding="utf-8"?>
 <p:sld xmlns:a="http://schemas.openxmlformats.org/drawingml/2006/main" xmlns:r="http://schemas.openxmlformats.org/officeDocument/2006/relationships" xmlns:p="http://schemas.openxmlformats.org/presentationml/2006/main">
   <p:cSld>
     <p:spTree>
@@ -6323,7 +8635,7 @@
                 </a:solidFill>
                 <a:latin typeface="Arial"/>
               </a:rPr>
-              <a:t>12</a:t>
+              <a:t>16</a:t>
             </a:fld>
             <a:endParaRPr lang="en-US" sz="1500" b="0" strike="noStrike" spc="-1">
               <a:latin typeface="Times New Roman"/>
@@ -6382,7 +8694,25 @@
                 </a:solidFill>
                 <a:latin typeface="Arial"/>
               </a:rPr>
-              <a:t>R Script and Results  (Wilcoxon Test) – The Analysis</a:t>
+              <a:t>R Script and Results  (</a:t>
+            </a:r>
+            <a:r>
+              <a:rPr lang="en-GB" sz="3600" b="1" spc="-100" dirty="0">
+                <a:solidFill>
+                  <a:srgbClr val="203232"/>
+                </a:solidFill>
+                <a:latin typeface="Arial"/>
+              </a:rPr>
+              <a:t>T</a:t>
+            </a:r>
+            <a:r>
+              <a:rPr lang="en-GB" sz="3600" b="1" strike="noStrike" spc="-100" dirty="0">
+                <a:solidFill>
+                  <a:srgbClr val="203232"/>
+                </a:solidFill>
+                <a:latin typeface="Arial"/>
+              </a:rPr>
+              <a:t> Test) – The Analysis</a:t>
             </a:r>
             <a:endParaRPr lang="en-US" sz="3600" b="1" strike="noStrike" spc="-1" dirty="0">
               <a:latin typeface="Arial"/>
@@ -6421,7 +8751,7 @@
         <p:spPr>
           <a:xfrm>
             <a:off x="827188" y="906120"/>
-            <a:ext cx="11066988" cy="5262979"/>
+            <a:ext cx="11066988" cy="5632311"/>
           </a:xfrm>
           <a:prstGeom prst="rect">
             <a:avLst/>
@@ -6461,7 +8791,17 @@
               <a:rPr lang="en-US" sz="2400" dirty="0">
                 <a:latin typeface="+mj-lt"/>
               </a:rPr>
-              <a:t> = 0.0002813 </a:t>
+              <a:t> = </a:t>
+            </a:r>
+            <a:r>
+              <a:rPr lang="en-US" sz="2400" dirty="0"/>
+              <a:t>4.941e-06</a:t>
+            </a:r>
+            <a:r>
+              <a:rPr lang="en-US" sz="2400" dirty="0">
+                <a:latin typeface="+mj-lt"/>
+              </a:rPr>
+              <a:t> </a:t>
             </a:r>
             <a:r>
               <a:rPr lang="en-US" sz="2400" b="0" strike="noStrike" spc="-202" dirty="0">
@@ -6478,7 +8818,7 @@
                   <a:srgbClr val="203232"/>
                 </a:solidFill>
               </a:rPr>
-              <a:t>(The result is significant)</a:t>
+              <a:t>(The result is very significant)</a:t>
             </a:r>
             <a:endParaRPr lang="en-US" sz="2400" b="0" strike="noStrike" spc="-202" dirty="0">
               <a:solidFill>
@@ -6525,7 +8865,7 @@
                 </a:solidFill>
                 <a:latin typeface="+mj-lt"/>
               </a:rPr>
-              <a:t> difference in the median of the student academic score (CGPA) among depressed and non-depressed University students in India. ​</a:t>
+              <a:t> significant difference in the mean student academic score (Cumulative Grade Point Average(CGPA)) among depressed and non-depressed University students in India. ​</a:t>
             </a:r>
             <a:br>
               <a:rPr lang="en-US" sz="2400" dirty="0">
@@ -6559,14 +8899,23 @@
                 </a:solidFill>
                 <a:latin typeface="+mj-lt"/>
               </a:rPr>
-              <a:t>Alt hypothesis (H1): There is a difference in the median CGPA between depressed and non-depressed University students in India.​</a:t>
-            </a:r>
-          </a:p>
-          <a:p>
-            <a:pPr marL="285750" indent="-285750">
-              <a:buFont typeface="Arial" panose="020B0604020202020204" pitchFamily="34" charset="0"/>
-              <a:buChar char="•"/>
-            </a:pPr>
+              <a:t>Alt hypothesis (H1): </a:t>
+            </a:r>
+            <a:r>
+              <a:rPr lang="en-US" sz="2400" dirty="0">
+                <a:solidFill>
+                  <a:srgbClr val="FF0000"/>
+                </a:solidFill>
+              </a:rPr>
+              <a:t>There is a significant difference in the mean student academic score (Cumulative Grade Point Average(CGPA)) among depressed and non-depressed University students in India. ​</a:t>
+            </a:r>
+            <a:br>
+              <a:rPr lang="en-US" sz="2400" dirty="0">
+                <a:solidFill>
+                  <a:srgbClr val="FF0000"/>
+                </a:solidFill>
+              </a:rPr>
+            </a:br>
             <a:endParaRPr lang="en-US" sz="2400" b="0" strike="noStrike" spc="-202" dirty="0">
               <a:solidFill>
                 <a:srgbClr val="203232"/>
@@ -6618,6 +8967,57 @@
           </a:p>
         </p:txBody>
       </p:sp>
+      <mc:AlternateContent xmlns:mc="http://schemas.openxmlformats.org/markup-compatibility/2006">
+        <mc:Choice xmlns:p14="http://schemas.microsoft.com/office/powerpoint/2010/main" Requires="p14">
+          <p:contentPart p14:bwMode="auto" r:id="rId3">
+            <p14:nvContentPartPr>
+              <p14:cNvPr id="3" name="Ink 2">
+                <a:extLst>
+                  <a:ext uri="{FF2B5EF4-FFF2-40B4-BE49-F238E27FC236}">
+                    <a16:creationId xmlns:a16="http://schemas.microsoft.com/office/drawing/2014/main" id="{4E143457-E755-42AE-9620-58868489221D}"/>
+                  </a:ext>
+                </a:extLst>
+              </p14:cNvPr>
+              <p14:cNvContentPartPr/>
+              <p14:nvPr/>
+            </p14:nvContentPartPr>
+            <p14:xfrm>
+              <a:off x="2644754" y="1365708"/>
+              <a:ext cx="1261080" cy="227520"/>
+            </p14:xfrm>
+          </p:contentPart>
+        </mc:Choice>
+        <mc:Fallback>
+          <p:pic>
+            <p:nvPicPr>
+              <p:cNvPr id="3" name="Ink 2">
+                <a:extLst>
+                  <a:ext uri="{FF2B5EF4-FFF2-40B4-BE49-F238E27FC236}">
+                    <a16:creationId xmlns:a16="http://schemas.microsoft.com/office/drawing/2014/main" id="{4E143457-E755-42AE-9620-58868489221D}"/>
+                  </a:ext>
+                </a:extLst>
+              </p:cNvPr>
+              <p:cNvPicPr/>
+              <p:nvPr/>
+            </p:nvPicPr>
+            <p:blipFill>
+              <a:blip r:embed="rId4"/>
+              <a:stretch>
+                <a:fillRect/>
+              </a:stretch>
+            </p:blipFill>
+            <p:spPr>
+              <a:xfrm>
+                <a:off x="2591114" y="1258068"/>
+                <a:ext cx="1368720" cy="443160"/>
+              </a:xfrm>
+              <a:prstGeom prst="rect">
+                <a:avLst/>
+              </a:prstGeom>
+            </p:spPr>
+          </p:pic>
+        </mc:Fallback>
+      </mc:AlternateContent>
     </p:spTree>
     <p:extLst>
       <p:ext uri="{BB962C8B-B14F-4D97-AF65-F5344CB8AC3E}">
@@ -6739,7 +9139,7 @@
                   <a:srgbClr val="FF0000"/>
                 </a:solidFill>
               </a:rPr>
-              <a:t>Is there a difference in the median student academic score (Cumulative Grade Point Average (CGPA)) between depressed and non-depressed University students in India?”</a:t>
+              <a:t>Is there a difference in the mean student academic score (Cumulative Grade Point Average (CGPA)) between depressed and non-depressed University students in India?”</a:t>
             </a:r>
             <a:endParaRPr lang="en-US" sz="2800" baseline="30000" dirty="0">
               <a:solidFill>
@@ -7239,8 +9639,8 @@
         </p:nvSpPr>
         <p:spPr>
           <a:xfrm>
-            <a:off x="3746090" y="5085787"/>
-            <a:ext cx="6096000" cy="2593018"/>
+            <a:off x="3746090" y="4896465"/>
+            <a:ext cx="6174658" cy="3105978"/>
           </a:xfrm>
           <a:prstGeom prst="rect">
             <a:avLst/>
@@ -7252,6 +9652,37 @@
             <a:spAutoFit/>
           </a:bodyPr>
           <a:lstStyle/>
+          <a:p>
+            <a:pPr algn="l" rtl="0" fontAlgn="base">
+              <a:lnSpc>
+                <a:spcPts val="1987"/>
+              </a:lnSpc>
+            </a:pPr>
+            <a:r>
+              <a:rPr lang="en-US" sz="1800" b="1" i="0" u="none" strike="noStrike" dirty="0">
+                <a:solidFill>
+                  <a:srgbClr val="FF0000"/>
+                </a:solidFill>
+                <a:effectLst/>
+                <a:latin typeface="Arial" panose="020B0604020202020204" pitchFamily="34" charset="0"/>
+              </a:rPr>
+              <a:t>Original Columns</a:t>
+            </a:r>
+          </a:p>
+          <a:p>
+            <a:pPr algn="l" rtl="0" fontAlgn="base">
+              <a:lnSpc>
+                <a:spcPts val="1987"/>
+              </a:lnSpc>
+            </a:pPr>
+            <a:endParaRPr lang="en-US" sz="1800" b="1" i="0" u="none" strike="noStrike" dirty="0">
+              <a:solidFill>
+                <a:srgbClr val="FF0000"/>
+              </a:solidFill>
+              <a:effectLst/>
+              <a:latin typeface="Arial" panose="020B0604020202020204" pitchFamily="34" charset="0"/>
+            </a:endParaRPr>
+          </a:p>
           <a:p>
             <a:pPr algn="l" rtl="0" fontAlgn="base">
               <a:lnSpc>
@@ -7358,8 +9789,6 @@
               <a:lnSpc>
                 <a:spcPts val="1987"/>
               </a:lnSpc>
-              <a:buFont typeface="+mj-lt"/>
-              <a:buAutoNum type="arabicPeriod"/>
             </a:pPr>
             <a:r>
               <a:rPr lang="en-GB" sz="1800" b="1" i="0" u="none" strike="noStrike" dirty="0">
@@ -7369,7 +9798,7 @@
                 <a:effectLst/>
                 <a:latin typeface="Arial" panose="020B0604020202020204" pitchFamily="34" charset="0"/>
               </a:rPr>
-              <a:t>Total Rows: 27,901 and 18 columns</a:t>
+              <a:t>2. Total Rows: 27,901 and 18 columns</a:t>
             </a:r>
             <a:r>
               <a:rPr lang="en-GB" sz="1800" b="0" i="0" dirty="0">
@@ -7472,7 +9901,13 @@
   <p:cSld>
     <p:spTree>
       <p:nvGrpSpPr>
-        <p:cNvPr id="1" name=""/>
+        <p:cNvPr id="1" name="">
+          <a:extLst>
+            <a:ext uri="{FF2B5EF4-FFF2-40B4-BE49-F238E27FC236}">
+              <a16:creationId xmlns:a16="http://schemas.microsoft.com/office/drawing/2014/main" id="{00CE8B72-2189-FEC7-8EFB-D6CEF561BA95}"/>
+            </a:ext>
+          </a:extLst>
+        </p:cNvPr>
         <p:cNvGrpSpPr/>
         <p:nvPr/>
       </p:nvGrpSpPr>
@@ -7489,7 +9924,7 @@
           <p:cNvPr id="2" name="Subtitle 1">
             <a:extLst>
               <a:ext uri="{FF2B5EF4-FFF2-40B4-BE49-F238E27FC236}">
-                <a16:creationId xmlns:a16="http://schemas.microsoft.com/office/drawing/2014/main" id="{E31262B9-84B0-C1A5-543C-8FA0F2459C07}"/>
+                <a16:creationId xmlns:a16="http://schemas.microsoft.com/office/drawing/2014/main" id="{21D23E90-BB79-2752-402F-A441E3905607}"/>
               </a:ext>
             </a:extLst>
           </p:cNvPr>
@@ -7502,19 +9937,30 @@
         </p:nvSpPr>
         <p:spPr>
           <a:xfrm>
-            <a:off x="3154458" y="3069000"/>
-            <a:ext cx="7200000" cy="360000"/>
+            <a:off x="965288" y="1080637"/>
+            <a:ext cx="10774428" cy="588024"/>
           </a:xfrm>
         </p:spPr>
         <p:txBody>
           <a:bodyPr/>
           <a:lstStyle/>
           <a:p>
-            <a:r>
-              <a:rPr lang="en-US" dirty="0"/>
-              <a:t>Part 1: VISUALISATION</a:t>
-            </a:r>
-            <a:endParaRPr lang="en-GB" dirty="0"/>
+            <a:br>
+              <a:rPr lang="en-US" sz="2400" b="0" dirty="0">
+                <a:solidFill>
+                  <a:srgbClr val="FF0000"/>
+                </a:solidFill>
+                <a:latin typeface="Calibri" panose="020F0502020204030204" pitchFamily="34" charset="0"/>
+                <a:cs typeface="Calibri" panose="020F0502020204030204" pitchFamily="34" charset="0"/>
+              </a:rPr>
+            </a:br>
+            <a:endParaRPr lang="en-US" sz="2400" dirty="0">
+              <a:solidFill>
+                <a:schemeClr val="tx1"/>
+              </a:solidFill>
+              <a:latin typeface="Calibri" panose="020F0502020204030204" pitchFamily="34" charset="0"/>
+              <a:cs typeface="Calibri" panose="020F0502020204030204" pitchFamily="34" charset="0"/>
+            </a:endParaRPr>
           </a:p>
         </p:txBody>
       </p:sp>
@@ -7523,7 +9969,7 @@
           <p:cNvPr id="4" name="Slide Number Placeholder 3">
             <a:extLst>
               <a:ext uri="{FF2B5EF4-FFF2-40B4-BE49-F238E27FC236}">
-                <a16:creationId xmlns:a16="http://schemas.microsoft.com/office/drawing/2014/main" id="{2B0B5058-8385-6382-3B48-5ADE78EDFDAD}"/>
+                <a16:creationId xmlns:a16="http://schemas.microsoft.com/office/drawing/2014/main" id="{6EAFC6B8-243A-6527-4B2A-067F55164148}"/>
               </a:ext>
             </a:extLst>
           </p:cNvPr>
@@ -7548,10 +9994,500 @@
           </a:p>
         </p:txBody>
       </p:sp>
+      <mc:AlternateContent xmlns:mc="http://schemas.openxmlformats.org/markup-compatibility/2006" xmlns:p14="http://schemas.microsoft.com/office/powerpoint/2010/main">
+        <mc:Choice Requires="p14">
+          <p:contentPart p14:bwMode="auto" r:id="rId3">
+            <p14:nvContentPartPr>
+              <p14:cNvPr id="26" name="Ink 25">
+                <a:extLst>
+                  <a:ext uri="{FF2B5EF4-FFF2-40B4-BE49-F238E27FC236}">
+                    <a16:creationId xmlns:a16="http://schemas.microsoft.com/office/drawing/2014/main" id="{310AE720-45C2-7355-F524-4CF17CF626BE}"/>
+                  </a:ext>
+                </a:extLst>
+              </p14:cNvPr>
+              <p14:cNvContentPartPr/>
+              <p14:nvPr/>
+            </p14:nvContentPartPr>
+            <p14:xfrm>
+              <a:off x="11548041" y="2705494"/>
+              <a:ext cx="360" cy="360"/>
+            </p14:xfrm>
+          </p:contentPart>
+        </mc:Choice>
+        <mc:Fallback xmlns="">
+          <p:pic>
+            <p:nvPicPr>
+              <p:cNvPr id="26" name="Ink 25">
+                <a:extLst>
+                  <a:ext uri="{FF2B5EF4-FFF2-40B4-BE49-F238E27FC236}">
+                    <a16:creationId xmlns:a16="http://schemas.microsoft.com/office/drawing/2014/main" id="{F4A00DAC-98CC-1D9A-E4A4-B99AD3FBA824}"/>
+                  </a:ext>
+                </a:extLst>
+              </p:cNvPr>
+              <p:cNvPicPr/>
+              <p:nvPr/>
+            </p:nvPicPr>
+            <p:blipFill>
+              <a:blip r:embed="rId4"/>
+              <a:stretch>
+                <a:fillRect/>
+              </a:stretch>
+            </p:blipFill>
+            <p:spPr>
+              <a:xfrm>
+                <a:off x="11530041" y="2687494"/>
+                <a:ext cx="36000" cy="36000"/>
+              </a:xfrm>
+              <a:prstGeom prst="rect">
+                <a:avLst/>
+              </a:prstGeom>
+            </p:spPr>
+          </p:pic>
+        </mc:Fallback>
+      </mc:AlternateContent>
+      <p:sp>
+        <p:nvSpPr>
+          <p:cNvPr id="7" name="TextBox 6">
+            <a:extLst>
+              <a:ext uri="{FF2B5EF4-FFF2-40B4-BE49-F238E27FC236}">
+                <a16:creationId xmlns:a16="http://schemas.microsoft.com/office/drawing/2014/main" id="{9EF20C69-E844-3C13-661D-93BA2FF3660B}"/>
+              </a:ext>
+            </a:extLst>
+          </p:cNvPr>
+          <p:cNvSpPr txBox="1"/>
+          <p:nvPr/>
+        </p:nvSpPr>
+        <p:spPr>
+          <a:xfrm>
+            <a:off x="901432" y="313721"/>
+            <a:ext cx="6174658" cy="2849498"/>
+          </a:xfrm>
+          <a:prstGeom prst="rect">
+            <a:avLst/>
+          </a:prstGeom>
+          <a:noFill/>
+        </p:spPr>
+        <p:txBody>
+          <a:bodyPr wrap="square">
+            <a:spAutoFit/>
+          </a:bodyPr>
+          <a:lstStyle/>
+          <a:p>
+            <a:pPr algn="l" rtl="0" fontAlgn="base">
+              <a:lnSpc>
+                <a:spcPts val="1987"/>
+              </a:lnSpc>
+            </a:pPr>
+            <a:r>
+              <a:rPr lang="en-US" sz="2400" b="1" dirty="0">
+                <a:solidFill>
+                  <a:srgbClr val="FF0000"/>
+                </a:solidFill>
+                <a:latin typeface="Arial" panose="020B0604020202020204" pitchFamily="34" charset="0"/>
+              </a:rPr>
+              <a:t>Data Filtering and Cleaning</a:t>
+            </a:r>
+            <a:endParaRPr lang="en-US" sz="2400" b="1" i="0" u="none" strike="noStrike" dirty="0">
+              <a:solidFill>
+                <a:srgbClr val="FF0000"/>
+              </a:solidFill>
+              <a:effectLst/>
+              <a:latin typeface="Arial" panose="020B0604020202020204" pitchFamily="34" charset="0"/>
+            </a:endParaRPr>
+          </a:p>
+          <a:p>
+            <a:pPr algn="l" rtl="0" fontAlgn="base">
+              <a:lnSpc>
+                <a:spcPts val="1987"/>
+              </a:lnSpc>
+            </a:pPr>
+            <a:endParaRPr lang="en-US" sz="1800" b="1" i="0" u="none" strike="noStrike" dirty="0">
+              <a:solidFill>
+                <a:srgbClr val="FF0000"/>
+              </a:solidFill>
+              <a:effectLst/>
+              <a:latin typeface="Arial" panose="020B0604020202020204" pitchFamily="34" charset="0"/>
+            </a:endParaRPr>
+          </a:p>
+          <a:p>
+            <a:pPr algn="l" rtl="0" fontAlgn="base">
+              <a:lnSpc>
+                <a:spcPts val="1987"/>
+              </a:lnSpc>
+              <a:buFont typeface="+mj-lt"/>
+              <a:buAutoNum type="arabicPeriod"/>
+            </a:pPr>
+            <a:r>
+              <a:rPr lang="en-GB" sz="1800" b="0" i="0" dirty="0">
+                <a:solidFill>
+                  <a:srgbClr val="203232"/>
+                </a:solidFill>
+                <a:effectLst/>
+                <a:latin typeface="Arial" panose="020B0604020202020204" pitchFamily="34" charset="0"/>
+              </a:rPr>
+              <a:t> Filter Profession == “Student”</a:t>
+            </a:r>
+          </a:p>
+          <a:p>
+            <a:pPr algn="l" rtl="0" fontAlgn="base">
+              <a:lnSpc>
+                <a:spcPts val="1987"/>
+              </a:lnSpc>
+              <a:buFont typeface="+mj-lt"/>
+              <a:buAutoNum type="arabicPeriod"/>
+            </a:pPr>
+            <a:endParaRPr lang="en-GB" sz="1800" b="0" i="0" dirty="0">
+              <a:solidFill>
+                <a:srgbClr val="203232"/>
+              </a:solidFill>
+              <a:effectLst/>
+              <a:latin typeface="Arial" panose="020B0604020202020204" pitchFamily="34" charset="0"/>
+            </a:endParaRPr>
+          </a:p>
+          <a:p>
+            <a:pPr fontAlgn="base">
+              <a:lnSpc>
+                <a:spcPts val="1987"/>
+              </a:lnSpc>
+            </a:pPr>
+            <a:r>
+              <a:rPr lang="en-GB" dirty="0">
+                <a:solidFill>
+                  <a:srgbClr val="203232"/>
+                </a:solidFill>
+                <a:latin typeface="Arial" panose="020B0604020202020204" pitchFamily="34" charset="0"/>
+              </a:rPr>
+              <a:t>#find the unique values in "Profession" </a:t>
+            </a:r>
+            <a:r>
+              <a:rPr lang="en-GB" dirty="0" err="1">
+                <a:solidFill>
+                  <a:srgbClr val="203232"/>
+                </a:solidFill>
+                <a:latin typeface="Arial" panose="020B0604020202020204" pitchFamily="34" charset="0"/>
+              </a:rPr>
+              <a:t>columnunique</a:t>
+            </a:r>
+            <a:r>
+              <a:rPr lang="en-GB" dirty="0">
+                <a:solidFill>
+                  <a:srgbClr val="203232"/>
+                </a:solidFill>
+                <a:latin typeface="Arial" panose="020B0604020202020204" pitchFamily="34" charset="0"/>
+              </a:rPr>
+              <a:t>(</a:t>
+            </a:r>
+            <a:r>
+              <a:rPr lang="en-GB" dirty="0" err="1">
+                <a:solidFill>
+                  <a:srgbClr val="203232"/>
+                </a:solidFill>
+                <a:latin typeface="Arial" panose="020B0604020202020204" pitchFamily="34" charset="0"/>
+              </a:rPr>
+              <a:t>data$Profession</a:t>
+            </a:r>
+            <a:r>
+              <a:rPr lang="en-GB" dirty="0">
+                <a:solidFill>
+                  <a:srgbClr val="203232"/>
+                </a:solidFill>
+                <a:latin typeface="Arial" panose="020B0604020202020204" pitchFamily="34" charset="0"/>
+              </a:rPr>
+              <a:t>)</a:t>
+            </a:r>
+            <a:br>
+              <a:rPr lang="en-GB" sz="1800" b="0" i="0" dirty="0">
+                <a:solidFill>
+                  <a:srgbClr val="203232"/>
+                </a:solidFill>
+                <a:effectLst/>
+                <a:latin typeface="Arial" panose="020B0604020202020204" pitchFamily="34" charset="0"/>
+              </a:rPr>
+            </a:br>
+            <a:r>
+              <a:rPr lang="en-GB" sz="1800" b="0" i="0" dirty="0">
+                <a:solidFill>
+                  <a:srgbClr val="203232"/>
+                </a:solidFill>
+                <a:effectLst/>
+                <a:latin typeface="Arial" panose="020B0604020202020204" pitchFamily="34" charset="0"/>
+              </a:rPr>
+              <a:t>​</a:t>
+            </a:r>
+            <a:br>
+              <a:rPr lang="en-GB" sz="1800" b="0" i="0" dirty="0">
+                <a:solidFill>
+                  <a:srgbClr val="203232"/>
+                </a:solidFill>
+                <a:effectLst/>
+                <a:latin typeface="Arial" panose="020B0604020202020204" pitchFamily="34" charset="0"/>
+              </a:rPr>
+            </a:br>
+            <a:r>
+              <a:rPr lang="en-GB" sz="1800" b="0" i="0" dirty="0">
+                <a:solidFill>
+                  <a:srgbClr val="203232"/>
+                </a:solidFill>
+                <a:effectLst/>
+                <a:latin typeface="Arial" panose="020B0604020202020204" pitchFamily="34" charset="0"/>
+              </a:rPr>
+              <a:t>​</a:t>
+            </a:r>
+            <a:endParaRPr lang="en-GB" b="0" i="0" dirty="0">
+              <a:solidFill>
+                <a:srgbClr val="203232"/>
+              </a:solidFill>
+              <a:effectLst/>
+              <a:latin typeface="Arial" panose="020B0604020202020204" pitchFamily="34" charset="0"/>
+            </a:endParaRPr>
+          </a:p>
+          <a:p>
+            <a:pPr algn="l" rtl="0" fontAlgn="base">
+              <a:lnSpc>
+                <a:spcPts val="5520"/>
+              </a:lnSpc>
+              <a:buNone/>
+            </a:pPr>
+            <a:r>
+              <a:rPr lang="en-US" sz="4800" b="0" i="0" dirty="0">
+                <a:solidFill>
+                  <a:srgbClr val="203232"/>
+                </a:solidFill>
+                <a:effectLst/>
+                <a:latin typeface="Arial" panose="020B0604020202020204" pitchFamily="34" charset="0"/>
+              </a:rPr>
+              <a:t>​</a:t>
+            </a:r>
+            <a:endParaRPr lang="en-US" b="0" i="0" dirty="0">
+              <a:solidFill>
+                <a:srgbClr val="203232"/>
+              </a:solidFill>
+              <a:effectLst/>
+              <a:latin typeface="Segoe UI" panose="020B0502040204020203" pitchFamily="34" charset="0"/>
+            </a:endParaRPr>
+          </a:p>
+        </p:txBody>
+      </p:sp>
+      <p:pic>
+        <p:nvPicPr>
+          <p:cNvPr id="10" name="Picture 9" descr="A screenshot of a computer screen&#10;&#10;AI-generated content may be incorrect.">
+            <a:extLst>
+              <a:ext uri="{FF2B5EF4-FFF2-40B4-BE49-F238E27FC236}">
+                <a16:creationId xmlns:a16="http://schemas.microsoft.com/office/drawing/2014/main" id="{786B784B-34DE-7792-9889-D75CD5054A85}"/>
+              </a:ext>
+            </a:extLst>
+          </p:cNvPr>
+          <p:cNvPicPr>
+            <a:picLocks noChangeAspect="1"/>
+          </p:cNvPicPr>
+          <p:nvPr/>
+        </p:nvPicPr>
+        <p:blipFill>
+          <a:blip r:embed="rId5"/>
+          <a:stretch>
+            <a:fillRect/>
+          </a:stretch>
+        </p:blipFill>
+        <p:spPr>
+          <a:xfrm>
+            <a:off x="901432" y="2083100"/>
+            <a:ext cx="5017587" cy="1518480"/>
+          </a:xfrm>
+          <a:prstGeom prst="rect">
+            <a:avLst/>
+          </a:prstGeom>
+        </p:spPr>
+      </p:pic>
+      <p:sp>
+        <p:nvSpPr>
+          <p:cNvPr id="11" name="TextBox 10">
+            <a:extLst>
+              <a:ext uri="{FF2B5EF4-FFF2-40B4-BE49-F238E27FC236}">
+                <a16:creationId xmlns:a16="http://schemas.microsoft.com/office/drawing/2014/main" id="{168D2650-716B-952F-ADDD-1C15E0A6C5D1}"/>
+              </a:ext>
+            </a:extLst>
+          </p:cNvPr>
+          <p:cNvSpPr txBox="1"/>
+          <p:nvPr/>
+        </p:nvSpPr>
+        <p:spPr>
+          <a:xfrm>
+            <a:off x="4420473" y="3930135"/>
+            <a:ext cx="6195927" cy="2308324"/>
+          </a:xfrm>
+          <a:prstGeom prst="rect">
+            <a:avLst/>
+          </a:prstGeom>
+          <a:noFill/>
+        </p:spPr>
+        <p:txBody>
+          <a:bodyPr wrap="none" rtlCol="0">
+            <a:spAutoFit/>
+          </a:bodyPr>
+          <a:lstStyle/>
+          <a:p>
+            <a:pPr latinLnBrk="1"/>
+            <a:r>
+              <a:rPr lang="en-US" dirty="0">
+                <a:solidFill>
+                  <a:srgbClr val="FF0000"/>
+                </a:solidFill>
+              </a:rPr>
+              <a:t>&gt; #find the number of rows that are not students</a:t>
+            </a:r>
+          </a:p>
+          <a:p>
+            <a:pPr latinLnBrk="1"/>
+            <a:r>
+              <a:rPr lang="en-US" dirty="0">
+                <a:solidFill>
+                  <a:srgbClr val="FF0000"/>
+                </a:solidFill>
+              </a:rPr>
+              <a:t>&gt; data %&gt;% </a:t>
+            </a:r>
+          </a:p>
+          <a:p>
+            <a:pPr latinLnBrk="1"/>
+            <a:r>
+              <a:rPr lang="en-US" dirty="0">
+                <a:solidFill>
+                  <a:srgbClr val="FF0000"/>
+                </a:solidFill>
+              </a:rPr>
+              <a:t>+   filter(Profession != "Student") %&gt;% </a:t>
+            </a:r>
+          </a:p>
+          <a:p>
+            <a:pPr latinLnBrk="1"/>
+            <a:r>
+              <a:rPr lang="en-US" dirty="0">
+                <a:solidFill>
+                  <a:srgbClr val="FF0000"/>
+                </a:solidFill>
+              </a:rPr>
+              <a:t>+   </a:t>
+            </a:r>
+            <a:r>
+              <a:rPr lang="en-US" dirty="0" err="1">
+                <a:solidFill>
+                  <a:srgbClr val="FF0000"/>
+                </a:solidFill>
+              </a:rPr>
+              <a:t>nrow</a:t>
+            </a:r>
+            <a:r>
+              <a:rPr lang="en-US" dirty="0">
+                <a:solidFill>
+                  <a:srgbClr val="FF0000"/>
+                </a:solidFill>
+              </a:rPr>
+              <a:t>()</a:t>
+            </a:r>
+          </a:p>
+          <a:p>
+            <a:pPr latinLnBrk="1"/>
+            <a:r>
+              <a:rPr lang="en-US" dirty="0">
+                <a:solidFill>
+                  <a:srgbClr val="FF0000"/>
+                </a:solidFill>
+              </a:rPr>
+              <a:t>  31</a:t>
+            </a:r>
+          </a:p>
+          <a:p>
+            <a:endParaRPr lang="en-US" dirty="0">
+              <a:solidFill>
+                <a:srgbClr val="FF0000"/>
+              </a:solidFill>
+            </a:endParaRPr>
+          </a:p>
+          <a:p>
+            <a:r>
+              <a:rPr lang="en-US" dirty="0">
+                <a:solidFill>
+                  <a:srgbClr val="FF0000"/>
+                </a:solidFill>
+              </a:rPr>
+              <a:t># Filter students only</a:t>
+            </a:r>
+          </a:p>
+          <a:p>
+            <a:r>
+              <a:rPr lang="en-US" dirty="0" err="1">
+                <a:solidFill>
+                  <a:srgbClr val="FF0000"/>
+                </a:solidFill>
+              </a:rPr>
+              <a:t>data_students</a:t>
+            </a:r>
+            <a:r>
+              <a:rPr lang="en-US" dirty="0">
+                <a:solidFill>
+                  <a:srgbClr val="FF0000"/>
+                </a:solidFill>
+              </a:rPr>
+              <a:t> &lt;- data %&gt;%  filter(Profession == "Student")</a:t>
+            </a:r>
+          </a:p>
+        </p:txBody>
+      </p:sp>
+      <mc:AlternateContent xmlns:mc="http://schemas.openxmlformats.org/markup-compatibility/2006">
+        <mc:Choice xmlns:p14="http://schemas.microsoft.com/office/powerpoint/2010/main" Requires="p14">
+          <p:contentPart p14:bwMode="auto" r:id="rId6">
+            <p14:nvContentPartPr>
+              <p14:cNvPr id="12" name="Ink 11">
+                <a:extLst>
+                  <a:ext uri="{FF2B5EF4-FFF2-40B4-BE49-F238E27FC236}">
+                    <a16:creationId xmlns:a16="http://schemas.microsoft.com/office/drawing/2014/main" id="{84382D2D-F749-9EDF-05EF-4AD26580F94F}"/>
+                  </a:ext>
+                </a:extLst>
+              </p14:cNvPr>
+              <p14:cNvContentPartPr/>
+              <p14:nvPr/>
+            </p14:nvContentPartPr>
+            <p14:xfrm>
+              <a:off x="4651394" y="5200788"/>
+              <a:ext cx="304560" cy="30960"/>
+            </p14:xfrm>
+          </p:contentPart>
+        </mc:Choice>
+        <mc:Fallback>
+          <p:pic>
+            <p:nvPicPr>
+              <p:cNvPr id="12" name="Ink 11">
+                <a:extLst>
+                  <a:ext uri="{FF2B5EF4-FFF2-40B4-BE49-F238E27FC236}">
+                    <a16:creationId xmlns:a16="http://schemas.microsoft.com/office/drawing/2014/main" id="{84382D2D-F749-9EDF-05EF-4AD26580F94F}"/>
+                  </a:ext>
+                </a:extLst>
+              </p:cNvPr>
+              <p:cNvPicPr/>
+              <p:nvPr/>
+            </p:nvPicPr>
+            <p:blipFill>
+              <a:blip r:embed="rId7"/>
+              <a:stretch>
+                <a:fillRect/>
+              </a:stretch>
+            </p:blipFill>
+            <p:spPr>
+              <a:xfrm>
+                <a:off x="4597394" y="5093148"/>
+                <a:ext cx="412200" cy="246600"/>
+              </a:xfrm>
+              <a:prstGeom prst="rect">
+                <a:avLst/>
+              </a:prstGeom>
+            </p:spPr>
+          </p:pic>
+        </mc:Fallback>
+      </mc:AlternateContent>
     </p:spTree>
     <p:extLst>
       <p:ext uri="{BB962C8B-B14F-4D97-AF65-F5344CB8AC3E}">
-        <p14:creationId xmlns:p14="http://schemas.microsoft.com/office/powerpoint/2010/main" val="2339144795"/>
+        <p14:creationId xmlns:p14="http://schemas.microsoft.com/office/powerpoint/2010/main" val="3679898155"/>
       </p:ext>
     </p:extLst>
   </p:cSld>
@@ -7569,7 +10505,7 @@
         <p:cNvPr id="1" name="">
           <a:extLst>
             <a:ext uri="{FF2B5EF4-FFF2-40B4-BE49-F238E27FC236}">
-              <a16:creationId xmlns:a16="http://schemas.microsoft.com/office/drawing/2014/main" id="{DB6E4F5B-D4B0-8884-7F5F-7395AFE85E4E}"/>
+              <a16:creationId xmlns:a16="http://schemas.microsoft.com/office/drawing/2014/main" id="{2CB6BF50-1B39-5F8C-61EF-4DC2E344C8AB}"/>
             </a:ext>
           </a:extLst>
         </p:cNvPr>
@@ -7589,7 +10525,7 @@
           <p:cNvPr id="2" name="Subtitle 1">
             <a:extLst>
               <a:ext uri="{FF2B5EF4-FFF2-40B4-BE49-F238E27FC236}">
-                <a16:creationId xmlns:a16="http://schemas.microsoft.com/office/drawing/2014/main" id="{AE914057-BDFA-A5B2-0C63-DA39BB3FD51D}"/>
+                <a16:creationId xmlns:a16="http://schemas.microsoft.com/office/drawing/2014/main" id="{C54EEBB1-4F2C-44DD-90F2-01BC44AB23E2}"/>
               </a:ext>
             </a:extLst>
           </p:cNvPr>
@@ -7602,19 +10538,30 @@
         </p:nvSpPr>
         <p:spPr>
           <a:xfrm>
-            <a:off x="965289" y="1034819"/>
-            <a:ext cx="10567950" cy="360000"/>
+            <a:off x="965288" y="1080637"/>
+            <a:ext cx="10774428" cy="588024"/>
           </a:xfrm>
         </p:spPr>
         <p:txBody>
           <a:bodyPr/>
           <a:lstStyle/>
           <a:p>
-            <a:r>
-              <a:rPr lang="en-US" sz="2800" dirty="0"/>
-              <a:t>Difference in mean/median CGPA for depressed/non-depressed students in India</a:t>
-            </a:r>
-            <a:endParaRPr lang="en-GB" sz="2800" dirty="0"/>
+            <a:br>
+              <a:rPr lang="en-US" sz="2400" b="0" dirty="0">
+                <a:solidFill>
+                  <a:srgbClr val="FF0000"/>
+                </a:solidFill>
+                <a:latin typeface="Calibri" panose="020F0502020204030204" pitchFamily="34" charset="0"/>
+                <a:cs typeface="Calibri" panose="020F0502020204030204" pitchFamily="34" charset="0"/>
+              </a:rPr>
+            </a:br>
+            <a:endParaRPr lang="en-US" sz="2400" dirty="0">
+              <a:solidFill>
+                <a:schemeClr val="tx1"/>
+              </a:solidFill>
+              <a:latin typeface="Calibri" panose="020F0502020204030204" pitchFamily="34" charset="0"/>
+              <a:cs typeface="Calibri" panose="020F0502020204030204" pitchFamily="34" charset="0"/>
+            </a:endParaRPr>
           </a:p>
         </p:txBody>
       </p:sp>
@@ -7623,7 +10570,7 @@
           <p:cNvPr id="4" name="Slide Number Placeholder 3">
             <a:extLst>
               <a:ext uri="{FF2B5EF4-FFF2-40B4-BE49-F238E27FC236}">
-                <a16:creationId xmlns:a16="http://schemas.microsoft.com/office/drawing/2014/main" id="{535E275A-C4C6-D950-8666-649AA843EB2A}"/>
+                <a16:creationId xmlns:a16="http://schemas.microsoft.com/office/drawing/2014/main" id="{D6ED0027-AD51-26E3-3517-BA93976F10CD}"/>
               </a:ext>
             </a:extLst>
           </p:cNvPr>
@@ -7648,12 +10595,351 @@
           </a:p>
         </p:txBody>
       </p:sp>
+      <mc:AlternateContent xmlns:mc="http://schemas.openxmlformats.org/markup-compatibility/2006" xmlns:p14="http://schemas.microsoft.com/office/powerpoint/2010/main">
+        <mc:Choice Requires="p14">
+          <p:contentPart p14:bwMode="auto" r:id="rId3">
+            <p14:nvContentPartPr>
+              <p14:cNvPr id="26" name="Ink 25">
+                <a:extLst>
+                  <a:ext uri="{FF2B5EF4-FFF2-40B4-BE49-F238E27FC236}">
+                    <a16:creationId xmlns:a16="http://schemas.microsoft.com/office/drawing/2014/main" id="{61235010-1614-70DC-F3F7-0C38BB77CDF6}"/>
+                  </a:ext>
+                </a:extLst>
+              </p14:cNvPr>
+              <p14:cNvContentPartPr/>
+              <p14:nvPr/>
+            </p14:nvContentPartPr>
+            <p14:xfrm>
+              <a:off x="11548041" y="2705494"/>
+              <a:ext cx="360" cy="360"/>
+            </p14:xfrm>
+          </p:contentPart>
+        </mc:Choice>
+        <mc:Fallback xmlns="">
+          <p:pic>
+            <p:nvPicPr>
+              <p:cNvPr id="26" name="Ink 25">
+                <a:extLst>
+                  <a:ext uri="{FF2B5EF4-FFF2-40B4-BE49-F238E27FC236}">
+                    <a16:creationId xmlns:a16="http://schemas.microsoft.com/office/drawing/2014/main" id="{F4A00DAC-98CC-1D9A-E4A4-B99AD3FBA824}"/>
+                  </a:ext>
+                </a:extLst>
+              </p:cNvPr>
+              <p:cNvPicPr/>
+              <p:nvPr/>
+            </p:nvPicPr>
+            <p:blipFill>
+              <a:blip r:embed="rId4"/>
+              <a:stretch>
+                <a:fillRect/>
+              </a:stretch>
+            </p:blipFill>
+            <p:spPr>
+              <a:xfrm>
+                <a:off x="11530041" y="2687494"/>
+                <a:ext cx="36000" cy="36000"/>
+              </a:xfrm>
+              <a:prstGeom prst="rect">
+                <a:avLst/>
+              </a:prstGeom>
+            </p:spPr>
+          </p:pic>
+        </mc:Fallback>
+      </mc:AlternateContent>
+      <p:sp>
+        <p:nvSpPr>
+          <p:cNvPr id="7" name="TextBox 6">
+            <a:extLst>
+              <a:ext uri="{FF2B5EF4-FFF2-40B4-BE49-F238E27FC236}">
+                <a16:creationId xmlns:a16="http://schemas.microsoft.com/office/drawing/2014/main" id="{A53E785F-3E81-F91B-237D-870DC1C6E922}"/>
+              </a:ext>
+            </a:extLst>
+          </p:cNvPr>
+          <p:cNvSpPr txBox="1"/>
+          <p:nvPr/>
+        </p:nvSpPr>
+        <p:spPr>
+          <a:xfrm>
+            <a:off x="773613" y="372152"/>
+            <a:ext cx="10966103" cy="2593018"/>
+          </a:xfrm>
+          <a:prstGeom prst="rect">
+            <a:avLst/>
+          </a:prstGeom>
+          <a:noFill/>
+        </p:spPr>
+        <p:txBody>
+          <a:bodyPr wrap="square">
+            <a:spAutoFit/>
+          </a:bodyPr>
+          <a:lstStyle/>
+          <a:p>
+            <a:pPr algn="l" rtl="0" fontAlgn="base">
+              <a:lnSpc>
+                <a:spcPts val="1987"/>
+              </a:lnSpc>
+            </a:pPr>
+            <a:r>
+              <a:rPr lang="en-US" sz="2400" b="1" dirty="0">
+                <a:solidFill>
+                  <a:srgbClr val="FF0000"/>
+                </a:solidFill>
+                <a:latin typeface="Arial" panose="020B0604020202020204" pitchFamily="34" charset="0"/>
+              </a:rPr>
+              <a:t>Data Filtering and Cleaning</a:t>
+            </a:r>
+            <a:endParaRPr lang="en-US" sz="2400" b="1" i="0" u="none" strike="noStrike" dirty="0">
+              <a:solidFill>
+                <a:srgbClr val="FF0000"/>
+              </a:solidFill>
+              <a:effectLst/>
+              <a:latin typeface="Arial" panose="020B0604020202020204" pitchFamily="34" charset="0"/>
+            </a:endParaRPr>
+          </a:p>
+          <a:p>
+            <a:pPr algn="l" rtl="0" fontAlgn="base">
+              <a:lnSpc>
+                <a:spcPts val="1987"/>
+              </a:lnSpc>
+            </a:pPr>
+            <a:endParaRPr lang="en-US" sz="1800" b="1" i="0" u="none" strike="noStrike" dirty="0">
+              <a:solidFill>
+                <a:srgbClr val="FF0000"/>
+              </a:solidFill>
+              <a:effectLst/>
+              <a:latin typeface="Arial" panose="020B0604020202020204" pitchFamily="34" charset="0"/>
+            </a:endParaRPr>
+          </a:p>
+          <a:p>
+            <a:pPr algn="l" rtl="0" fontAlgn="base">
+              <a:lnSpc>
+                <a:spcPts val="1987"/>
+              </a:lnSpc>
+            </a:pPr>
+            <a:r>
+              <a:rPr lang="en-GB" dirty="0">
+                <a:solidFill>
+                  <a:srgbClr val="203232"/>
+                </a:solidFill>
+                <a:latin typeface="Arial" panose="020B0604020202020204" pitchFamily="34" charset="0"/>
+              </a:rPr>
+              <a:t>2. Remove any rows with N/A values/null values from CGPA / Depression columns and remove rows where “CGPA” = 0 </a:t>
+            </a:r>
+            <a:endParaRPr lang="en-GB" sz="1800" b="0" i="0" dirty="0">
+              <a:solidFill>
+                <a:srgbClr val="203232"/>
+              </a:solidFill>
+              <a:effectLst/>
+              <a:latin typeface="Arial" panose="020B0604020202020204" pitchFamily="34" charset="0"/>
+            </a:endParaRPr>
+          </a:p>
+          <a:p>
+            <a:pPr fontAlgn="base">
+              <a:lnSpc>
+                <a:spcPts val="1987"/>
+              </a:lnSpc>
+            </a:pPr>
+            <a:br>
+              <a:rPr lang="en-GB" sz="1800" b="0" i="0" dirty="0">
+                <a:solidFill>
+                  <a:srgbClr val="203232"/>
+                </a:solidFill>
+                <a:effectLst/>
+                <a:latin typeface="Arial" panose="020B0604020202020204" pitchFamily="34" charset="0"/>
+              </a:rPr>
+            </a:br>
+            <a:r>
+              <a:rPr lang="en-GB" sz="1800" b="0" i="0" dirty="0">
+                <a:solidFill>
+                  <a:srgbClr val="203232"/>
+                </a:solidFill>
+                <a:effectLst/>
+                <a:latin typeface="Arial" panose="020B0604020202020204" pitchFamily="34" charset="0"/>
+              </a:rPr>
+              <a:t>​</a:t>
+            </a:r>
+            <a:br>
+              <a:rPr lang="en-GB" sz="1800" b="0" i="0" dirty="0">
+                <a:solidFill>
+                  <a:srgbClr val="203232"/>
+                </a:solidFill>
+                <a:effectLst/>
+                <a:latin typeface="Arial" panose="020B0604020202020204" pitchFamily="34" charset="0"/>
+              </a:rPr>
+            </a:br>
+            <a:r>
+              <a:rPr lang="en-GB" sz="1800" b="0" i="0" dirty="0">
+                <a:solidFill>
+                  <a:srgbClr val="203232"/>
+                </a:solidFill>
+                <a:effectLst/>
+                <a:latin typeface="Arial" panose="020B0604020202020204" pitchFamily="34" charset="0"/>
+              </a:rPr>
+              <a:t>​</a:t>
+            </a:r>
+            <a:endParaRPr lang="en-GB" b="0" i="0" dirty="0">
+              <a:solidFill>
+                <a:srgbClr val="203232"/>
+              </a:solidFill>
+              <a:effectLst/>
+              <a:latin typeface="Arial" panose="020B0604020202020204" pitchFamily="34" charset="0"/>
+            </a:endParaRPr>
+          </a:p>
+          <a:p>
+            <a:pPr algn="l" rtl="0" fontAlgn="base">
+              <a:lnSpc>
+                <a:spcPts val="5520"/>
+              </a:lnSpc>
+              <a:buNone/>
+            </a:pPr>
+            <a:r>
+              <a:rPr lang="en-US" sz="4800" b="0" i="0" dirty="0">
+                <a:solidFill>
+                  <a:srgbClr val="203232"/>
+                </a:solidFill>
+                <a:effectLst/>
+                <a:latin typeface="Arial" panose="020B0604020202020204" pitchFamily="34" charset="0"/>
+              </a:rPr>
+              <a:t>​</a:t>
+            </a:r>
+            <a:endParaRPr lang="en-US" b="0" i="0" dirty="0">
+              <a:solidFill>
+                <a:srgbClr val="203232"/>
+              </a:solidFill>
+              <a:effectLst/>
+              <a:latin typeface="Segoe UI" panose="020B0502040204020203" pitchFamily="34" charset="0"/>
+            </a:endParaRPr>
+          </a:p>
+        </p:txBody>
+      </p:sp>
+      <p:sp>
+        <p:nvSpPr>
+          <p:cNvPr id="11" name="TextBox 10">
+            <a:extLst>
+              <a:ext uri="{FF2B5EF4-FFF2-40B4-BE49-F238E27FC236}">
+                <a16:creationId xmlns:a16="http://schemas.microsoft.com/office/drawing/2014/main" id="{4E9A4D7F-CE09-D6A4-A3AB-3DC20E75D413}"/>
+              </a:ext>
+            </a:extLst>
+          </p:cNvPr>
+          <p:cNvSpPr txBox="1"/>
+          <p:nvPr/>
+        </p:nvSpPr>
+        <p:spPr>
+          <a:xfrm>
+            <a:off x="773613" y="3429000"/>
+            <a:ext cx="10759627" cy="2031325"/>
+          </a:xfrm>
+          <a:prstGeom prst="rect">
+            <a:avLst/>
+          </a:prstGeom>
+          <a:noFill/>
+        </p:spPr>
+        <p:txBody>
+          <a:bodyPr wrap="square" rtlCol="0">
+            <a:spAutoFit/>
+          </a:bodyPr>
+          <a:lstStyle/>
+          <a:p>
+            <a:pPr latinLnBrk="1"/>
+            <a:r>
+              <a:rPr lang="nn-NO" dirty="0">
+                <a:solidFill>
+                  <a:srgbClr val="FF0000"/>
+                </a:solidFill>
+              </a:rPr>
+              <a:t>&gt; data_students %&gt;% </a:t>
+            </a:r>
+          </a:p>
+          <a:p>
+            <a:pPr latinLnBrk="1"/>
+            <a:r>
+              <a:rPr lang="nn-NO" dirty="0">
+                <a:solidFill>
+                  <a:srgbClr val="FF0000"/>
+                </a:solidFill>
+              </a:rPr>
+              <a:t>+   filter(CGPA == 0)  %&gt;% </a:t>
+            </a:r>
+          </a:p>
+          <a:p>
+            <a:pPr latinLnBrk="1"/>
+            <a:r>
+              <a:rPr lang="nn-NO" dirty="0">
+                <a:solidFill>
+                  <a:srgbClr val="FF0000"/>
+                </a:solidFill>
+              </a:rPr>
+              <a:t>+   nrow()</a:t>
+            </a:r>
+          </a:p>
+          <a:p>
+            <a:pPr latinLnBrk="1"/>
+            <a:r>
+              <a:rPr lang="nn-NO" dirty="0">
+                <a:solidFill>
+                  <a:srgbClr val="FF0000"/>
+                </a:solidFill>
+              </a:rPr>
+              <a:t>    9</a:t>
+            </a:r>
+          </a:p>
+          <a:p>
+            <a:endParaRPr lang="en-US" dirty="0">
+              <a:solidFill>
+                <a:srgbClr val="FF0000"/>
+              </a:solidFill>
+            </a:endParaRPr>
+          </a:p>
+          <a:p>
+            <a:r>
+              <a:rPr lang="en-US" dirty="0">
+                <a:solidFill>
+                  <a:srgbClr val="FF0000"/>
+                </a:solidFill>
+              </a:rPr>
+              <a:t># Clean data; Remove any rows with missing CGPA or Depression values, and remove CGPA of 0 </a:t>
+            </a:r>
+            <a:r>
+              <a:rPr lang="en-US" dirty="0" err="1">
+                <a:solidFill>
+                  <a:srgbClr val="FF0000"/>
+                </a:solidFill>
+              </a:rPr>
+              <a:t>data_clean</a:t>
+            </a:r>
+            <a:r>
+              <a:rPr lang="en-US" dirty="0">
+                <a:solidFill>
+                  <a:srgbClr val="FF0000"/>
+                </a:solidFill>
+              </a:rPr>
+              <a:t> &lt;- </a:t>
+            </a:r>
+            <a:r>
+              <a:rPr lang="en-US" dirty="0" err="1">
+                <a:solidFill>
+                  <a:srgbClr val="FF0000"/>
+                </a:solidFill>
+              </a:rPr>
+              <a:t>data_students</a:t>
+            </a:r>
+            <a:r>
+              <a:rPr lang="en-US" dirty="0">
+                <a:solidFill>
+                  <a:srgbClr val="FF0000"/>
+                </a:solidFill>
+              </a:rPr>
+              <a:t> %&gt;% filter(!is.na(CGPA) &amp; !is.na(Depression) &amp; CGPA != 0)</a:t>
+            </a:r>
+          </a:p>
+        </p:txBody>
+      </p:sp>
       <p:pic>
         <p:nvPicPr>
-          <p:cNvPr id="6" name="Picture 5">
-            <a:extLst>
-              <a:ext uri="{FF2B5EF4-FFF2-40B4-BE49-F238E27FC236}">
-                <a16:creationId xmlns:a16="http://schemas.microsoft.com/office/drawing/2014/main" id="{8E55456B-C82B-10DC-1294-C361767A1659}"/>
+          <p:cNvPr id="6" name="Picture 5" descr="A screenshot of a computer&#10;&#10;AI-generated content may be incorrect.">
+            <a:extLst>
+              <a:ext uri="{FF2B5EF4-FFF2-40B4-BE49-F238E27FC236}">
+                <a16:creationId xmlns:a16="http://schemas.microsoft.com/office/drawing/2014/main" id="{5047DDCD-16EF-CB3D-2B83-32C6F032AA85}"/>
               </a:ext>
             </a:extLst>
           </p:cNvPr>
@@ -7663,25 +10949,76 @@
           <p:nvPr/>
         </p:nvPicPr>
         <p:blipFill>
-          <a:blip r:embed="rId2"/>
+          <a:blip r:embed="rId5"/>
           <a:stretch>
             <a:fillRect/>
           </a:stretch>
         </p:blipFill>
         <p:spPr>
           <a:xfrm>
-            <a:off x="965289" y="2127785"/>
-            <a:ext cx="10789029" cy="1785454"/>
+            <a:off x="820336" y="1610869"/>
+            <a:ext cx="10107464" cy="1818131"/>
           </a:xfrm>
           <a:prstGeom prst="rect">
             <a:avLst/>
           </a:prstGeom>
         </p:spPr>
       </p:pic>
+      <mc:AlternateContent xmlns:mc="http://schemas.openxmlformats.org/markup-compatibility/2006">
+        <mc:Choice xmlns:p14="http://schemas.microsoft.com/office/powerpoint/2010/main" Requires="p14">
+          <p:contentPart p14:bwMode="auto" r:id="rId6">
+            <p14:nvContentPartPr>
+              <p14:cNvPr id="9" name="Ink 8">
+                <a:extLst>
+                  <a:ext uri="{FF2B5EF4-FFF2-40B4-BE49-F238E27FC236}">
+                    <a16:creationId xmlns:a16="http://schemas.microsoft.com/office/drawing/2014/main" id="{0CF2C779-D8BA-9D41-D126-EB950E421E83}"/>
+                  </a:ext>
+                </a:extLst>
+              </p14:cNvPr>
+              <p14:cNvContentPartPr/>
+              <p14:nvPr/>
+            </p14:nvContentPartPr>
+            <p14:xfrm>
+              <a:off x="1052114" y="4444068"/>
+              <a:ext cx="275760" cy="360"/>
+            </p14:xfrm>
+          </p:contentPart>
+        </mc:Choice>
+        <mc:Fallback>
+          <p:pic>
+            <p:nvPicPr>
+              <p:cNvPr id="9" name="Ink 8">
+                <a:extLst>
+                  <a:ext uri="{FF2B5EF4-FFF2-40B4-BE49-F238E27FC236}">
+                    <a16:creationId xmlns:a16="http://schemas.microsoft.com/office/drawing/2014/main" id="{0CF2C779-D8BA-9D41-D126-EB950E421E83}"/>
+                  </a:ext>
+                </a:extLst>
+              </p:cNvPr>
+              <p:cNvPicPr/>
+              <p:nvPr/>
+            </p:nvPicPr>
+            <p:blipFill>
+              <a:blip r:embed="rId7"/>
+              <a:stretch>
+                <a:fillRect/>
+              </a:stretch>
+            </p:blipFill>
+            <p:spPr>
+              <a:xfrm>
+                <a:off x="998114" y="4336068"/>
+                <a:ext cx="383400" cy="216000"/>
+              </a:xfrm>
+              <a:prstGeom prst="rect">
+                <a:avLst/>
+              </a:prstGeom>
+            </p:spPr>
+          </p:pic>
+        </mc:Fallback>
+      </mc:AlternateContent>
     </p:spTree>
     <p:extLst>
       <p:ext uri="{BB962C8B-B14F-4D97-AF65-F5344CB8AC3E}">
-        <p14:creationId xmlns:p14="http://schemas.microsoft.com/office/powerpoint/2010/main" val="1076843637"/>
+        <p14:creationId xmlns:p14="http://schemas.microsoft.com/office/powerpoint/2010/main" val="1391961537"/>
       </p:ext>
     </p:extLst>
   </p:cSld>
@@ -7696,7 +11033,13 @@
   <p:cSld>
     <p:spTree>
       <p:nvGrpSpPr>
-        <p:cNvPr id="1" name=""/>
+        <p:cNvPr id="1" name="">
+          <a:extLst>
+            <a:ext uri="{FF2B5EF4-FFF2-40B4-BE49-F238E27FC236}">
+              <a16:creationId xmlns:a16="http://schemas.microsoft.com/office/drawing/2014/main" id="{D0BEEB5E-8BBA-9348-859B-A5F81B6D3742}"/>
+            </a:ext>
+          </a:extLst>
+        </p:cNvPr>
         <p:cNvGrpSpPr/>
         <p:nvPr/>
       </p:nvGrpSpPr>
@@ -7710,609 +11053,146 @@
       </p:grpSpPr>
       <p:sp>
         <p:nvSpPr>
-          <p:cNvPr id="104" name="CustomShape 1"/>
-          <p:cNvSpPr/>
-          <p:nvPr/>
+          <p:cNvPr id="2" name="Subtitle 1">
+            <a:extLst>
+              <a:ext uri="{FF2B5EF4-FFF2-40B4-BE49-F238E27FC236}">
+                <a16:creationId xmlns:a16="http://schemas.microsoft.com/office/drawing/2014/main" id="{FD6B7809-B839-18CB-6222-2CFC94F183E8}"/>
+              </a:ext>
+            </a:extLst>
+          </p:cNvPr>
+          <p:cNvSpPr>
+            <a:spLocks noGrp="1"/>
+          </p:cNvSpPr>
+          <p:nvPr>
+            <p:ph type="subTitle" idx="1"/>
+          </p:nvPr>
         </p:nvSpPr>
         <p:spPr>
           <a:xfrm>
-            <a:off x="0" y="0"/>
-            <a:ext cx="12191760" cy="6857640"/>
+            <a:off x="965288" y="1080637"/>
+            <a:ext cx="10774428" cy="588024"/>
           </a:xfrm>
-          <a:prstGeom prst="rect">
-            <a:avLst/>
-          </a:prstGeom>
-          <a:solidFill>
-            <a:schemeClr val="bg1"/>
-          </a:solidFill>
-          <a:ln>
-            <a:noFill/>
-          </a:ln>
         </p:spPr>
-        <p:style>
-          <a:lnRef idx="2">
-            <a:schemeClr val="accent1">
-              <a:shade val="50000"/>
-            </a:schemeClr>
-          </a:lnRef>
-          <a:fillRef idx="1">
-            <a:schemeClr val="accent1"/>
-          </a:fillRef>
-          <a:effectRef idx="0">
-            <a:schemeClr val="accent1"/>
-          </a:effectRef>
-          <a:fontRef idx="minor"/>
-        </p:style>
         <p:txBody>
           <a:bodyPr/>
           <a:lstStyle/>
           <a:p>
-            <a:endParaRPr lang="en-GB"/>
-          </a:p>
-        </p:txBody>
-      </p:sp>
-      <p:sp>
-        <p:nvSpPr>
-          <p:cNvPr id="105" name="CustomShape 2"/>
-          <p:cNvSpPr/>
-          <p:nvPr/>
-        </p:nvSpPr>
-        <p:spPr>
-          <a:xfrm rot="10800000" flipH="1">
-            <a:off x="360" y="360"/>
-            <a:ext cx="12191760" cy="1575720"/>
-          </a:xfrm>
-          <a:prstGeom prst="rect">
-            <a:avLst/>
-          </a:prstGeom>
-          <a:gradFill rotWithShape="0">
-            <a:gsLst>
-              <a:gs pos="0">
-                <a:srgbClr val="000000">
-                  <a:alpha val="96078"/>
-                </a:srgbClr>
-              </a:gs>
-              <a:gs pos="100000">
-                <a:srgbClr val="77418E"/>
-              </a:gs>
-            </a:gsLst>
-            <a:lin ang="15600000"/>
-          </a:gradFill>
-          <a:ln>
-            <a:noFill/>
-          </a:ln>
-        </p:spPr>
-        <p:style>
-          <a:lnRef idx="2">
-            <a:schemeClr val="accent1">
-              <a:shade val="50000"/>
-            </a:schemeClr>
-          </a:lnRef>
-          <a:fillRef idx="1">
-            <a:schemeClr val="accent1"/>
-          </a:fillRef>
-          <a:effectRef idx="0">
-            <a:schemeClr val="accent1"/>
-          </a:effectRef>
-          <a:fontRef idx="minor"/>
-        </p:style>
+            <a:br>
+              <a:rPr lang="en-US" sz="2400" b="0" dirty="0">
+                <a:solidFill>
+                  <a:srgbClr val="FF0000"/>
+                </a:solidFill>
+                <a:latin typeface="Calibri" panose="020F0502020204030204" pitchFamily="34" charset="0"/>
+                <a:cs typeface="Calibri" panose="020F0502020204030204" pitchFamily="34" charset="0"/>
+              </a:rPr>
+            </a:br>
+            <a:endParaRPr lang="en-US" sz="2400" dirty="0">
+              <a:solidFill>
+                <a:schemeClr val="tx1"/>
+              </a:solidFill>
+              <a:latin typeface="Calibri" panose="020F0502020204030204" pitchFamily="34" charset="0"/>
+              <a:cs typeface="Calibri" panose="020F0502020204030204" pitchFamily="34" charset="0"/>
+            </a:endParaRPr>
+          </a:p>
+        </p:txBody>
+      </p:sp>
+      <p:sp>
+        <p:nvSpPr>
+          <p:cNvPr id="4" name="Slide Number Placeholder 3">
+            <a:extLst>
+              <a:ext uri="{FF2B5EF4-FFF2-40B4-BE49-F238E27FC236}">
+                <a16:creationId xmlns:a16="http://schemas.microsoft.com/office/drawing/2014/main" id="{B36D4838-124B-1B9D-6C71-B222DBDB2BBB}"/>
+              </a:ext>
+            </a:extLst>
+          </p:cNvPr>
+          <p:cNvSpPr>
+            <a:spLocks noGrp="1"/>
+          </p:cNvSpPr>
+          <p:nvPr>
+            <p:ph type="sldNum" sz="quarter" idx="12"/>
+          </p:nvPr>
+        </p:nvSpPr>
+        <p:spPr/>
         <p:txBody>
           <a:bodyPr/>
           <a:lstStyle/>
           <a:p>
+            <a:fld id="{E4D355CA-84B7-41B1-B164-8BB439CC7C6B}" type="slidenum">
+              <a:rPr lang="en-GB" smtClean="0"/>
+              <a:pPr/>
+              <a:t>6</a:t>
+            </a:fld>
             <a:endParaRPr lang="en-GB"/>
           </a:p>
         </p:txBody>
       </p:sp>
-      <p:sp>
-        <p:nvSpPr>
-          <p:cNvPr id="106" name="CustomShape 3"/>
-          <p:cNvSpPr/>
+      <mc:AlternateContent xmlns:mc="http://schemas.openxmlformats.org/markup-compatibility/2006" xmlns:p14="http://schemas.microsoft.com/office/powerpoint/2010/main">
+        <mc:Choice Requires="p14">
+          <p:contentPart p14:bwMode="auto" r:id="rId3">
+            <p14:nvContentPartPr>
+              <p14:cNvPr id="26" name="Ink 25">
+                <a:extLst>
+                  <a:ext uri="{FF2B5EF4-FFF2-40B4-BE49-F238E27FC236}">
+                    <a16:creationId xmlns:a16="http://schemas.microsoft.com/office/drawing/2014/main" id="{D7EF572E-A0A8-B2B6-62A2-5D847522E8FC}"/>
+                  </a:ext>
+                </a:extLst>
+              </p14:cNvPr>
+              <p14:cNvContentPartPr/>
+              <p14:nvPr/>
+            </p14:nvContentPartPr>
+            <p14:xfrm>
+              <a:off x="11548041" y="2705494"/>
+              <a:ext cx="360" cy="360"/>
+            </p14:xfrm>
+          </p:contentPart>
+        </mc:Choice>
+        <mc:Fallback xmlns="">
+          <p:pic>
+            <p:nvPicPr>
+              <p:cNvPr id="26" name="Ink 25">
+                <a:extLst>
+                  <a:ext uri="{FF2B5EF4-FFF2-40B4-BE49-F238E27FC236}">
+                    <a16:creationId xmlns:a16="http://schemas.microsoft.com/office/drawing/2014/main" id="{F4A00DAC-98CC-1D9A-E4A4-B99AD3FBA824}"/>
+                  </a:ext>
+                </a:extLst>
+              </p:cNvPr>
+              <p:cNvPicPr/>
+              <p:nvPr/>
+            </p:nvPicPr>
+            <p:blipFill>
+              <a:blip r:embed="rId4"/>
+              <a:stretch>
+                <a:fillRect/>
+              </a:stretch>
+            </p:blipFill>
+            <p:spPr>
+              <a:xfrm>
+                <a:off x="11530041" y="2687494"/>
+                <a:ext cx="36000" cy="36000"/>
+              </a:xfrm>
+              <a:prstGeom prst="rect">
+                <a:avLst/>
+              </a:prstGeom>
+            </p:spPr>
+          </p:pic>
+        </mc:Fallback>
+      </mc:AlternateContent>
+      <p:sp>
+        <p:nvSpPr>
+          <p:cNvPr id="7" name="TextBox 6">
+            <a:extLst>
+              <a:ext uri="{FF2B5EF4-FFF2-40B4-BE49-F238E27FC236}">
+                <a16:creationId xmlns:a16="http://schemas.microsoft.com/office/drawing/2014/main" id="{99A2F234-0439-204D-44E6-2B0D5DDC26B4}"/>
+              </a:ext>
+            </a:extLst>
+          </p:cNvPr>
+          <p:cNvSpPr txBox="1"/>
           <p:nvPr/>
         </p:nvSpPr>
         <p:spPr>
           <a:xfrm>
-            <a:off x="0" y="0"/>
-            <a:ext cx="8128440" cy="1575000"/>
-          </a:xfrm>
-          <a:prstGeom prst="rect">
-            <a:avLst/>
-          </a:prstGeom>
-          <a:gradFill rotWithShape="0">
-            <a:gsLst>
-              <a:gs pos="26000">
-                <a:srgbClr val="C49FD3">
-                  <a:alpha val="0"/>
-                </a:srgbClr>
-              </a:gs>
-              <a:gs pos="100000">
-                <a:srgbClr val="9C5FB5">
-                  <a:alpha val="41176"/>
-                </a:srgbClr>
-              </a:gs>
-            </a:gsLst>
-            <a:lin ang="19200000"/>
-          </a:gradFill>
-          <a:ln>
-            <a:noFill/>
-          </a:ln>
-        </p:spPr>
-        <p:style>
-          <a:lnRef idx="2">
-            <a:schemeClr val="accent1">
-              <a:shade val="50000"/>
-            </a:schemeClr>
-          </a:lnRef>
-          <a:fillRef idx="1">
-            <a:schemeClr val="accent1"/>
-          </a:fillRef>
-          <a:effectRef idx="0">
-            <a:schemeClr val="accent1"/>
-          </a:effectRef>
-          <a:fontRef idx="minor"/>
-        </p:style>
-        <p:txBody>
-          <a:bodyPr/>
-          <a:lstStyle/>
-          <a:p>
-            <a:endParaRPr lang="en-GB"/>
-          </a:p>
-        </p:txBody>
-      </p:sp>
-      <p:sp>
-        <p:nvSpPr>
-          <p:cNvPr id="107" name="CustomShape 4"/>
-          <p:cNvSpPr/>
-          <p:nvPr/>
-        </p:nvSpPr>
-        <p:spPr>
-          <a:xfrm flipH="1">
-            <a:off x="0" y="0"/>
-            <a:ext cx="12191760" cy="1573920"/>
-          </a:xfrm>
-          <a:prstGeom prst="rect">
-            <a:avLst/>
-          </a:prstGeom>
-          <a:gradFill rotWithShape="0">
-            <a:gsLst>
-              <a:gs pos="22000">
-                <a:srgbClr val="9C5FB5">
-                  <a:alpha val="15294"/>
-                </a:srgbClr>
-              </a:gs>
-              <a:gs pos="100000">
-                <a:srgbClr val="000000">
-                  <a:alpha val="63137"/>
-                </a:srgbClr>
-              </a:gs>
-            </a:gsLst>
-            <a:lin ang="6000000"/>
-          </a:gradFill>
-          <a:ln>
-            <a:noFill/>
-          </a:ln>
-        </p:spPr>
-        <p:style>
-          <a:lnRef idx="2">
-            <a:schemeClr val="accent1">
-              <a:shade val="50000"/>
-            </a:schemeClr>
-          </a:lnRef>
-          <a:fillRef idx="1">
-            <a:schemeClr val="accent1"/>
-          </a:fillRef>
-          <a:effectRef idx="0">
-            <a:schemeClr val="accent1"/>
-          </a:effectRef>
-          <a:fontRef idx="minor"/>
-        </p:style>
-        <p:txBody>
-          <a:bodyPr/>
-          <a:lstStyle/>
-          <a:p>
-            <a:endParaRPr lang="en-GB"/>
-          </a:p>
-        </p:txBody>
-      </p:sp>
-      <p:sp>
-        <p:nvSpPr>
-          <p:cNvPr id="108" name="TextShape 5"/>
-          <p:cNvSpPr txBox="1"/>
-          <p:nvPr/>
-        </p:nvSpPr>
-        <p:spPr>
-          <a:xfrm>
-            <a:off x="290880" y="158400"/>
-            <a:ext cx="7063200" cy="1158840"/>
-          </a:xfrm>
-          <a:prstGeom prst="rect">
-            <a:avLst/>
-          </a:prstGeom>
-          <a:noFill/>
-          <a:ln>
-            <a:noFill/>
-          </a:ln>
-        </p:spPr>
-        <p:txBody>
-          <a:bodyPr anchor="ctr">
-            <a:normAutofit/>
-          </a:bodyPr>
-          <a:lstStyle/>
-          <a:p>
-            <a:pPr>
-              <a:lnSpc>
-                <a:spcPct val="90000"/>
-              </a:lnSpc>
-            </a:pPr>
-            <a:r>
-              <a:rPr lang="en-US" sz="2400" b="0" strike="noStrike" spc="-202">
-                <a:solidFill>
-                  <a:srgbClr val="FFFFFF"/>
-                </a:solidFill>
-                <a:latin typeface="Arial"/>
-              </a:rPr>
-              <a:t> </a:t>
-            </a:r>
-            <a:br/>
-            <a:br/>
-            <a:endParaRPr lang="en-US" sz="2400" b="0" strike="noStrike" spc="-1">
-              <a:solidFill>
-                <a:srgbClr val="203232"/>
-              </a:solidFill>
-              <a:latin typeface="Arial"/>
-            </a:endParaRPr>
-          </a:p>
-        </p:txBody>
-      </p:sp>
-      <p:sp>
-        <p:nvSpPr>
-          <p:cNvPr id="109" name="TextShape 6"/>
-          <p:cNvSpPr txBox="1"/>
-          <p:nvPr/>
-        </p:nvSpPr>
-        <p:spPr>
-          <a:xfrm>
-            <a:off x="7354080" y="203882"/>
-            <a:ext cx="4705437" cy="1158840"/>
-          </a:xfrm>
-          <a:prstGeom prst="rect">
-            <a:avLst/>
-          </a:prstGeom>
-          <a:noFill/>
-          <a:ln>
-            <a:noFill/>
-          </a:ln>
-        </p:spPr>
-        <p:txBody>
-          <a:bodyPr anchor="ctr">
-            <a:noAutofit/>
-          </a:bodyPr>
-          <a:lstStyle/>
-          <a:p>
-            <a:pPr>
-              <a:lnSpc>
-                <a:spcPts val="2880"/>
-              </a:lnSpc>
-              <a:spcAft>
-                <a:spcPts val="992"/>
-              </a:spcAft>
-              <a:tabLst>
-                <a:tab pos="0" algn="l"/>
-              </a:tabLst>
-            </a:pPr>
-            <a:r>
-              <a:rPr lang="en-GB" sz="3000" b="1" strike="noStrike" spc="-100">
-                <a:solidFill>
-                  <a:srgbClr val="FFFFFF"/>
-                </a:solidFill>
-                <a:latin typeface="Arial"/>
-              </a:rPr>
-              <a:t>Our RQ asks about Differences in means/ medians </a:t>
-            </a:r>
-            <a:endParaRPr lang="en-US" sz="3000" b="1" strike="noStrike" spc="-1">
-              <a:latin typeface="Arial"/>
-            </a:endParaRPr>
-          </a:p>
-        </p:txBody>
-      </p:sp>
-      <p:sp>
-        <p:nvSpPr>
-          <p:cNvPr id="110" name="TextShape 7"/>
-          <p:cNvSpPr txBox="1"/>
-          <p:nvPr/>
-        </p:nvSpPr>
-        <p:spPr>
-          <a:xfrm>
-            <a:off x="11704320" y="6455520"/>
-            <a:ext cx="447840" cy="364680"/>
-          </a:xfrm>
-          <a:prstGeom prst="rect">
-            <a:avLst/>
-          </a:prstGeom>
-          <a:noFill/>
-          <a:ln>
-            <a:noFill/>
-          </a:ln>
-        </p:spPr>
-        <p:txBody>
-          <a:bodyPr anchor="ctr">
-            <a:normAutofit/>
-          </a:bodyPr>
-          <a:lstStyle/>
-          <a:p>
-            <a:pPr algn="r">
-              <a:lnSpc>
-                <a:spcPct val="100000"/>
-              </a:lnSpc>
-              <a:spcAft>
-                <a:spcPts val="601"/>
-              </a:spcAft>
-            </a:pPr>
-            <a:fld id="{29CEFF96-2F62-4B45-8A43-FC60A0A96C7C}" type="slidenum">
-              <a:rPr lang="en-US" sz="1100" b="1" strike="noStrike" spc="-1">
-                <a:solidFill>
-                  <a:srgbClr val="7DABAB"/>
-                </a:solidFill>
-                <a:latin typeface="Arial"/>
-              </a:rPr>
-              <a:t>6</a:t>
-            </a:fld>
-            <a:endParaRPr lang="en-US" sz="1100" b="0" strike="noStrike" spc="-1">
-              <a:latin typeface="Times New Roman"/>
-            </a:endParaRPr>
-          </a:p>
-        </p:txBody>
-      </p:sp>
-      <p:sp>
-        <p:nvSpPr>
-          <p:cNvPr id="111" name="CustomShape 8"/>
-          <p:cNvSpPr/>
-          <p:nvPr/>
-        </p:nvSpPr>
-        <p:spPr>
-          <a:xfrm>
-            <a:off x="366120" y="197640"/>
-            <a:ext cx="6988320" cy="1187640"/>
-          </a:xfrm>
-          <a:prstGeom prst="rect">
-            <a:avLst/>
-          </a:prstGeom>
-          <a:noFill/>
-          <a:ln>
-            <a:noFill/>
-          </a:ln>
-        </p:spPr>
-        <p:style>
-          <a:lnRef idx="0">
-            <a:scrgbClr r="0" g="0" b="0"/>
-          </a:lnRef>
-          <a:fillRef idx="0">
-            <a:scrgbClr r="0" g="0" b="0"/>
-          </a:fillRef>
-          <a:effectRef idx="0">
-            <a:scrgbClr r="0" g="0" b="0"/>
-          </a:effectRef>
-          <a:fontRef idx="minor"/>
-        </p:style>
-        <p:txBody>
-          <a:bodyPr lIns="90000" tIns="45000" rIns="90000" bIns="45000">
-            <a:spAutoFit/>
-          </a:bodyPr>
-          <a:lstStyle/>
-          <a:p>
-            <a:pPr>
-              <a:lnSpc>
-                <a:spcPct val="100000"/>
-              </a:lnSpc>
-            </a:pPr>
-            <a:r>
-              <a:rPr lang="en-GB" sz="2400" b="0" strike="noStrike" spc="-1" dirty="0">
-                <a:solidFill>
-                  <a:srgbClr val="FFFFFF"/>
-                </a:solidFill>
-                <a:latin typeface="Arial"/>
-              </a:rPr>
-              <a:t>Here is a </a:t>
-            </a:r>
-            <a:r>
-              <a:rPr lang="en-GB" sz="2400" b="1" strike="noStrike" spc="-1" dirty="0">
-                <a:solidFill>
-                  <a:srgbClr val="FFFFFF"/>
-                </a:solidFill>
-                <a:latin typeface="Arial"/>
-              </a:rPr>
-              <a:t>Histogram </a:t>
-            </a:r>
-            <a:r>
-              <a:rPr lang="en-GB" sz="2400" b="0" strike="noStrike" spc="-1" dirty="0">
-                <a:solidFill>
-                  <a:srgbClr val="FFFFFF"/>
-                </a:solidFill>
-                <a:latin typeface="Arial"/>
-              </a:rPr>
-              <a:t>showing the frequencies of our dependent variable to include the normal curve overlay (shown in blue)</a:t>
-            </a:r>
-            <a:r>
-              <a:rPr lang="en-GB" sz="1800" b="0" strike="noStrike" spc="-1" dirty="0">
-                <a:solidFill>
-                  <a:srgbClr val="203232"/>
-                </a:solidFill>
-                <a:latin typeface="Arial"/>
-              </a:rPr>
-              <a:t>.</a:t>
-            </a:r>
-            <a:endParaRPr lang="en-US" sz="1800" b="0" strike="noStrike" spc="-1" dirty="0">
-              <a:latin typeface="Arial"/>
-            </a:endParaRPr>
-          </a:p>
-        </p:txBody>
-      </p:sp>
-      <p:sp>
-        <p:nvSpPr>
-          <p:cNvPr id="112" name="CustomShape 9"/>
-          <p:cNvSpPr/>
-          <p:nvPr/>
-        </p:nvSpPr>
-        <p:spPr>
-          <a:xfrm>
-            <a:off x="663300" y="1751580"/>
-            <a:ext cx="10865160" cy="4886280"/>
-          </a:xfrm>
-          <a:prstGeom prst="roundRect">
-            <a:avLst>
-              <a:gd name="adj" fmla="val 16667"/>
-            </a:avLst>
-          </a:prstGeom>
-          <a:solidFill>
-            <a:schemeClr val="accent1">
-              <a:lumMod val="20000"/>
-              <a:lumOff val="80000"/>
-            </a:schemeClr>
-          </a:solidFill>
-          <a:ln/>
-        </p:spPr>
-        <p:style>
-          <a:lnRef idx="2">
-            <a:schemeClr val="accent1">
-              <a:shade val="50000"/>
-            </a:schemeClr>
-          </a:lnRef>
-          <a:fillRef idx="1">
-            <a:schemeClr val="accent1"/>
-          </a:fillRef>
-          <a:effectRef idx="0">
-            <a:schemeClr val="accent1"/>
-          </a:effectRef>
-          <a:fontRef idx="minor"/>
-        </p:style>
-        <p:txBody>
-          <a:bodyPr lIns="90000" tIns="45000" rIns="90000" bIns="45000" anchor="ctr">
-            <a:noAutofit/>
-          </a:bodyPr>
-          <a:lstStyle/>
-          <a:p>
-            <a:endParaRPr lang="en-GB" dirty="0"/>
-          </a:p>
-        </p:txBody>
-      </p:sp>
-      <p:sp>
-        <p:nvSpPr>
-          <p:cNvPr id="113" name="CustomShape 10"/>
-          <p:cNvSpPr/>
-          <p:nvPr/>
-        </p:nvSpPr>
-        <p:spPr>
-          <a:xfrm>
-            <a:off x="6646936" y="2966577"/>
-            <a:ext cx="4475760" cy="1475873"/>
-          </a:xfrm>
-          <a:prstGeom prst="rect">
-            <a:avLst/>
-          </a:prstGeom>
-          <a:noFill/>
-          <a:ln>
-            <a:noFill/>
-          </a:ln>
-        </p:spPr>
-        <p:style>
-          <a:lnRef idx="0">
-            <a:scrgbClr r="0" g="0" b="0"/>
-          </a:lnRef>
-          <a:fillRef idx="0">
-            <a:scrgbClr r="0" g="0" b="0"/>
-          </a:fillRef>
-          <a:effectRef idx="0">
-            <a:scrgbClr r="0" g="0" b="0"/>
-          </a:effectRef>
-          <a:fontRef idx="minor"/>
-        </p:style>
-        <p:txBody>
-          <a:bodyPr wrap="square" lIns="90000" tIns="45000" rIns="90000" bIns="45000">
-            <a:spAutoFit/>
-          </a:bodyPr>
-          <a:lstStyle/>
-          <a:p>
-            <a:pPr algn="just">
-              <a:lnSpc>
-                <a:spcPct val="100000"/>
-              </a:lnSpc>
-            </a:pPr>
-            <a:r>
-              <a:rPr lang="en-GB" sz="1800" b="0" strike="noStrike" spc="-1" dirty="0">
-                <a:solidFill>
-                  <a:srgbClr val="203232"/>
-                </a:solidFill>
-                <a:latin typeface="Arial"/>
-              </a:rPr>
-              <a:t>The normal curve overlay </a:t>
-            </a:r>
-            <a:r>
-              <a:rPr lang="en-GB" sz="1800" b="1" i="1" strike="noStrike" spc="-1" dirty="0">
-                <a:solidFill>
-                  <a:srgbClr val="203232"/>
-                </a:solidFill>
-                <a:latin typeface="Arial"/>
-              </a:rPr>
-              <a:t>does not follow</a:t>
-            </a:r>
-            <a:r>
-              <a:rPr lang="en-GB" sz="1800" b="0" strike="noStrike" spc="-1" dirty="0">
-                <a:solidFill>
-                  <a:srgbClr val="203232"/>
-                </a:solidFill>
-                <a:latin typeface="Arial"/>
-              </a:rPr>
-              <a:t> the shape of the underlying data, so we use the non-parametric test that does not assume normality: </a:t>
-            </a:r>
-            <a:r>
-              <a:rPr lang="en-GB" sz="1800" b="0" strike="noStrike" spc="-1" dirty="0">
-                <a:solidFill>
-                  <a:srgbClr val="0073CF"/>
-                </a:solidFill>
-                <a:latin typeface="Arial"/>
-              </a:rPr>
-              <a:t>Wilcoxon</a:t>
-            </a:r>
-            <a:r>
-              <a:rPr lang="en-GB" sz="1800" b="0" strike="noStrike" spc="-1" dirty="0">
-                <a:solidFill>
-                  <a:srgbClr val="203232"/>
-                </a:solidFill>
-                <a:latin typeface="Arial"/>
-              </a:rPr>
-              <a:t> also known as the </a:t>
-            </a:r>
-            <a:r>
-              <a:rPr lang="en-GB" sz="1800" b="0" strike="noStrike" spc="-1" dirty="0">
-                <a:solidFill>
-                  <a:srgbClr val="0073CF"/>
-                </a:solidFill>
-                <a:latin typeface="Arial"/>
-              </a:rPr>
-              <a:t>Mann Whitney U Test.</a:t>
-            </a:r>
-            <a:endParaRPr lang="en-US" sz="1800" b="0" strike="noStrike" spc="-1" dirty="0">
-              <a:latin typeface="Arial"/>
-            </a:endParaRPr>
-          </a:p>
-        </p:txBody>
-      </p:sp>
-      <p:sp>
-        <p:nvSpPr>
-          <p:cNvPr id="5" name="TextBox 4">
-            <a:extLst>
-              <a:ext uri="{FF2B5EF4-FFF2-40B4-BE49-F238E27FC236}">
-                <a16:creationId xmlns:a16="http://schemas.microsoft.com/office/drawing/2014/main" id="{9ACF8965-95F3-E3DD-CF99-AD76067AEF77}"/>
-              </a:ext>
-            </a:extLst>
-          </p:cNvPr>
-          <p:cNvSpPr txBox="1"/>
-          <p:nvPr/>
-        </p:nvSpPr>
-        <p:spPr>
-          <a:xfrm>
-            <a:off x="6646936" y="2421746"/>
-            <a:ext cx="3180080" cy="369332"/>
+            <a:off x="378128" y="440299"/>
+            <a:ext cx="5568194" cy="3618939"/>
           </a:xfrm>
           <a:prstGeom prst="rect">
             <a:avLst/>
@@ -8320,24 +11200,373 @@
           <a:noFill/>
         </p:spPr>
         <p:txBody>
+          <a:bodyPr wrap="square">
+            <a:spAutoFit/>
+          </a:bodyPr>
+          <a:lstStyle/>
+          <a:p>
+            <a:pPr algn="l" rtl="0" fontAlgn="base">
+              <a:lnSpc>
+                <a:spcPts val="1987"/>
+              </a:lnSpc>
+            </a:pPr>
+            <a:r>
+              <a:rPr lang="en-US" sz="2400" b="1" dirty="0">
+                <a:solidFill>
+                  <a:srgbClr val="FF0000"/>
+                </a:solidFill>
+                <a:latin typeface="Arial" panose="020B0604020202020204" pitchFamily="34" charset="0"/>
+              </a:rPr>
+              <a:t>Data Filtering and Cleaning</a:t>
+            </a:r>
+            <a:endParaRPr lang="en-US" sz="2400" b="1" i="0" u="none" strike="noStrike" dirty="0">
+              <a:solidFill>
+                <a:srgbClr val="FF0000"/>
+              </a:solidFill>
+              <a:effectLst/>
+              <a:latin typeface="Arial" panose="020B0604020202020204" pitchFamily="34" charset="0"/>
+            </a:endParaRPr>
+          </a:p>
+          <a:p>
+            <a:pPr algn="l" rtl="0" fontAlgn="base">
+              <a:lnSpc>
+                <a:spcPts val="1987"/>
+              </a:lnSpc>
+            </a:pPr>
+            <a:endParaRPr lang="en-US" sz="1800" b="1" i="0" u="none" strike="noStrike" dirty="0">
+              <a:solidFill>
+                <a:srgbClr val="FF0000"/>
+              </a:solidFill>
+              <a:effectLst/>
+              <a:latin typeface="Arial" panose="020B0604020202020204" pitchFamily="34" charset="0"/>
+            </a:endParaRPr>
+          </a:p>
+          <a:p>
+            <a:pPr algn="l" rtl="0" fontAlgn="base">
+              <a:lnSpc>
+                <a:spcPts val="1987"/>
+              </a:lnSpc>
+            </a:pPr>
+            <a:r>
+              <a:rPr lang="en-GB" sz="1800" b="0" i="0" dirty="0">
+                <a:solidFill>
+                  <a:srgbClr val="203232"/>
+                </a:solidFill>
+                <a:effectLst/>
+                <a:latin typeface="Arial" panose="020B0604020202020204" pitchFamily="34" charset="0"/>
+              </a:rPr>
+              <a:t>3. Checking unique values for all columns in th</a:t>
+            </a:r>
+            <a:r>
+              <a:rPr lang="en-GB" dirty="0">
+                <a:solidFill>
+                  <a:srgbClr val="203232"/>
+                </a:solidFill>
+                <a:latin typeface="Arial" panose="020B0604020202020204" pitchFamily="34" charset="0"/>
+              </a:rPr>
+              <a:t>e dataset</a:t>
+            </a:r>
+            <a:endParaRPr lang="en-GB" sz="1800" b="0" i="0" dirty="0">
+              <a:solidFill>
+                <a:srgbClr val="203232"/>
+              </a:solidFill>
+              <a:effectLst/>
+              <a:latin typeface="Arial" panose="020B0604020202020204" pitchFamily="34" charset="0"/>
+            </a:endParaRPr>
+          </a:p>
+          <a:p>
+            <a:pPr algn="l" rtl="0" fontAlgn="base">
+              <a:lnSpc>
+                <a:spcPts val="1987"/>
+              </a:lnSpc>
+              <a:buFont typeface="+mj-lt"/>
+              <a:buAutoNum type="arabicPeriod"/>
+            </a:pPr>
+            <a:endParaRPr lang="en-GB" sz="1800" b="0" i="0" dirty="0">
+              <a:solidFill>
+                <a:srgbClr val="203232"/>
+              </a:solidFill>
+              <a:effectLst/>
+              <a:latin typeface="Arial" panose="020B0604020202020204" pitchFamily="34" charset="0"/>
+            </a:endParaRPr>
+          </a:p>
+          <a:p>
+            <a:pPr fontAlgn="base">
+              <a:lnSpc>
+                <a:spcPts val="1987"/>
+              </a:lnSpc>
+            </a:pPr>
+            <a:r>
+              <a:rPr lang="en-US" dirty="0">
+                <a:solidFill>
+                  <a:srgbClr val="203232"/>
+                </a:solidFill>
+                <a:latin typeface="Arial" panose="020B0604020202020204" pitchFamily="34" charset="0"/>
+              </a:rPr>
+              <a:t>#to check for noisy values within the dataset in every column</a:t>
+            </a:r>
+          </a:p>
+          <a:p>
+            <a:pPr fontAlgn="base">
+              <a:lnSpc>
+                <a:spcPts val="1987"/>
+              </a:lnSpc>
+            </a:pPr>
+            <a:r>
+              <a:rPr lang="en-US" dirty="0">
+                <a:solidFill>
+                  <a:srgbClr val="203232"/>
+                </a:solidFill>
+                <a:latin typeface="Arial" panose="020B0604020202020204" pitchFamily="34" charset="0"/>
+              </a:rPr>
+              <a:t>for (col in names(</a:t>
+            </a:r>
+            <a:r>
+              <a:rPr lang="en-US" dirty="0" err="1">
+                <a:solidFill>
+                  <a:srgbClr val="203232"/>
+                </a:solidFill>
+                <a:latin typeface="Arial" panose="020B0604020202020204" pitchFamily="34" charset="0"/>
+              </a:rPr>
+              <a:t>data_clean</a:t>
+            </a:r>
+            <a:r>
+              <a:rPr lang="en-US" dirty="0">
+                <a:solidFill>
+                  <a:srgbClr val="203232"/>
+                </a:solidFill>
+                <a:latin typeface="Arial" panose="020B0604020202020204" pitchFamily="34" charset="0"/>
+              </a:rPr>
+              <a:t>)) {  cat("-----", col, "-----\n")  print(unique(</a:t>
+            </a:r>
+            <a:r>
+              <a:rPr lang="en-US" dirty="0" err="1">
+                <a:solidFill>
+                  <a:srgbClr val="203232"/>
+                </a:solidFill>
+                <a:latin typeface="Arial" panose="020B0604020202020204" pitchFamily="34" charset="0"/>
+              </a:rPr>
+              <a:t>data_clean</a:t>
+            </a:r>
+            <a:r>
+              <a:rPr lang="en-US" dirty="0">
+                <a:solidFill>
+                  <a:srgbClr val="203232"/>
+                </a:solidFill>
+                <a:latin typeface="Arial" panose="020B0604020202020204" pitchFamily="34" charset="0"/>
+              </a:rPr>
+              <a:t>[[col]]))  cat("\n")}</a:t>
+            </a:r>
+            <a:br>
+              <a:rPr lang="en-GB" sz="1800" b="0" i="0" dirty="0">
+                <a:solidFill>
+                  <a:srgbClr val="203232"/>
+                </a:solidFill>
+                <a:effectLst/>
+                <a:latin typeface="Arial" panose="020B0604020202020204" pitchFamily="34" charset="0"/>
+              </a:rPr>
+            </a:br>
+            <a:r>
+              <a:rPr lang="en-GB" sz="1800" b="0" i="0" dirty="0">
+                <a:solidFill>
+                  <a:srgbClr val="203232"/>
+                </a:solidFill>
+                <a:effectLst/>
+                <a:latin typeface="Arial" panose="020B0604020202020204" pitchFamily="34" charset="0"/>
+              </a:rPr>
+              <a:t>​</a:t>
+            </a:r>
+            <a:br>
+              <a:rPr lang="en-GB" sz="1800" b="0" i="0" dirty="0">
+                <a:solidFill>
+                  <a:srgbClr val="203232"/>
+                </a:solidFill>
+                <a:effectLst/>
+                <a:latin typeface="Arial" panose="020B0604020202020204" pitchFamily="34" charset="0"/>
+              </a:rPr>
+            </a:br>
+            <a:r>
+              <a:rPr lang="en-GB" sz="1800" b="0" i="0" dirty="0">
+                <a:solidFill>
+                  <a:srgbClr val="203232"/>
+                </a:solidFill>
+                <a:effectLst/>
+                <a:latin typeface="Arial" panose="020B0604020202020204" pitchFamily="34" charset="0"/>
+              </a:rPr>
+              <a:t>​</a:t>
+            </a:r>
+            <a:endParaRPr lang="en-GB" b="0" i="0" dirty="0">
+              <a:solidFill>
+                <a:srgbClr val="203232"/>
+              </a:solidFill>
+              <a:effectLst/>
+              <a:latin typeface="Arial" panose="020B0604020202020204" pitchFamily="34" charset="0"/>
+            </a:endParaRPr>
+          </a:p>
+          <a:p>
+            <a:pPr algn="l" rtl="0" fontAlgn="base">
+              <a:lnSpc>
+                <a:spcPts val="5520"/>
+              </a:lnSpc>
+              <a:buNone/>
+            </a:pPr>
+            <a:r>
+              <a:rPr lang="en-US" sz="4800" b="0" i="0" dirty="0">
+                <a:solidFill>
+                  <a:srgbClr val="203232"/>
+                </a:solidFill>
+                <a:effectLst/>
+                <a:latin typeface="Arial" panose="020B0604020202020204" pitchFamily="34" charset="0"/>
+              </a:rPr>
+              <a:t>​</a:t>
+            </a:r>
+            <a:endParaRPr lang="en-US" b="0" i="0" dirty="0">
+              <a:solidFill>
+                <a:srgbClr val="203232"/>
+              </a:solidFill>
+              <a:effectLst/>
+              <a:latin typeface="Segoe UI" panose="020B0502040204020203" pitchFamily="34" charset="0"/>
+            </a:endParaRPr>
+          </a:p>
+        </p:txBody>
+      </p:sp>
+      <p:sp>
+        <p:nvSpPr>
+          <p:cNvPr id="11" name="TextBox 10">
+            <a:extLst>
+              <a:ext uri="{FF2B5EF4-FFF2-40B4-BE49-F238E27FC236}">
+                <a16:creationId xmlns:a16="http://schemas.microsoft.com/office/drawing/2014/main" id="{BE3332D7-96F3-0928-1EC8-9D037B18584B}"/>
+              </a:ext>
+            </a:extLst>
+          </p:cNvPr>
+          <p:cNvSpPr txBox="1"/>
+          <p:nvPr/>
+        </p:nvSpPr>
+        <p:spPr>
+          <a:xfrm>
+            <a:off x="3843124" y="3555379"/>
+            <a:ext cx="8348876" cy="2862322"/>
+          </a:xfrm>
+          <a:prstGeom prst="rect">
+            <a:avLst/>
+          </a:prstGeom>
+          <a:noFill/>
+        </p:spPr>
+        <p:txBody>
           <a:bodyPr wrap="square" rtlCol="0">
             <a:spAutoFit/>
           </a:bodyPr>
           <a:lstStyle/>
           <a:p>
             <a:r>
-              <a:rPr lang="en-US" dirty="0"/>
-              <a:t>Histogram - Overall CGPA</a:t>
+              <a:rPr lang="en-US" dirty="0">
+                <a:solidFill>
+                  <a:srgbClr val="FF0000"/>
+                </a:solidFill>
+              </a:rPr>
+              <a:t>#keep only valid city names and remove any noisy values</a:t>
+            </a:r>
+          </a:p>
+          <a:p>
+            <a:endParaRPr lang="en-US" dirty="0">
+              <a:solidFill>
+                <a:srgbClr val="FF0000"/>
+              </a:solidFill>
+            </a:endParaRPr>
+          </a:p>
+          <a:p>
+            <a:r>
+              <a:rPr lang="en-US" dirty="0" err="1">
+                <a:solidFill>
+                  <a:srgbClr val="FF0000"/>
+                </a:solidFill>
+              </a:rPr>
+              <a:t>valid_cities</a:t>
+            </a:r>
+            <a:r>
+              <a:rPr lang="en-US" dirty="0">
+                <a:solidFill>
+                  <a:srgbClr val="FF0000"/>
+                </a:solidFill>
+              </a:rPr>
+              <a:t> &lt;- c(  "Visakhapatnam", "Bangalore", "Srinagar", "Varanasi", "Jaipur", "Pune",  "Thane", "Chennai", "Nagpur", "Nashik", "Vadodara", "Kalyan", "Rajkot",  "Ahmedabad", "Kolkata", "Mumbai", "Lucknow", "Indore", "Surat", "Ludhiana",  "Bhopal", "Meerut", "Agra", "Ghaziabad", "Hyderabad", "Vasai-Virar",  "Kanpur", "Patna", "Faridabad", "Delhi")</a:t>
+            </a:r>
+          </a:p>
+          <a:p>
+            <a:endParaRPr lang="en-US" dirty="0">
+              <a:solidFill>
+                <a:srgbClr val="FF0000"/>
+              </a:solidFill>
+            </a:endParaRPr>
+          </a:p>
+          <a:p>
+            <a:r>
+              <a:rPr lang="en-US" dirty="0" err="1">
+                <a:solidFill>
+                  <a:srgbClr val="FF0000"/>
+                </a:solidFill>
+              </a:rPr>
+              <a:t>data_clean</a:t>
+            </a:r>
+            <a:r>
+              <a:rPr lang="en-US" dirty="0">
+                <a:solidFill>
+                  <a:srgbClr val="FF0000"/>
+                </a:solidFill>
+              </a:rPr>
+              <a:t> &lt;- </a:t>
+            </a:r>
+            <a:r>
+              <a:rPr lang="en-US" dirty="0" err="1">
+                <a:solidFill>
+                  <a:srgbClr val="FF0000"/>
+                </a:solidFill>
+              </a:rPr>
+              <a:t>data_clean</a:t>
+            </a:r>
+            <a:r>
+              <a:rPr lang="en-US" dirty="0">
+                <a:solidFill>
+                  <a:srgbClr val="FF0000"/>
+                </a:solidFill>
+              </a:rPr>
+              <a:t> %&gt;%   </a:t>
+            </a:r>
+          </a:p>
+          <a:p>
+            <a:r>
+              <a:rPr lang="en-US" dirty="0">
+                <a:solidFill>
+                  <a:srgbClr val="FF0000"/>
+                </a:solidFill>
+              </a:rPr>
+              <a:t>filter(City %in% </a:t>
+            </a:r>
+            <a:r>
+              <a:rPr lang="en-US" dirty="0" err="1">
+                <a:solidFill>
+                  <a:srgbClr val="FF0000"/>
+                </a:solidFill>
+              </a:rPr>
+              <a:t>valid_cities</a:t>
+            </a:r>
+            <a:r>
+              <a:rPr lang="en-US" dirty="0">
+                <a:solidFill>
+                  <a:srgbClr val="FF0000"/>
+                </a:solidFill>
+              </a:rPr>
+              <a:t>)</a:t>
             </a:r>
           </a:p>
         </p:txBody>
       </p:sp>
       <p:pic>
         <p:nvPicPr>
-          <p:cNvPr id="4" name="Picture 3">
-            <a:extLst>
-              <a:ext uri="{FF2B5EF4-FFF2-40B4-BE49-F238E27FC236}">
-                <a16:creationId xmlns:a16="http://schemas.microsoft.com/office/drawing/2014/main" id="{ED63F724-DD38-F254-71F8-9A6232519BD4}"/>
+          <p:cNvPr id="6" name="Picture 5" descr="A group of text on a white background&#10;&#10;AI-generated content may be incorrect.">
+            <a:extLst>
+              <a:ext uri="{FF2B5EF4-FFF2-40B4-BE49-F238E27FC236}">
+                <a16:creationId xmlns:a16="http://schemas.microsoft.com/office/drawing/2014/main" id="{528AA7BA-28D2-8BBD-BB80-5A49A834C8E4}"/>
               </a:ext>
             </a:extLst>
           </p:cNvPr>
@@ -8347,22 +11576,186 @@
           <p:nvPr/>
         </p:nvPicPr>
         <p:blipFill>
-          <a:blip r:embed="rId2"/>
+          <a:blip r:embed="rId5"/>
           <a:stretch>
             <a:fillRect/>
           </a:stretch>
         </p:blipFill>
         <p:spPr>
           <a:xfrm>
-            <a:off x="1069304" y="2421746"/>
-            <a:ext cx="5371998" cy="3215806"/>
+            <a:off x="6330877" y="354554"/>
+            <a:ext cx="5289754" cy="3209332"/>
           </a:xfrm>
           <a:prstGeom prst="rect">
             <a:avLst/>
           </a:prstGeom>
         </p:spPr>
       </p:pic>
+      <p:sp>
+        <p:nvSpPr>
+          <p:cNvPr id="24" name="TextBox 23">
+            <a:extLst>
+              <a:ext uri="{FF2B5EF4-FFF2-40B4-BE49-F238E27FC236}">
+                <a16:creationId xmlns:a16="http://schemas.microsoft.com/office/drawing/2014/main" id="{07D8C52E-7397-7703-170F-DF7D1511FE70}"/>
+              </a:ext>
+            </a:extLst>
+          </p:cNvPr>
+          <p:cNvSpPr txBox="1"/>
+          <p:nvPr/>
+        </p:nvSpPr>
+        <p:spPr>
+          <a:xfrm>
+            <a:off x="378128" y="3563886"/>
+            <a:ext cx="3464997" cy="1754326"/>
+          </a:xfrm>
+          <a:prstGeom prst="rect">
+            <a:avLst/>
+          </a:prstGeom>
+          <a:noFill/>
+        </p:spPr>
+        <p:txBody>
+          <a:bodyPr wrap="square" rtlCol="0">
+            <a:spAutoFit/>
+          </a:bodyPr>
+          <a:lstStyle/>
+          <a:p>
+            <a:pPr latinLnBrk="1"/>
+            <a:r>
+              <a:rPr lang="en-US" dirty="0">
+                <a:solidFill>
+                  <a:srgbClr val="FF0000"/>
+                </a:solidFill>
+              </a:rPr>
+              <a:t>&gt; data %&gt;% </a:t>
+            </a:r>
+          </a:p>
+          <a:p>
+            <a:pPr latinLnBrk="1"/>
+            <a:r>
+              <a:rPr lang="en-US" dirty="0">
+                <a:solidFill>
+                  <a:srgbClr val="FF0000"/>
+                </a:solidFill>
+              </a:rPr>
+              <a:t>+   filter(!City %in% </a:t>
+            </a:r>
+            <a:r>
+              <a:rPr lang="en-US" dirty="0" err="1">
+                <a:solidFill>
+                  <a:srgbClr val="FF0000"/>
+                </a:solidFill>
+              </a:rPr>
+              <a:t>valid_cities</a:t>
+            </a:r>
+            <a:r>
+              <a:rPr lang="en-US" dirty="0">
+                <a:solidFill>
+                  <a:srgbClr val="FF0000"/>
+                </a:solidFill>
+              </a:rPr>
+              <a:t>) %&gt;% </a:t>
+            </a:r>
+          </a:p>
+          <a:p>
+            <a:pPr latinLnBrk="1"/>
+            <a:r>
+              <a:rPr lang="en-US" dirty="0">
+                <a:solidFill>
+                  <a:srgbClr val="FF0000"/>
+                </a:solidFill>
+              </a:rPr>
+              <a:t>+   </a:t>
+            </a:r>
+            <a:r>
+              <a:rPr lang="en-US" dirty="0" err="1">
+                <a:solidFill>
+                  <a:srgbClr val="FF0000"/>
+                </a:solidFill>
+              </a:rPr>
+              <a:t>nrow</a:t>
+            </a:r>
+            <a:r>
+              <a:rPr lang="en-US" dirty="0">
+                <a:solidFill>
+                  <a:srgbClr val="FF0000"/>
+                </a:solidFill>
+              </a:rPr>
+              <a:t>()</a:t>
+            </a:r>
+          </a:p>
+          <a:p>
+            <a:pPr latinLnBrk="1"/>
+            <a:r>
+              <a:rPr lang="en-US" dirty="0">
+                <a:solidFill>
+                  <a:srgbClr val="FF0000"/>
+                </a:solidFill>
+              </a:rPr>
+              <a:t> 26</a:t>
+            </a:r>
+          </a:p>
+          <a:p>
+            <a:endParaRPr lang="en-US" dirty="0"/>
+          </a:p>
+        </p:txBody>
+      </p:sp>
+      <mc:AlternateContent xmlns:mc="http://schemas.openxmlformats.org/markup-compatibility/2006">
+        <mc:Choice xmlns:p14="http://schemas.microsoft.com/office/powerpoint/2010/main" Requires="p14">
+          <p:contentPart p14:bwMode="auto" r:id="rId6">
+            <p14:nvContentPartPr>
+              <p14:cNvPr id="27" name="Ink 26">
+                <a:extLst>
+                  <a:ext uri="{FF2B5EF4-FFF2-40B4-BE49-F238E27FC236}">
+                    <a16:creationId xmlns:a16="http://schemas.microsoft.com/office/drawing/2014/main" id="{49C9532C-A58D-1A4B-0473-26A1AD1BE021}"/>
+                  </a:ext>
+                </a:extLst>
+              </p14:cNvPr>
+              <p14:cNvContentPartPr/>
+              <p14:nvPr/>
+            </p14:nvContentPartPr>
+            <p14:xfrm>
+              <a:off x="461714" y="4866708"/>
+              <a:ext cx="324720" cy="360"/>
+            </p14:xfrm>
+          </p:contentPart>
+        </mc:Choice>
+        <mc:Fallback>
+          <p:pic>
+            <p:nvPicPr>
+              <p:cNvPr id="27" name="Ink 26">
+                <a:extLst>
+                  <a:ext uri="{FF2B5EF4-FFF2-40B4-BE49-F238E27FC236}">
+                    <a16:creationId xmlns:a16="http://schemas.microsoft.com/office/drawing/2014/main" id="{49C9532C-A58D-1A4B-0473-26A1AD1BE021}"/>
+                  </a:ext>
+                </a:extLst>
+              </p:cNvPr>
+              <p:cNvPicPr/>
+              <p:nvPr/>
+            </p:nvPicPr>
+            <p:blipFill>
+              <a:blip r:embed="rId7"/>
+              <a:stretch>
+                <a:fillRect/>
+              </a:stretch>
+            </p:blipFill>
+            <p:spPr>
+              <a:xfrm>
+                <a:off x="408074" y="4759068"/>
+                <a:ext cx="432360" cy="216000"/>
+              </a:xfrm>
+              <a:prstGeom prst="rect">
+                <a:avLst/>
+              </a:prstGeom>
+            </p:spPr>
+          </p:pic>
+        </mc:Fallback>
+      </mc:AlternateContent>
     </p:spTree>
+    <p:extLst>
+      <p:ext uri="{BB962C8B-B14F-4D97-AF65-F5344CB8AC3E}">
+        <p14:creationId xmlns:p14="http://schemas.microsoft.com/office/powerpoint/2010/main" val="4288358780"/>
+      </p:ext>
+    </p:extLst>
   </p:cSld>
   <p:clrMapOvr>
     <a:masterClrMapping/>
@@ -8378,7 +11771,7 @@
         <p:cNvPr id="1" name="">
           <a:extLst>
             <a:ext uri="{FF2B5EF4-FFF2-40B4-BE49-F238E27FC236}">
-              <a16:creationId xmlns:a16="http://schemas.microsoft.com/office/drawing/2014/main" id="{1A42EC50-20C2-7B69-38C1-802085247BE3}"/>
+              <a16:creationId xmlns:a16="http://schemas.microsoft.com/office/drawing/2014/main" id="{6F09956F-C83F-58CF-4633-6B2B7541D8EF}"/>
             </a:ext>
           </a:extLst>
         </p:cNvPr>
@@ -8395,566 +11788,229 @@
       </p:grpSpPr>
       <p:sp>
         <p:nvSpPr>
-          <p:cNvPr id="104" name="CustomShape 1">
-            <a:extLst>
-              <a:ext uri="{FF2B5EF4-FFF2-40B4-BE49-F238E27FC236}">
-                <a16:creationId xmlns:a16="http://schemas.microsoft.com/office/drawing/2014/main" id="{95723682-6F19-C0F8-5C87-99BF972326C5}"/>
-              </a:ext>
-            </a:extLst>
-          </p:cNvPr>
-          <p:cNvSpPr/>
-          <p:nvPr/>
+          <p:cNvPr id="2" name="Subtitle 1">
+            <a:extLst>
+              <a:ext uri="{FF2B5EF4-FFF2-40B4-BE49-F238E27FC236}">
+                <a16:creationId xmlns:a16="http://schemas.microsoft.com/office/drawing/2014/main" id="{F23B153C-5071-80BC-A69A-015210E8EA1A}"/>
+              </a:ext>
+            </a:extLst>
+          </p:cNvPr>
+          <p:cNvSpPr>
+            <a:spLocks noGrp="1"/>
+          </p:cNvSpPr>
+          <p:nvPr>
+            <p:ph type="subTitle" idx="1"/>
+          </p:nvPr>
         </p:nvSpPr>
         <p:spPr>
           <a:xfrm>
-            <a:off x="0" y="0"/>
-            <a:ext cx="12191760" cy="6857640"/>
+            <a:off x="965288" y="1080637"/>
+            <a:ext cx="10774428" cy="588024"/>
           </a:xfrm>
-          <a:prstGeom prst="rect">
-            <a:avLst/>
-          </a:prstGeom>
-          <a:solidFill>
-            <a:schemeClr val="bg1"/>
-          </a:solidFill>
-          <a:ln>
-            <a:noFill/>
-          </a:ln>
         </p:spPr>
-        <p:style>
-          <a:lnRef idx="2">
-            <a:schemeClr val="accent1">
-              <a:shade val="50000"/>
-            </a:schemeClr>
-          </a:lnRef>
-          <a:fillRef idx="1">
-            <a:schemeClr val="accent1"/>
-          </a:fillRef>
-          <a:effectRef idx="0">
-            <a:schemeClr val="accent1"/>
-          </a:effectRef>
-          <a:fontRef idx="minor"/>
-        </p:style>
         <p:txBody>
           <a:bodyPr/>
           <a:lstStyle/>
           <a:p>
-            <a:endParaRPr lang="en-GB"/>
-          </a:p>
-        </p:txBody>
-      </p:sp>
-      <p:sp>
-        <p:nvSpPr>
-          <p:cNvPr id="105" name="CustomShape 2">
-            <a:extLst>
-              <a:ext uri="{FF2B5EF4-FFF2-40B4-BE49-F238E27FC236}">
-                <a16:creationId xmlns:a16="http://schemas.microsoft.com/office/drawing/2014/main" id="{59CF95D9-2372-DE69-0408-1346F1F53907}"/>
-              </a:ext>
-            </a:extLst>
-          </p:cNvPr>
-          <p:cNvSpPr/>
-          <p:nvPr/>
+            <a:br>
+              <a:rPr lang="en-US" sz="2400" b="0" dirty="0">
+                <a:solidFill>
+                  <a:srgbClr val="FF0000"/>
+                </a:solidFill>
+                <a:latin typeface="Calibri" panose="020F0502020204030204" pitchFamily="34" charset="0"/>
+                <a:cs typeface="Calibri" panose="020F0502020204030204" pitchFamily="34" charset="0"/>
+              </a:rPr>
+            </a:br>
+            <a:endParaRPr lang="en-US" sz="2400" dirty="0">
+              <a:solidFill>
+                <a:schemeClr val="tx1"/>
+              </a:solidFill>
+              <a:latin typeface="Calibri" panose="020F0502020204030204" pitchFamily="34" charset="0"/>
+              <a:cs typeface="Calibri" panose="020F0502020204030204" pitchFamily="34" charset="0"/>
+            </a:endParaRPr>
+          </a:p>
+        </p:txBody>
+      </p:sp>
+      <p:sp>
+        <p:nvSpPr>
+          <p:cNvPr id="3" name="Footer Placeholder 2">
+            <a:extLst>
+              <a:ext uri="{FF2B5EF4-FFF2-40B4-BE49-F238E27FC236}">
+                <a16:creationId xmlns:a16="http://schemas.microsoft.com/office/drawing/2014/main" id="{9D40BD46-1BF2-7BE0-6FB5-EA5931646BEF}"/>
+              </a:ext>
+            </a:extLst>
+          </p:cNvPr>
+          <p:cNvSpPr>
+            <a:spLocks noGrp="1"/>
+          </p:cNvSpPr>
+          <p:nvPr>
+            <p:ph type="ftr" sz="quarter" idx="11"/>
+          </p:nvPr>
         </p:nvSpPr>
         <p:spPr>
-          <a:xfrm rot="10800000" flipH="1">
-            <a:off x="360" y="360"/>
-            <a:ext cx="12191760" cy="1575720"/>
+          <a:xfrm>
+            <a:off x="901432" y="218879"/>
+            <a:ext cx="10646609" cy="107454"/>
           </a:xfrm>
-          <a:prstGeom prst="rect">
-            <a:avLst/>
-          </a:prstGeom>
-          <a:gradFill rotWithShape="0">
-            <a:gsLst>
-              <a:gs pos="0">
-                <a:srgbClr val="000000">
-                  <a:alpha val="96078"/>
-                </a:srgbClr>
-              </a:gs>
-              <a:gs pos="100000">
-                <a:srgbClr val="77418E"/>
-              </a:gs>
-            </a:gsLst>
-            <a:lin ang="15600000"/>
-          </a:gradFill>
-          <a:ln>
-            <a:noFill/>
-          </a:ln>
         </p:spPr>
-        <p:style>
-          <a:lnRef idx="2">
-            <a:schemeClr val="accent1">
-              <a:shade val="50000"/>
-            </a:schemeClr>
-          </a:lnRef>
-          <a:fillRef idx="1">
-            <a:schemeClr val="accent1"/>
-          </a:fillRef>
-          <a:effectRef idx="0">
-            <a:schemeClr val="accent1"/>
-          </a:effectRef>
-          <a:fontRef idx="minor"/>
-        </p:style>
         <p:txBody>
           <a:bodyPr/>
           <a:lstStyle/>
           <a:p>
+            <a:r>
+              <a:rPr lang="en-GB" sz="1100" dirty="0"/>
+              <a:t>7COM1079-2025  Student Group No: A 136                    </a:t>
+            </a:r>
+          </a:p>
+          <a:p>
+            <a:r>
+              <a:rPr lang="en-GB" sz="1100" dirty="0"/>
+              <a:t>Names of Student Group Attendees: Aroosha Rasheed (24105689), AbdulRasheed Ibrahim(</a:t>
+            </a:r>
+            <a:r>
+              <a:rPr lang="en-US" sz="1100" dirty="0"/>
+              <a:t>24158550</a:t>
+            </a:r>
+            <a:r>
+              <a:rPr lang="en-GB" sz="1100" dirty="0"/>
+              <a:t>), Sayan Sen(</a:t>
+            </a:r>
+            <a:r>
+              <a:rPr lang="en-US" sz="1100" dirty="0"/>
+              <a:t>24146068</a:t>
+            </a:r>
+            <a:r>
+              <a:rPr lang="en-GB" sz="1100" dirty="0"/>
+              <a:t>), Nitika Chopra(</a:t>
+            </a:r>
+            <a:r>
+              <a:rPr lang="en-US" sz="1100" dirty="0"/>
+              <a:t>24165303</a:t>
+            </a:r>
+            <a:r>
+              <a:rPr lang="en-GB" sz="1100" dirty="0"/>
+              <a:t>), </a:t>
+            </a:r>
+            <a:r>
+              <a:rPr lang="en-US" sz="1100" dirty="0"/>
+              <a:t>Vanajakshi </a:t>
+            </a:r>
+            <a:r>
+              <a:rPr lang="en-US" sz="1100" dirty="0" err="1"/>
+              <a:t>Gottapu</a:t>
+            </a:r>
+            <a:r>
+              <a:rPr lang="en-GB" sz="1100" dirty="0"/>
+              <a:t>(</a:t>
+            </a:r>
+            <a:r>
+              <a:rPr lang="en-US" sz="1100" dirty="0"/>
+              <a:t>24154707</a:t>
+            </a:r>
+            <a:r>
+              <a:rPr lang="en-GB" sz="1100" dirty="0"/>
+              <a:t>)</a:t>
+            </a:r>
+          </a:p>
+        </p:txBody>
+      </p:sp>
+      <p:sp>
+        <p:nvSpPr>
+          <p:cNvPr id="4" name="Slide Number Placeholder 3">
+            <a:extLst>
+              <a:ext uri="{FF2B5EF4-FFF2-40B4-BE49-F238E27FC236}">
+                <a16:creationId xmlns:a16="http://schemas.microsoft.com/office/drawing/2014/main" id="{7E5A4D4B-7E07-538F-AC22-B11713ED0C4D}"/>
+              </a:ext>
+            </a:extLst>
+          </p:cNvPr>
+          <p:cNvSpPr>
+            <a:spLocks noGrp="1"/>
+          </p:cNvSpPr>
+          <p:nvPr>
+            <p:ph type="sldNum" sz="quarter" idx="12"/>
+          </p:nvPr>
+        </p:nvSpPr>
+        <p:spPr/>
+        <p:txBody>
+          <a:bodyPr/>
+          <a:lstStyle/>
+          <a:p>
+            <a:fld id="{E4D355CA-84B7-41B1-B164-8BB439CC7C6B}" type="slidenum">
+              <a:rPr lang="en-GB" smtClean="0"/>
+              <a:pPr/>
+              <a:t>7</a:t>
+            </a:fld>
             <a:endParaRPr lang="en-GB"/>
           </a:p>
         </p:txBody>
       </p:sp>
-      <p:sp>
-        <p:nvSpPr>
-          <p:cNvPr id="106" name="CustomShape 3">
-            <a:extLst>
-              <a:ext uri="{FF2B5EF4-FFF2-40B4-BE49-F238E27FC236}">
-                <a16:creationId xmlns:a16="http://schemas.microsoft.com/office/drawing/2014/main" id="{BD5A8D64-CCFD-5306-83D4-7AB5615B272E}"/>
-              </a:ext>
-            </a:extLst>
-          </p:cNvPr>
-          <p:cNvSpPr/>
+      <mc:AlternateContent xmlns:mc="http://schemas.openxmlformats.org/markup-compatibility/2006" xmlns:p14="http://schemas.microsoft.com/office/powerpoint/2010/main">
+        <mc:Choice Requires="p14">
+          <p:contentPart p14:bwMode="auto" r:id="rId3">
+            <p14:nvContentPartPr>
+              <p14:cNvPr id="26" name="Ink 25">
+                <a:extLst>
+                  <a:ext uri="{FF2B5EF4-FFF2-40B4-BE49-F238E27FC236}">
+                    <a16:creationId xmlns:a16="http://schemas.microsoft.com/office/drawing/2014/main" id="{E9A25ED4-3460-C1DB-2CD9-60D08C24B791}"/>
+                  </a:ext>
+                </a:extLst>
+              </p14:cNvPr>
+              <p14:cNvContentPartPr/>
+              <p14:nvPr/>
+            </p14:nvContentPartPr>
+            <p14:xfrm>
+              <a:off x="11548041" y="2705494"/>
+              <a:ext cx="360" cy="360"/>
+            </p14:xfrm>
+          </p:contentPart>
+        </mc:Choice>
+        <mc:Fallback xmlns="">
+          <p:pic>
+            <p:nvPicPr>
+              <p:cNvPr id="26" name="Ink 25">
+                <a:extLst>
+                  <a:ext uri="{FF2B5EF4-FFF2-40B4-BE49-F238E27FC236}">
+                    <a16:creationId xmlns:a16="http://schemas.microsoft.com/office/drawing/2014/main" id="{F4A00DAC-98CC-1D9A-E4A4-B99AD3FBA824}"/>
+                  </a:ext>
+                </a:extLst>
+              </p:cNvPr>
+              <p:cNvPicPr/>
+              <p:nvPr/>
+            </p:nvPicPr>
+            <p:blipFill>
+              <a:blip r:embed="rId4"/>
+              <a:stretch>
+                <a:fillRect/>
+              </a:stretch>
+            </p:blipFill>
+            <p:spPr>
+              <a:xfrm>
+                <a:off x="11530041" y="2687494"/>
+                <a:ext cx="36000" cy="36000"/>
+              </a:xfrm>
+              <a:prstGeom prst="rect">
+                <a:avLst/>
+              </a:prstGeom>
+            </p:spPr>
+          </p:pic>
+        </mc:Fallback>
+      </mc:AlternateContent>
+      <p:sp>
+        <p:nvSpPr>
+          <p:cNvPr id="7" name="TextBox 6">
+            <a:extLst>
+              <a:ext uri="{FF2B5EF4-FFF2-40B4-BE49-F238E27FC236}">
+                <a16:creationId xmlns:a16="http://schemas.microsoft.com/office/drawing/2014/main" id="{AB8874F0-42A5-77D2-27D4-5F9CE14EDC84}"/>
+              </a:ext>
+            </a:extLst>
+          </p:cNvPr>
+          <p:cNvSpPr txBox="1"/>
           <p:nvPr/>
         </p:nvSpPr>
         <p:spPr>
           <a:xfrm>
-            <a:off x="0" y="0"/>
-            <a:ext cx="8128440" cy="1575000"/>
-          </a:xfrm>
-          <a:prstGeom prst="rect">
-            <a:avLst/>
-          </a:prstGeom>
-          <a:gradFill rotWithShape="0">
-            <a:gsLst>
-              <a:gs pos="26000">
-                <a:srgbClr val="C49FD3">
-                  <a:alpha val="0"/>
-                </a:srgbClr>
-              </a:gs>
-              <a:gs pos="100000">
-                <a:srgbClr val="9C5FB5">
-                  <a:alpha val="41176"/>
-                </a:srgbClr>
-              </a:gs>
-            </a:gsLst>
-            <a:lin ang="19200000"/>
-          </a:gradFill>
-          <a:ln>
-            <a:noFill/>
-          </a:ln>
-        </p:spPr>
-        <p:style>
-          <a:lnRef idx="2">
-            <a:schemeClr val="accent1">
-              <a:shade val="50000"/>
-            </a:schemeClr>
-          </a:lnRef>
-          <a:fillRef idx="1">
-            <a:schemeClr val="accent1"/>
-          </a:fillRef>
-          <a:effectRef idx="0">
-            <a:schemeClr val="accent1"/>
-          </a:effectRef>
-          <a:fontRef idx="minor"/>
-        </p:style>
-        <p:txBody>
-          <a:bodyPr/>
-          <a:lstStyle/>
-          <a:p>
-            <a:endParaRPr lang="en-GB"/>
-          </a:p>
-        </p:txBody>
-      </p:sp>
-      <p:sp>
-        <p:nvSpPr>
-          <p:cNvPr id="107" name="CustomShape 4">
-            <a:extLst>
-              <a:ext uri="{FF2B5EF4-FFF2-40B4-BE49-F238E27FC236}">
-                <a16:creationId xmlns:a16="http://schemas.microsoft.com/office/drawing/2014/main" id="{2A4E58ED-0DC3-CBD2-50C2-6F69EAD79684}"/>
-              </a:ext>
-            </a:extLst>
-          </p:cNvPr>
-          <p:cNvSpPr/>
-          <p:nvPr/>
-        </p:nvSpPr>
-        <p:spPr>
-          <a:xfrm flipH="1">
-            <a:off x="0" y="0"/>
-            <a:ext cx="12191760" cy="1573920"/>
-          </a:xfrm>
-          <a:prstGeom prst="rect">
-            <a:avLst/>
-          </a:prstGeom>
-          <a:gradFill rotWithShape="0">
-            <a:gsLst>
-              <a:gs pos="22000">
-                <a:srgbClr val="9C5FB5">
-                  <a:alpha val="15294"/>
-                </a:srgbClr>
-              </a:gs>
-              <a:gs pos="100000">
-                <a:srgbClr val="000000">
-                  <a:alpha val="63137"/>
-                </a:srgbClr>
-              </a:gs>
-            </a:gsLst>
-            <a:lin ang="6000000"/>
-          </a:gradFill>
-          <a:ln>
-            <a:noFill/>
-          </a:ln>
-        </p:spPr>
-        <p:style>
-          <a:lnRef idx="2">
-            <a:schemeClr val="accent1">
-              <a:shade val="50000"/>
-            </a:schemeClr>
-          </a:lnRef>
-          <a:fillRef idx="1">
-            <a:schemeClr val="accent1"/>
-          </a:fillRef>
-          <a:effectRef idx="0">
-            <a:schemeClr val="accent1"/>
-          </a:effectRef>
-          <a:fontRef idx="minor"/>
-        </p:style>
-        <p:txBody>
-          <a:bodyPr/>
-          <a:lstStyle/>
-          <a:p>
-            <a:endParaRPr lang="en-GB"/>
-          </a:p>
-        </p:txBody>
-      </p:sp>
-      <p:sp>
-        <p:nvSpPr>
-          <p:cNvPr id="108" name="TextShape 5">
-            <a:extLst>
-              <a:ext uri="{FF2B5EF4-FFF2-40B4-BE49-F238E27FC236}">
-                <a16:creationId xmlns:a16="http://schemas.microsoft.com/office/drawing/2014/main" id="{825EE3B4-3C83-3502-3A72-040B53047745}"/>
-              </a:ext>
-            </a:extLst>
-          </p:cNvPr>
-          <p:cNvSpPr txBox="1"/>
-          <p:nvPr/>
-        </p:nvSpPr>
-        <p:spPr>
-          <a:xfrm>
-            <a:off x="290880" y="158400"/>
-            <a:ext cx="7063200" cy="1158840"/>
-          </a:xfrm>
-          <a:prstGeom prst="rect">
-            <a:avLst/>
-          </a:prstGeom>
-          <a:noFill/>
-          <a:ln>
-            <a:noFill/>
-          </a:ln>
-        </p:spPr>
-        <p:txBody>
-          <a:bodyPr anchor="ctr">
-            <a:normAutofit/>
-          </a:bodyPr>
-          <a:lstStyle/>
-          <a:p>
-            <a:pPr>
-              <a:lnSpc>
-                <a:spcPct val="90000"/>
-              </a:lnSpc>
-            </a:pPr>
-            <a:r>
-              <a:rPr lang="en-US" sz="2400" b="0" strike="noStrike" spc="-202">
-                <a:solidFill>
-                  <a:srgbClr val="FFFFFF"/>
-                </a:solidFill>
-                <a:latin typeface="Arial"/>
-              </a:rPr>
-              <a:t> </a:t>
-            </a:r>
-            <a:br/>
-            <a:br/>
-            <a:endParaRPr lang="en-US" sz="2400" b="0" strike="noStrike" spc="-1">
-              <a:solidFill>
-                <a:srgbClr val="203232"/>
-              </a:solidFill>
-              <a:latin typeface="Arial"/>
-            </a:endParaRPr>
-          </a:p>
-        </p:txBody>
-      </p:sp>
-      <p:sp>
-        <p:nvSpPr>
-          <p:cNvPr id="109" name="TextShape 6">
-            <a:extLst>
-              <a:ext uri="{FF2B5EF4-FFF2-40B4-BE49-F238E27FC236}">
-                <a16:creationId xmlns:a16="http://schemas.microsoft.com/office/drawing/2014/main" id="{5C90A7C8-C960-5586-0BD8-8EC12E0665C0}"/>
-              </a:ext>
-            </a:extLst>
-          </p:cNvPr>
-          <p:cNvSpPr txBox="1"/>
-          <p:nvPr/>
-        </p:nvSpPr>
-        <p:spPr>
-          <a:xfrm>
-            <a:off x="7354080" y="203882"/>
-            <a:ext cx="4705437" cy="1158840"/>
-          </a:xfrm>
-          <a:prstGeom prst="rect">
-            <a:avLst/>
-          </a:prstGeom>
-          <a:noFill/>
-          <a:ln>
-            <a:noFill/>
-          </a:ln>
-        </p:spPr>
-        <p:txBody>
-          <a:bodyPr anchor="ctr">
-            <a:noAutofit/>
-          </a:bodyPr>
-          <a:lstStyle/>
-          <a:p>
-            <a:pPr>
-              <a:lnSpc>
-                <a:spcPts val="2880"/>
-              </a:lnSpc>
-              <a:spcAft>
-                <a:spcPts val="992"/>
-              </a:spcAft>
-              <a:tabLst>
-                <a:tab pos="0" algn="l"/>
-              </a:tabLst>
-            </a:pPr>
-            <a:r>
-              <a:rPr lang="en-GB" sz="3000" b="1" strike="noStrike" spc="-100">
-                <a:solidFill>
-                  <a:srgbClr val="FFFFFF"/>
-                </a:solidFill>
-                <a:latin typeface="Arial"/>
-              </a:rPr>
-              <a:t>Our RQ asks about Differences in means/ medians </a:t>
-            </a:r>
-            <a:endParaRPr lang="en-US" sz="3000" b="1" strike="noStrike" spc="-1">
-              <a:latin typeface="Arial"/>
-            </a:endParaRPr>
-          </a:p>
-        </p:txBody>
-      </p:sp>
-      <p:sp>
-        <p:nvSpPr>
-          <p:cNvPr id="110" name="TextShape 7">
-            <a:extLst>
-              <a:ext uri="{FF2B5EF4-FFF2-40B4-BE49-F238E27FC236}">
-                <a16:creationId xmlns:a16="http://schemas.microsoft.com/office/drawing/2014/main" id="{09A008A0-19C1-1AE3-5B7D-247605B7AD69}"/>
-              </a:ext>
-            </a:extLst>
-          </p:cNvPr>
-          <p:cNvSpPr txBox="1"/>
-          <p:nvPr/>
-        </p:nvSpPr>
-        <p:spPr>
-          <a:xfrm>
-            <a:off x="11704320" y="6455520"/>
-            <a:ext cx="447840" cy="364680"/>
-          </a:xfrm>
-          <a:prstGeom prst="rect">
-            <a:avLst/>
-          </a:prstGeom>
-          <a:noFill/>
-          <a:ln>
-            <a:noFill/>
-          </a:ln>
-        </p:spPr>
-        <p:txBody>
-          <a:bodyPr anchor="ctr">
-            <a:normAutofit/>
-          </a:bodyPr>
-          <a:lstStyle/>
-          <a:p>
-            <a:pPr algn="r">
-              <a:lnSpc>
-                <a:spcPct val="100000"/>
-              </a:lnSpc>
-              <a:spcAft>
-                <a:spcPts val="601"/>
-              </a:spcAft>
-            </a:pPr>
-            <a:fld id="{29CEFF96-2F62-4B45-8A43-FC60A0A96C7C}" type="slidenum">
-              <a:rPr lang="en-US" sz="1100" b="1" strike="noStrike" spc="-1">
-                <a:solidFill>
-                  <a:srgbClr val="7DABAB"/>
-                </a:solidFill>
-                <a:latin typeface="Arial"/>
-              </a:rPr>
-              <a:t>7</a:t>
-            </a:fld>
-            <a:endParaRPr lang="en-US" sz="1100" b="0" strike="noStrike" spc="-1">
-              <a:latin typeface="Times New Roman"/>
-            </a:endParaRPr>
-          </a:p>
-        </p:txBody>
-      </p:sp>
-      <p:sp>
-        <p:nvSpPr>
-          <p:cNvPr id="111" name="CustomShape 8">
-            <a:extLst>
-              <a:ext uri="{FF2B5EF4-FFF2-40B4-BE49-F238E27FC236}">
-                <a16:creationId xmlns:a16="http://schemas.microsoft.com/office/drawing/2014/main" id="{83CDF2D2-C842-B56D-4257-CD462A178F28}"/>
-              </a:ext>
-            </a:extLst>
-          </p:cNvPr>
-          <p:cNvSpPr/>
-          <p:nvPr/>
-        </p:nvSpPr>
-        <p:spPr>
-          <a:xfrm>
-            <a:off x="366120" y="197640"/>
-            <a:ext cx="6988320" cy="1187640"/>
-          </a:xfrm>
-          <a:prstGeom prst="rect">
-            <a:avLst/>
-          </a:prstGeom>
-          <a:noFill/>
-          <a:ln>
-            <a:noFill/>
-          </a:ln>
-        </p:spPr>
-        <p:style>
-          <a:lnRef idx="0">
-            <a:scrgbClr r="0" g="0" b="0"/>
-          </a:lnRef>
-          <a:fillRef idx="0">
-            <a:scrgbClr r="0" g="0" b="0"/>
-          </a:fillRef>
-          <a:effectRef idx="0">
-            <a:scrgbClr r="0" g="0" b="0"/>
-          </a:effectRef>
-          <a:fontRef idx="minor"/>
-        </p:style>
-        <p:txBody>
-          <a:bodyPr lIns="90000" tIns="45000" rIns="90000" bIns="45000">
-            <a:spAutoFit/>
-          </a:bodyPr>
-          <a:lstStyle/>
-          <a:p>
-            <a:pPr>
-              <a:lnSpc>
-                <a:spcPct val="100000"/>
-              </a:lnSpc>
-            </a:pPr>
-            <a:r>
-              <a:rPr lang="en-GB" sz="2400" b="0" strike="noStrike" spc="-1" dirty="0">
-                <a:solidFill>
-                  <a:srgbClr val="FFFFFF"/>
-                </a:solidFill>
-                <a:latin typeface="Arial"/>
-              </a:rPr>
-              <a:t>Here is a </a:t>
-            </a:r>
-            <a:r>
-              <a:rPr lang="en-GB" sz="2400" b="1" strike="noStrike" spc="-1" dirty="0">
-                <a:solidFill>
-                  <a:srgbClr val="FFFFFF"/>
-                </a:solidFill>
-                <a:latin typeface="Arial"/>
-              </a:rPr>
-              <a:t>Histogram </a:t>
-            </a:r>
-            <a:r>
-              <a:rPr lang="en-GB" sz="2400" b="0" strike="noStrike" spc="-1" dirty="0">
-                <a:solidFill>
-                  <a:srgbClr val="FFFFFF"/>
-                </a:solidFill>
-                <a:latin typeface="Arial"/>
-              </a:rPr>
-              <a:t>showing the frequencies of our dependent variable to include the normal curve overlay (shown in blue)</a:t>
-            </a:r>
-            <a:r>
-              <a:rPr lang="en-GB" sz="1800" b="0" strike="noStrike" spc="-1" dirty="0">
-                <a:solidFill>
-                  <a:srgbClr val="203232"/>
-                </a:solidFill>
-                <a:latin typeface="Arial"/>
-              </a:rPr>
-              <a:t>.</a:t>
-            </a:r>
-            <a:endParaRPr lang="en-US" sz="1800" b="0" strike="noStrike" spc="-1" dirty="0">
-              <a:latin typeface="Arial"/>
-            </a:endParaRPr>
-          </a:p>
-        </p:txBody>
-      </p:sp>
-      <p:sp>
-        <p:nvSpPr>
-          <p:cNvPr id="112" name="CustomShape 9">
-            <a:extLst>
-              <a:ext uri="{FF2B5EF4-FFF2-40B4-BE49-F238E27FC236}">
-                <a16:creationId xmlns:a16="http://schemas.microsoft.com/office/drawing/2014/main" id="{8EBC55C2-0DD7-D3F0-F69E-D14FEFBFDF3B}"/>
-              </a:ext>
-            </a:extLst>
-          </p:cNvPr>
-          <p:cNvSpPr/>
-          <p:nvPr/>
-        </p:nvSpPr>
-        <p:spPr>
-          <a:xfrm>
-            <a:off x="632472" y="1731961"/>
-            <a:ext cx="10865160" cy="4886280"/>
-          </a:xfrm>
-          <a:prstGeom prst="roundRect">
-            <a:avLst>
-              <a:gd name="adj" fmla="val 16667"/>
-            </a:avLst>
-          </a:prstGeom>
-          <a:solidFill>
-            <a:schemeClr val="accent1">
-              <a:lumMod val="20000"/>
-              <a:lumOff val="80000"/>
-            </a:schemeClr>
-          </a:solidFill>
-          <a:ln/>
-        </p:spPr>
-        <p:style>
-          <a:lnRef idx="2">
-            <a:schemeClr val="accent1">
-              <a:shade val="50000"/>
-            </a:schemeClr>
-          </a:lnRef>
-          <a:fillRef idx="1">
-            <a:schemeClr val="accent1"/>
-          </a:fillRef>
-          <a:effectRef idx="0">
-            <a:schemeClr val="accent1"/>
-          </a:effectRef>
-          <a:fontRef idx="minor"/>
-        </p:style>
-        <p:txBody>
-          <a:bodyPr lIns="90000" tIns="45000" rIns="90000" bIns="45000" anchor="ctr">
-            <a:noAutofit/>
-          </a:bodyPr>
-          <a:lstStyle/>
-          <a:p>
-            <a:pPr algn="just">
-              <a:lnSpc>
-                <a:spcPct val="100000"/>
-              </a:lnSpc>
-            </a:pPr>
-            <a:endParaRPr lang="en-US" spc="-1" dirty="0"/>
-          </a:p>
-        </p:txBody>
-      </p:sp>
-      <p:sp>
-        <p:nvSpPr>
-          <p:cNvPr id="5" name="TextBox 4">
-            <a:extLst>
-              <a:ext uri="{FF2B5EF4-FFF2-40B4-BE49-F238E27FC236}">
-                <a16:creationId xmlns:a16="http://schemas.microsoft.com/office/drawing/2014/main" id="{1EB8C849-0CC6-2347-D7BF-1BC0FDE77170}"/>
-              </a:ext>
-            </a:extLst>
-          </p:cNvPr>
-          <p:cNvSpPr txBox="1"/>
-          <p:nvPr/>
-        </p:nvSpPr>
-        <p:spPr>
-          <a:xfrm>
-            <a:off x="1484670" y="2055148"/>
-            <a:ext cx="6247745" cy="369332"/>
+            <a:off x="901432" y="1080637"/>
+            <a:ext cx="5568194" cy="1823576"/>
           </a:xfrm>
           <a:prstGeom prst="rect">
             <a:avLst/>
@@ -8962,28 +12018,311 @@
           <a:noFill/>
         </p:spPr>
         <p:txBody>
+          <a:bodyPr wrap="square">
+            <a:spAutoFit/>
+          </a:bodyPr>
+          <a:lstStyle/>
+          <a:p>
+            <a:pPr algn="l" rtl="0" fontAlgn="base">
+              <a:lnSpc>
+                <a:spcPts val="1987"/>
+              </a:lnSpc>
+            </a:pPr>
+            <a:r>
+              <a:rPr lang="en-US" sz="2400" b="1" dirty="0">
+                <a:solidFill>
+                  <a:srgbClr val="FF0000"/>
+                </a:solidFill>
+                <a:latin typeface="Arial" panose="020B0604020202020204" pitchFamily="34" charset="0"/>
+              </a:rPr>
+              <a:t>Data Filtering and Cleaning</a:t>
+            </a:r>
+            <a:endParaRPr lang="en-US" sz="2400" b="1" i="0" u="none" strike="noStrike" dirty="0">
+              <a:solidFill>
+                <a:srgbClr val="FF0000"/>
+              </a:solidFill>
+              <a:effectLst/>
+              <a:latin typeface="Arial" panose="020B0604020202020204" pitchFamily="34" charset="0"/>
+            </a:endParaRPr>
+          </a:p>
+          <a:p>
+            <a:pPr algn="l" rtl="0" fontAlgn="base">
+              <a:lnSpc>
+                <a:spcPts val="1987"/>
+              </a:lnSpc>
+            </a:pPr>
+            <a:endParaRPr lang="en-US" sz="1800" b="1" i="0" u="none" strike="noStrike" dirty="0">
+              <a:solidFill>
+                <a:srgbClr val="FF0000"/>
+              </a:solidFill>
+              <a:effectLst/>
+              <a:latin typeface="Arial" panose="020B0604020202020204" pitchFamily="34" charset="0"/>
+            </a:endParaRPr>
+          </a:p>
+          <a:p>
+            <a:pPr algn="l" rtl="0" fontAlgn="base">
+              <a:lnSpc>
+                <a:spcPts val="1987"/>
+              </a:lnSpc>
+            </a:pPr>
+            <a:r>
+              <a:rPr lang="en-US" dirty="0">
+                <a:solidFill>
+                  <a:srgbClr val="203232"/>
+                </a:solidFill>
+                <a:latin typeface="Arial" panose="020B0604020202020204" pitchFamily="34" charset="0"/>
+              </a:rPr>
+              <a:t>4. Remove ‘Class 12’ from ‘Degree’ Column</a:t>
+            </a:r>
+            <a:br>
+              <a:rPr lang="en-GB" sz="1800" b="0" i="0" dirty="0">
+                <a:solidFill>
+                  <a:srgbClr val="203232"/>
+                </a:solidFill>
+                <a:effectLst/>
+                <a:latin typeface="Arial" panose="020B0604020202020204" pitchFamily="34" charset="0"/>
+              </a:rPr>
+            </a:br>
+            <a:r>
+              <a:rPr lang="en-GB" sz="1800" b="0" i="0" dirty="0">
+                <a:solidFill>
+                  <a:srgbClr val="203232"/>
+                </a:solidFill>
+                <a:effectLst/>
+                <a:latin typeface="Arial" panose="020B0604020202020204" pitchFamily="34" charset="0"/>
+              </a:rPr>
+              <a:t>​</a:t>
+            </a:r>
+            <a:endParaRPr lang="en-GB" b="0" i="0" dirty="0">
+              <a:solidFill>
+                <a:srgbClr val="203232"/>
+              </a:solidFill>
+              <a:effectLst/>
+              <a:latin typeface="Arial" panose="020B0604020202020204" pitchFamily="34" charset="0"/>
+            </a:endParaRPr>
+          </a:p>
+          <a:p>
+            <a:pPr algn="l" rtl="0" fontAlgn="base">
+              <a:lnSpc>
+                <a:spcPts val="5520"/>
+              </a:lnSpc>
+              <a:buNone/>
+            </a:pPr>
+            <a:r>
+              <a:rPr lang="en-US" sz="4800" b="0" i="0" dirty="0">
+                <a:solidFill>
+                  <a:srgbClr val="203232"/>
+                </a:solidFill>
+                <a:effectLst/>
+                <a:latin typeface="Arial" panose="020B0604020202020204" pitchFamily="34" charset="0"/>
+              </a:rPr>
+              <a:t>​</a:t>
+            </a:r>
+            <a:endParaRPr lang="en-US" b="0" i="0" dirty="0">
+              <a:solidFill>
+                <a:srgbClr val="203232"/>
+              </a:solidFill>
+              <a:effectLst/>
+              <a:latin typeface="Segoe UI" panose="020B0502040204020203" pitchFamily="34" charset="0"/>
+            </a:endParaRPr>
+          </a:p>
+        </p:txBody>
+      </p:sp>
+      <p:sp>
+        <p:nvSpPr>
+          <p:cNvPr id="11" name="TextBox 10">
+            <a:extLst>
+              <a:ext uri="{FF2B5EF4-FFF2-40B4-BE49-F238E27FC236}">
+                <a16:creationId xmlns:a16="http://schemas.microsoft.com/office/drawing/2014/main" id="{435B9B9B-9E35-441C-C52D-ABD0A1386002}"/>
+              </a:ext>
+            </a:extLst>
+          </p:cNvPr>
+          <p:cNvSpPr txBox="1"/>
+          <p:nvPr/>
+        </p:nvSpPr>
+        <p:spPr>
+          <a:xfrm>
+            <a:off x="3743721" y="3580267"/>
+            <a:ext cx="8191561" cy="3139321"/>
+          </a:xfrm>
+          <a:prstGeom prst="rect">
+            <a:avLst/>
+          </a:prstGeom>
+          <a:noFill/>
+        </p:spPr>
+        <p:txBody>
           <a:bodyPr wrap="square" rtlCol="0">
             <a:spAutoFit/>
           </a:bodyPr>
           <a:lstStyle/>
           <a:p>
             <a:r>
-              <a:rPr lang="en-US" dirty="0" err="1"/>
-              <a:t>Piechart</a:t>
-            </a:r>
-            <a:r>
-              <a:rPr lang="en-US" dirty="0"/>
-              <a:t> of Depressed and Non-depressed students</a:t>
+              <a:rPr lang="en-US" dirty="0">
+                <a:solidFill>
+                  <a:srgbClr val="FF0000"/>
+                </a:solidFill>
+              </a:rPr>
+              <a:t>#check how many students are there of 'class 12’</a:t>
+            </a:r>
+          </a:p>
+          <a:p>
+            <a:r>
+              <a:rPr lang="en-US" dirty="0">
+                <a:solidFill>
+                  <a:srgbClr val="FF0000"/>
+                </a:solidFill>
+              </a:rPr>
+              <a:t>data %&gt;% </a:t>
+            </a:r>
+          </a:p>
+          <a:p>
+            <a:r>
+              <a:rPr lang="en-US" dirty="0">
+                <a:solidFill>
+                  <a:srgbClr val="FF0000"/>
+                </a:solidFill>
+              </a:rPr>
+              <a:t>   filter(Degree == "'Class 12'") %&gt;%  </a:t>
+            </a:r>
+          </a:p>
+          <a:p>
+            <a:r>
+              <a:rPr lang="en-US" dirty="0">
+                <a:solidFill>
+                  <a:srgbClr val="FF0000"/>
+                </a:solidFill>
+              </a:rPr>
+              <a:t>   </a:t>
+            </a:r>
+            <a:r>
+              <a:rPr lang="en-US" dirty="0" err="1">
+                <a:solidFill>
+                  <a:srgbClr val="FF0000"/>
+                </a:solidFill>
+              </a:rPr>
+              <a:t>nrow</a:t>
+            </a:r>
+            <a:r>
+              <a:rPr lang="en-US" dirty="0">
+                <a:solidFill>
+                  <a:srgbClr val="FF0000"/>
+                </a:solidFill>
+              </a:rPr>
+              <a:t>()</a:t>
+            </a:r>
+          </a:p>
+          <a:p>
+            <a:r>
+              <a:rPr lang="en-US" dirty="0">
+                <a:solidFill>
+                  <a:srgbClr val="FF0000"/>
+                </a:solidFill>
+              </a:rPr>
+              <a:t>6080 students are from class 12</a:t>
+            </a:r>
+          </a:p>
+          <a:p>
+            <a:endParaRPr lang="en-US" dirty="0">
+              <a:solidFill>
+                <a:srgbClr val="FF0000"/>
+              </a:solidFill>
+            </a:endParaRPr>
+          </a:p>
+          <a:p>
+            <a:r>
+              <a:rPr lang="en-US" dirty="0">
+                <a:solidFill>
+                  <a:srgbClr val="FF0000"/>
+                </a:solidFill>
+              </a:rPr>
+              <a:t>#remove 'Class 12' from Degree</a:t>
+            </a:r>
+          </a:p>
+          <a:p>
+            <a:r>
+              <a:rPr lang="en-US" dirty="0" err="1">
+                <a:solidFill>
+                  <a:srgbClr val="FF0000"/>
+                </a:solidFill>
+              </a:rPr>
+              <a:t>data_clean</a:t>
+            </a:r>
+            <a:r>
+              <a:rPr lang="en-US" dirty="0">
+                <a:solidFill>
+                  <a:srgbClr val="FF0000"/>
+                </a:solidFill>
+              </a:rPr>
+              <a:t> &lt;- </a:t>
+            </a:r>
+            <a:r>
+              <a:rPr lang="en-US" dirty="0" err="1">
+                <a:solidFill>
+                  <a:srgbClr val="FF0000"/>
+                </a:solidFill>
+              </a:rPr>
+              <a:t>data_clean</a:t>
+            </a:r>
+            <a:r>
+              <a:rPr lang="en-US" dirty="0">
+                <a:solidFill>
+                  <a:srgbClr val="FF0000"/>
+                </a:solidFill>
+              </a:rPr>
+              <a:t> %&gt;%  filter(Degree != "'Class 12’”)</a:t>
+            </a:r>
+          </a:p>
+          <a:p>
+            <a:endParaRPr lang="en-US" dirty="0">
+              <a:solidFill>
+                <a:srgbClr val="FF0000"/>
+              </a:solidFill>
+            </a:endParaRPr>
+          </a:p>
+          <a:p>
+            <a:r>
+              <a:rPr lang="en-US" dirty="0">
+                <a:solidFill>
+                  <a:srgbClr val="FF0000"/>
+                </a:solidFill>
+              </a:rPr>
+              <a:t>##find unique Degree values again to see whether noisy data still exists</a:t>
+            </a:r>
+          </a:p>
+          <a:p>
+            <a:r>
+              <a:rPr lang="en-US" dirty="0">
+                <a:solidFill>
+                  <a:srgbClr val="FF0000"/>
+                </a:solidFill>
+              </a:rPr>
+              <a:t>unique(</a:t>
+            </a:r>
+            <a:r>
+              <a:rPr lang="en-US" dirty="0" err="1">
+                <a:solidFill>
+                  <a:srgbClr val="FF0000"/>
+                </a:solidFill>
+              </a:rPr>
+              <a:t>data_clean$Degree</a:t>
+            </a:r>
+            <a:r>
+              <a:rPr lang="en-US" dirty="0">
+                <a:solidFill>
+                  <a:srgbClr val="FF0000"/>
+                </a:solidFill>
+              </a:rPr>
+              <a:t>)</a:t>
             </a:r>
           </a:p>
         </p:txBody>
       </p:sp>
       <p:pic>
         <p:nvPicPr>
-          <p:cNvPr id="3" name="Picture 2">
-            <a:extLst>
-              <a:ext uri="{FF2B5EF4-FFF2-40B4-BE49-F238E27FC236}">
-                <a16:creationId xmlns:a16="http://schemas.microsoft.com/office/drawing/2014/main" id="{181453B1-E0CA-5FFE-C188-AD1014B7D7EB}"/>
+          <p:cNvPr id="8" name="Picture 7">
+            <a:extLst>
+              <a:ext uri="{FF2B5EF4-FFF2-40B4-BE49-F238E27FC236}">
+                <a16:creationId xmlns:a16="http://schemas.microsoft.com/office/drawing/2014/main" id="{9A5BC706-61A9-5204-2B51-8F932ACD1812}"/>
               </a:ext>
             </a:extLst>
           </p:cNvPr>
@@ -8993,25 +12332,76 @@
           <p:nvPr/>
         </p:nvPicPr>
         <p:blipFill>
-          <a:blip r:embed="rId2"/>
+          <a:blip r:embed="rId5"/>
           <a:stretch>
             <a:fillRect/>
           </a:stretch>
         </p:blipFill>
         <p:spPr>
           <a:xfrm>
-            <a:off x="1484670" y="2699821"/>
-            <a:ext cx="4839119" cy="3467400"/>
+            <a:off x="965288" y="1992425"/>
+            <a:ext cx="6610987" cy="1506778"/>
           </a:xfrm>
           <a:prstGeom prst="rect">
             <a:avLst/>
           </a:prstGeom>
         </p:spPr>
       </p:pic>
+      <mc:AlternateContent xmlns:mc="http://schemas.openxmlformats.org/markup-compatibility/2006">
+        <mc:Choice xmlns:p14="http://schemas.microsoft.com/office/powerpoint/2010/main" Requires="p14">
+          <p:contentPart p14:bwMode="auto" r:id="rId6">
+            <p14:nvContentPartPr>
+              <p14:cNvPr id="10" name="Ink 9">
+                <a:extLst>
+                  <a:ext uri="{FF2B5EF4-FFF2-40B4-BE49-F238E27FC236}">
+                    <a16:creationId xmlns:a16="http://schemas.microsoft.com/office/drawing/2014/main" id="{4B8CD1BD-EBF6-C544-EF57-62486CCA8D9F}"/>
+                  </a:ext>
+                </a:extLst>
+              </p14:cNvPr>
+              <p14:cNvContentPartPr/>
+              <p14:nvPr/>
+            </p14:nvContentPartPr>
+            <p14:xfrm>
+              <a:off x="3864074" y="4876428"/>
+              <a:ext cx="472320" cy="19800"/>
+            </p14:xfrm>
+          </p:contentPart>
+        </mc:Choice>
+        <mc:Fallback>
+          <p:pic>
+            <p:nvPicPr>
+              <p:cNvPr id="10" name="Ink 9">
+                <a:extLst>
+                  <a:ext uri="{FF2B5EF4-FFF2-40B4-BE49-F238E27FC236}">
+                    <a16:creationId xmlns:a16="http://schemas.microsoft.com/office/drawing/2014/main" id="{4B8CD1BD-EBF6-C544-EF57-62486CCA8D9F}"/>
+                  </a:ext>
+                </a:extLst>
+              </p:cNvPr>
+              <p:cNvPicPr/>
+              <p:nvPr/>
+            </p:nvPicPr>
+            <p:blipFill>
+              <a:blip r:embed="rId7"/>
+              <a:stretch>
+                <a:fillRect/>
+              </a:stretch>
+            </p:blipFill>
+            <p:spPr>
+              <a:xfrm>
+                <a:off x="3810074" y="4768788"/>
+                <a:ext cx="579960" cy="235440"/>
+              </a:xfrm>
+              <a:prstGeom prst="rect">
+                <a:avLst/>
+              </a:prstGeom>
+            </p:spPr>
+          </p:pic>
+        </mc:Fallback>
+      </mc:AlternateContent>
     </p:spTree>
     <p:extLst>
       <p:ext uri="{BB962C8B-B14F-4D97-AF65-F5344CB8AC3E}">
-        <p14:creationId xmlns:p14="http://schemas.microsoft.com/office/powerpoint/2010/main" val="2103343374"/>
+        <p14:creationId xmlns:p14="http://schemas.microsoft.com/office/powerpoint/2010/main" val="1952290305"/>
       </p:ext>
     </p:extLst>
   </p:cSld>
@@ -9026,7 +12416,13 @@
   <p:cSld>
     <p:spTree>
       <p:nvGrpSpPr>
-        <p:cNvPr id="1" name=""/>
+        <p:cNvPr id="1" name="">
+          <a:extLst>
+            <a:ext uri="{FF2B5EF4-FFF2-40B4-BE49-F238E27FC236}">
+              <a16:creationId xmlns:a16="http://schemas.microsoft.com/office/drawing/2014/main" id="{1E423B69-9A45-C693-33B8-C5069A0D1223}"/>
+            </a:ext>
+          </a:extLst>
+        </p:cNvPr>
         <p:cNvGrpSpPr/>
         <p:nvPr/>
       </p:nvGrpSpPr>
@@ -9040,10 +12436,10 @@
       </p:grpSpPr>
       <p:sp>
         <p:nvSpPr>
-          <p:cNvPr id="3" name="Footer Placeholder 2">
-            <a:extLst>
-              <a:ext uri="{FF2B5EF4-FFF2-40B4-BE49-F238E27FC236}">
-                <a16:creationId xmlns:a16="http://schemas.microsoft.com/office/drawing/2014/main" id="{3C4D431B-7665-75B0-2D73-5BD588DCB766}"/>
+          <p:cNvPr id="2" name="Subtitle 1">
+            <a:extLst>
+              <a:ext uri="{FF2B5EF4-FFF2-40B4-BE49-F238E27FC236}">
+                <a16:creationId xmlns:a16="http://schemas.microsoft.com/office/drawing/2014/main" id="{E6BBF0DA-1866-B3A4-5FF9-A55E059F0A59}"/>
               </a:ext>
             </a:extLst>
           </p:cNvPr>
@@ -9051,23 +12447,35 @@
             <a:spLocks noGrp="1"/>
           </p:cNvSpPr>
           <p:nvPr>
-            <p:ph type="ftr" sz="quarter" idx="11"/>
+            <p:ph type="subTitle" idx="1"/>
           </p:nvPr>
         </p:nvSpPr>
         <p:spPr>
           <a:xfrm>
-            <a:off x="952800" y="262288"/>
-            <a:ext cx="7176911" cy="230832"/>
+            <a:off x="965288" y="1080637"/>
+            <a:ext cx="10774428" cy="588024"/>
           </a:xfrm>
         </p:spPr>
         <p:txBody>
           <a:bodyPr/>
           <a:lstStyle/>
           <a:p>
-            <a:r>
-              <a:rPr lang="en-GB" dirty="0"/>
-              <a:t>PRE 7COM1079-2022  Student Group No:  A 136</a:t>
-            </a:r>
+            <a:br>
+              <a:rPr lang="en-US" sz="2400" b="0" dirty="0">
+                <a:solidFill>
+                  <a:srgbClr val="FF0000"/>
+                </a:solidFill>
+                <a:latin typeface="Calibri" panose="020F0502020204030204" pitchFamily="34" charset="0"/>
+                <a:cs typeface="Calibri" panose="020F0502020204030204" pitchFamily="34" charset="0"/>
+              </a:rPr>
+            </a:br>
+            <a:endParaRPr lang="en-US" sz="2400" dirty="0">
+              <a:solidFill>
+                <a:schemeClr val="tx1"/>
+              </a:solidFill>
+              <a:latin typeface="Calibri" panose="020F0502020204030204" pitchFamily="34" charset="0"/>
+              <a:cs typeface="Calibri" panose="020F0502020204030204" pitchFamily="34" charset="0"/>
+            </a:endParaRPr>
           </a:p>
         </p:txBody>
       </p:sp>
@@ -9076,7 +12484,7 @@
           <p:cNvPr id="4" name="Slide Number Placeholder 3">
             <a:extLst>
               <a:ext uri="{FF2B5EF4-FFF2-40B4-BE49-F238E27FC236}">
-                <a16:creationId xmlns:a16="http://schemas.microsoft.com/office/drawing/2014/main" id="{1625FA15-B17F-387B-E383-5505647ABB89}"/>
+                <a16:creationId xmlns:a16="http://schemas.microsoft.com/office/drawing/2014/main" id="{BB9F6F1D-DD96-938E-74AD-4894748C0320}"/>
               </a:ext>
             </a:extLst>
           </p:cNvPr>
@@ -9103,56 +12511,351 @@
       </p:sp>
       <p:sp>
         <p:nvSpPr>
-          <p:cNvPr id="8" name="Subtitle 7">
-            <a:extLst>
-              <a:ext uri="{FF2B5EF4-FFF2-40B4-BE49-F238E27FC236}">
-                <a16:creationId xmlns:a16="http://schemas.microsoft.com/office/drawing/2014/main" id="{08296624-D625-8A51-63F8-EC461F283B3B}"/>
-              </a:ext>
-            </a:extLst>
-          </p:cNvPr>
-          <p:cNvSpPr>
-            <a:spLocks noGrp="1"/>
-          </p:cNvSpPr>
-          <p:nvPr>
-            <p:ph type="subTitle" idx="1"/>
-          </p:nvPr>
+          <p:cNvPr id="7" name="TextBox 6">
+            <a:extLst>
+              <a:ext uri="{FF2B5EF4-FFF2-40B4-BE49-F238E27FC236}">
+                <a16:creationId xmlns:a16="http://schemas.microsoft.com/office/drawing/2014/main" id="{068A4F3F-231A-8FEE-EB04-A4E6F976E3DB}"/>
+              </a:ext>
+            </a:extLst>
+          </p:cNvPr>
+          <p:cNvSpPr txBox="1"/>
+          <p:nvPr/>
         </p:nvSpPr>
         <p:spPr>
           <a:xfrm>
-            <a:off x="952800" y="680046"/>
-            <a:ext cx="9781369" cy="230833"/>
+            <a:off x="704787" y="400887"/>
+            <a:ext cx="9136942" cy="4552528"/>
           </a:xfrm>
-          <a:solidFill>
-            <a:schemeClr val="bg2"/>
-          </a:solidFill>
+          <a:prstGeom prst="rect">
+            <a:avLst/>
+          </a:prstGeom>
+          <a:noFill/>
         </p:spPr>
         <p:txBody>
-          <a:bodyPr/>
+          <a:bodyPr wrap="square">
+            <a:spAutoFit/>
+          </a:bodyPr>
           <a:lstStyle/>
           <a:p>
-            <a:pPr>
+            <a:pPr algn="l" rtl="0" fontAlgn="base">
               <a:lnSpc>
-                <a:spcPct val="100000"/>
+                <a:spcPts val="1987"/>
               </a:lnSpc>
             </a:pPr>
             <a:r>
-              <a:rPr lang="en-GB" b="0" dirty="0">
+              <a:rPr lang="en-US" sz="1800" b="1" i="0" u="none" strike="noStrike" dirty="0">
                 <a:solidFill>
                   <a:srgbClr val="FF0000"/>
                 </a:solidFill>
-              </a:rPr>
-              <a:t>2. Boxplot</a:t>
-            </a:r>
-            <a:endParaRPr lang="en-GB" b="0" i="1" dirty="0"/>
+                <a:effectLst/>
+                <a:latin typeface="Arial" panose="020B0604020202020204" pitchFamily="34" charset="0"/>
+              </a:rPr>
+              <a:t>Total number </a:t>
+            </a:r>
+            <a:r>
+              <a:rPr lang="en-US" b="1" dirty="0">
+                <a:solidFill>
+                  <a:srgbClr val="FF0000"/>
+                </a:solidFill>
+                <a:latin typeface="Arial" panose="020B0604020202020204" pitchFamily="34" charset="0"/>
+              </a:rPr>
+              <a:t>of Rows after Data Cleaning and Filtering</a:t>
+            </a:r>
+          </a:p>
+          <a:p>
+            <a:pPr algn="l" rtl="0" fontAlgn="base">
+              <a:lnSpc>
+                <a:spcPts val="1987"/>
+              </a:lnSpc>
+            </a:pPr>
+            <a:endParaRPr lang="en-US" sz="1800" b="1" i="0" u="none" strike="noStrike" dirty="0">
+              <a:solidFill>
+                <a:srgbClr val="FF0000"/>
+              </a:solidFill>
+              <a:effectLst/>
+              <a:latin typeface="Arial" panose="020B0604020202020204" pitchFamily="34" charset="0"/>
+            </a:endParaRPr>
+          </a:p>
+          <a:p>
+            <a:pPr latinLnBrk="1"/>
+            <a:r>
+              <a:rPr lang="en-US" dirty="0">
+                <a:solidFill>
+                  <a:srgbClr val="FF0000"/>
+                </a:solidFill>
+              </a:rPr>
+              <a:t>&gt; print(paste("Rows after cleaning:", </a:t>
+            </a:r>
+            <a:r>
+              <a:rPr lang="en-US" dirty="0" err="1">
+                <a:solidFill>
+                  <a:srgbClr val="FF0000"/>
+                </a:solidFill>
+              </a:rPr>
+              <a:t>nrow</a:t>
+            </a:r>
+            <a:r>
+              <a:rPr lang="en-US" dirty="0">
+                <a:solidFill>
+                  <a:srgbClr val="FF0000"/>
+                </a:solidFill>
+              </a:rPr>
+              <a:t>(</a:t>
+            </a:r>
+            <a:r>
+              <a:rPr lang="en-US" dirty="0" err="1">
+                <a:solidFill>
+                  <a:srgbClr val="FF0000"/>
+                </a:solidFill>
+              </a:rPr>
+              <a:t>data_clean</a:t>
+            </a:r>
+            <a:r>
+              <a:rPr lang="en-US" dirty="0">
+                <a:solidFill>
+                  <a:srgbClr val="FF0000"/>
+                </a:solidFill>
+              </a:rPr>
+              <a:t>)))</a:t>
+            </a:r>
+          </a:p>
+          <a:p>
+            <a:pPr latinLnBrk="1"/>
+            <a:r>
+              <a:rPr lang="en-US" dirty="0">
+                <a:solidFill>
+                  <a:srgbClr val="FF0000"/>
+                </a:solidFill>
+              </a:rPr>
+              <a:t>[1] "Rows after cleaning: 21767“</a:t>
+            </a:r>
+          </a:p>
+          <a:p>
+            <a:pPr latinLnBrk="1"/>
+            <a:endParaRPr lang="en-US" dirty="0">
+              <a:solidFill>
+                <a:srgbClr val="FF0000"/>
+              </a:solidFill>
+            </a:endParaRPr>
+          </a:p>
+          <a:p>
+            <a:pPr latinLnBrk="1"/>
+            <a:r>
+              <a:rPr lang="en-US" dirty="0">
+                <a:solidFill>
+                  <a:srgbClr val="FF0000"/>
+                </a:solidFill>
+              </a:rPr>
+              <a:t>&gt; </a:t>
+            </a:r>
+            <a:r>
+              <a:rPr lang="en-US" dirty="0" err="1">
+                <a:solidFill>
+                  <a:srgbClr val="FF0000"/>
+                </a:solidFill>
+              </a:rPr>
+              <a:t>nrow</a:t>
+            </a:r>
+            <a:r>
+              <a:rPr lang="en-US" dirty="0">
+                <a:solidFill>
+                  <a:srgbClr val="FF0000"/>
+                </a:solidFill>
+              </a:rPr>
+              <a:t>(data)          # original</a:t>
+            </a:r>
+          </a:p>
+          <a:p>
+            <a:pPr latinLnBrk="1"/>
+            <a:r>
+              <a:rPr lang="en-US" dirty="0">
+                <a:solidFill>
+                  <a:srgbClr val="FF0000"/>
+                </a:solidFill>
+              </a:rPr>
+              <a:t> 27901</a:t>
+            </a:r>
+          </a:p>
+          <a:p>
+            <a:pPr latinLnBrk="1"/>
+            <a:endParaRPr lang="en-US" dirty="0">
+              <a:solidFill>
+                <a:srgbClr val="FF0000"/>
+              </a:solidFill>
+            </a:endParaRPr>
+          </a:p>
+          <a:p>
+            <a:pPr latinLnBrk="1"/>
+            <a:r>
+              <a:rPr lang="en-US" dirty="0">
+                <a:solidFill>
+                  <a:srgbClr val="FF0000"/>
+                </a:solidFill>
+              </a:rPr>
+              <a:t>&gt; </a:t>
+            </a:r>
+            <a:r>
+              <a:rPr lang="en-US" dirty="0" err="1">
+                <a:solidFill>
+                  <a:srgbClr val="FF0000"/>
+                </a:solidFill>
+              </a:rPr>
+              <a:t>nrow</a:t>
+            </a:r>
+            <a:r>
+              <a:rPr lang="en-US" dirty="0">
+                <a:solidFill>
+                  <a:srgbClr val="FF0000"/>
+                </a:solidFill>
+              </a:rPr>
+              <a:t>(</a:t>
+            </a:r>
+            <a:r>
+              <a:rPr lang="en-US" dirty="0" err="1">
+                <a:solidFill>
+                  <a:srgbClr val="FF0000"/>
+                </a:solidFill>
+              </a:rPr>
+              <a:t>data_clean</a:t>
+            </a:r>
+            <a:r>
+              <a:rPr lang="en-US" dirty="0">
+                <a:solidFill>
+                  <a:srgbClr val="FF0000"/>
+                </a:solidFill>
+              </a:rPr>
+              <a:t>)    # cleaned</a:t>
+            </a:r>
+          </a:p>
+          <a:p>
+            <a:pPr latinLnBrk="1"/>
+            <a:r>
+              <a:rPr lang="en-US" dirty="0">
+                <a:solidFill>
+                  <a:srgbClr val="FF0000"/>
+                </a:solidFill>
+              </a:rPr>
+              <a:t> 21767</a:t>
+            </a:r>
+          </a:p>
+          <a:p>
+            <a:pPr algn="l" rtl="0" fontAlgn="base">
+              <a:lnSpc>
+                <a:spcPts val="1987"/>
+              </a:lnSpc>
+            </a:pPr>
+            <a:endParaRPr lang="en-US" sz="1800" b="1" i="0" u="none" strike="noStrike" dirty="0">
+              <a:solidFill>
+                <a:srgbClr val="FF0000"/>
+              </a:solidFill>
+              <a:effectLst/>
+              <a:latin typeface="Arial" panose="020B0604020202020204" pitchFamily="34" charset="0"/>
+            </a:endParaRPr>
+          </a:p>
+          <a:p>
+            <a:pPr algn="l" rtl="0" fontAlgn="base">
+              <a:lnSpc>
+                <a:spcPts val="1987"/>
+              </a:lnSpc>
+            </a:pPr>
+            <a:br>
+              <a:rPr lang="en-GB" sz="1800" b="0" i="0" dirty="0">
+                <a:solidFill>
+                  <a:srgbClr val="203232"/>
+                </a:solidFill>
+                <a:effectLst/>
+                <a:latin typeface="Arial" panose="020B0604020202020204" pitchFamily="34" charset="0"/>
+              </a:rPr>
+            </a:br>
+            <a:r>
+              <a:rPr lang="en-GB" sz="1800" b="1" i="0" dirty="0">
+                <a:solidFill>
+                  <a:srgbClr val="FF0000"/>
+                </a:solidFill>
+                <a:effectLst/>
+                <a:latin typeface="Arial" panose="020B0604020202020204" pitchFamily="34" charset="0"/>
+              </a:rPr>
+              <a:t>​</a:t>
+            </a:r>
+            <a:r>
+              <a:rPr lang="en-GB" b="1" dirty="0">
+                <a:solidFill>
+                  <a:srgbClr val="FF0000"/>
+                </a:solidFill>
+                <a:latin typeface="Arial" panose="020B0604020202020204" pitchFamily="34" charset="0"/>
+              </a:rPr>
+              <a:t>O</a:t>
+            </a:r>
+            <a:r>
+              <a:rPr lang="en-GB" sz="1800" b="1" i="0" dirty="0">
+                <a:solidFill>
+                  <a:srgbClr val="FF0000"/>
+                </a:solidFill>
+                <a:effectLst/>
+                <a:latin typeface="Arial" panose="020B0604020202020204" pitchFamily="34" charset="0"/>
+              </a:rPr>
+              <a:t>ther interesting facts about the dataset</a:t>
+            </a:r>
+            <a:br>
+              <a:rPr lang="en-GB" sz="1800" b="0" i="0" dirty="0">
+                <a:solidFill>
+                  <a:srgbClr val="203232"/>
+                </a:solidFill>
+                <a:effectLst/>
+                <a:latin typeface="Arial" panose="020B0604020202020204" pitchFamily="34" charset="0"/>
+              </a:rPr>
+            </a:br>
+            <a:r>
+              <a:rPr lang="en-GB" sz="1800" b="0" i="0" dirty="0">
+                <a:solidFill>
+                  <a:srgbClr val="203232"/>
+                </a:solidFill>
+                <a:effectLst/>
+                <a:latin typeface="Arial" panose="020B0604020202020204" pitchFamily="34" charset="0"/>
+              </a:rPr>
+              <a:t>​</a:t>
+            </a:r>
+            <a:endParaRPr lang="en-GB" b="0" i="0" dirty="0">
+              <a:solidFill>
+                <a:srgbClr val="203232"/>
+              </a:solidFill>
+              <a:effectLst/>
+              <a:latin typeface="Arial" panose="020B0604020202020204" pitchFamily="34" charset="0"/>
+            </a:endParaRPr>
+          </a:p>
+          <a:p>
+            <a:pPr algn="l" rtl="0" fontAlgn="base">
+              <a:lnSpc>
+                <a:spcPts val="5520"/>
+              </a:lnSpc>
+              <a:buNone/>
+            </a:pPr>
+            <a:r>
+              <a:rPr lang="en-US" sz="4800" b="0" i="0" dirty="0">
+                <a:solidFill>
+                  <a:srgbClr val="203232"/>
+                </a:solidFill>
+                <a:effectLst/>
+                <a:latin typeface="Arial" panose="020B0604020202020204" pitchFamily="34" charset="0"/>
+              </a:rPr>
+              <a:t>​</a:t>
+            </a:r>
+            <a:endParaRPr lang="en-US" b="0" i="0" dirty="0">
+              <a:solidFill>
+                <a:srgbClr val="203232"/>
+              </a:solidFill>
+              <a:effectLst/>
+              <a:latin typeface="Segoe UI" panose="020B0502040204020203" pitchFamily="34" charset="0"/>
+            </a:endParaRPr>
           </a:p>
         </p:txBody>
       </p:sp>
       <p:pic>
         <p:nvPicPr>
-          <p:cNvPr id="5" name="Picture 4">
-            <a:extLst>
-              <a:ext uri="{FF2B5EF4-FFF2-40B4-BE49-F238E27FC236}">
-                <a16:creationId xmlns:a16="http://schemas.microsoft.com/office/drawing/2014/main" id="{E0ED4422-C9FA-BF9D-E4BD-9ADA0FB5B3BF}"/>
+          <p:cNvPr id="8" name="Picture 7" descr="A white background with black text&#10;&#10;AI-generated content may be incorrect.">
+            <a:extLst>
+              <a:ext uri="{FF2B5EF4-FFF2-40B4-BE49-F238E27FC236}">
+                <a16:creationId xmlns:a16="http://schemas.microsoft.com/office/drawing/2014/main" id="{F4C8E9B9-EE7C-5E7D-2BB7-6FDEEF556BBB}"/>
               </a:ext>
             </a:extLst>
           </p:cNvPr>
@@ -9169,18 +12872,120 @@
         </p:blipFill>
         <p:spPr>
           <a:xfrm>
-            <a:off x="2585651" y="1459059"/>
-            <a:ext cx="6515665" cy="3939881"/>
+            <a:off x="868464" y="4012621"/>
+            <a:ext cx="6377910" cy="1379272"/>
           </a:xfrm>
           <a:prstGeom prst="rect">
             <a:avLst/>
           </a:prstGeom>
         </p:spPr>
       </p:pic>
+      <mc:AlternateContent xmlns:mc="http://schemas.openxmlformats.org/markup-compatibility/2006">
+        <mc:Choice xmlns:p14="http://schemas.microsoft.com/office/powerpoint/2010/main" Requires="p14">
+          <p:contentPart p14:bwMode="auto" r:id="rId4">
+            <p14:nvContentPartPr>
+              <p14:cNvPr id="9" name="Ink 8">
+                <a:extLst>
+                  <a:ext uri="{FF2B5EF4-FFF2-40B4-BE49-F238E27FC236}">
+                    <a16:creationId xmlns:a16="http://schemas.microsoft.com/office/drawing/2014/main" id="{60802185-8F5F-98BA-5FC8-62817ADEF550}"/>
+                  </a:ext>
+                </a:extLst>
+              </p14:cNvPr>
+              <p14:cNvContentPartPr/>
+              <p14:nvPr/>
+            </p14:nvContentPartPr>
+            <p14:xfrm>
+              <a:off x="3480314" y="4590948"/>
+              <a:ext cx="746640" cy="20880"/>
+            </p14:xfrm>
+          </p:contentPart>
+        </mc:Choice>
+        <mc:Fallback>
+          <p:pic>
+            <p:nvPicPr>
+              <p:cNvPr id="9" name="Ink 8">
+                <a:extLst>
+                  <a:ext uri="{FF2B5EF4-FFF2-40B4-BE49-F238E27FC236}">
+                    <a16:creationId xmlns:a16="http://schemas.microsoft.com/office/drawing/2014/main" id="{60802185-8F5F-98BA-5FC8-62817ADEF550}"/>
+                  </a:ext>
+                </a:extLst>
+              </p:cNvPr>
+              <p:cNvPicPr/>
+              <p:nvPr/>
+            </p:nvPicPr>
+            <p:blipFill>
+              <a:blip r:embed="rId5"/>
+              <a:stretch>
+                <a:fillRect/>
+              </a:stretch>
+            </p:blipFill>
+            <p:spPr>
+              <a:xfrm>
+                <a:off x="3426674" y="4483308"/>
+                <a:ext cx="854280" cy="236520"/>
+              </a:xfrm>
+              <a:prstGeom prst="rect">
+                <a:avLst/>
+              </a:prstGeom>
+            </p:spPr>
+          </p:pic>
+        </mc:Fallback>
+      </mc:AlternateContent>
+      <mc:AlternateContent xmlns:mc="http://schemas.openxmlformats.org/markup-compatibility/2006">
+        <mc:Choice xmlns:p14="http://schemas.microsoft.com/office/powerpoint/2010/main" Requires="p14">
+          <p:contentPart p14:bwMode="auto" r:id="rId6">
+            <p14:nvContentPartPr>
+              <p14:cNvPr id="10" name="Ink 9">
+                <a:extLst>
+                  <a:ext uri="{FF2B5EF4-FFF2-40B4-BE49-F238E27FC236}">
+                    <a16:creationId xmlns:a16="http://schemas.microsoft.com/office/drawing/2014/main" id="{DAAB97BD-C279-2836-3E0C-32A8E4019852}"/>
+                  </a:ext>
+                </a:extLst>
+              </p14:cNvPr>
+              <p14:cNvContentPartPr/>
+              <p14:nvPr/>
+            </p14:nvContentPartPr>
+            <p14:xfrm>
+              <a:off x="4905914" y="5141028"/>
+              <a:ext cx="705240" cy="20880"/>
+            </p14:xfrm>
+          </p:contentPart>
+        </mc:Choice>
+        <mc:Fallback>
+          <p:pic>
+            <p:nvPicPr>
+              <p:cNvPr id="10" name="Ink 9">
+                <a:extLst>
+                  <a:ext uri="{FF2B5EF4-FFF2-40B4-BE49-F238E27FC236}">
+                    <a16:creationId xmlns:a16="http://schemas.microsoft.com/office/drawing/2014/main" id="{DAAB97BD-C279-2836-3E0C-32A8E4019852}"/>
+                  </a:ext>
+                </a:extLst>
+              </p:cNvPr>
+              <p:cNvPicPr/>
+              <p:nvPr/>
+            </p:nvPicPr>
+            <p:blipFill>
+              <a:blip r:embed="rId7"/>
+              <a:stretch>
+                <a:fillRect/>
+              </a:stretch>
+            </p:blipFill>
+            <p:spPr>
+              <a:xfrm>
+                <a:off x="4852274" y="5033388"/>
+                <a:ext cx="812880" cy="236520"/>
+              </a:xfrm>
+              <a:prstGeom prst="rect">
+                <a:avLst/>
+              </a:prstGeom>
+            </p:spPr>
+          </p:pic>
+        </mc:Fallback>
+      </mc:AlternateContent>
     </p:spTree>
     <p:extLst>
       <p:ext uri="{BB962C8B-B14F-4D97-AF65-F5344CB8AC3E}">
-        <p14:creationId xmlns:p14="http://schemas.microsoft.com/office/powerpoint/2010/main" val="2723358785"/>
+        <p14:creationId xmlns:p14="http://schemas.microsoft.com/office/powerpoint/2010/main" val="2837724123"/>
       </p:ext>
     </p:extLst>
   </p:cSld>
@@ -9212,7 +13017,7 @@
           <p:cNvPr id="2" name="Subtitle 1">
             <a:extLst>
               <a:ext uri="{FF2B5EF4-FFF2-40B4-BE49-F238E27FC236}">
-                <a16:creationId xmlns:a16="http://schemas.microsoft.com/office/drawing/2014/main" id="{A3BCDAA3-A3AD-A880-5E9C-0E1ABBC0A463}"/>
+                <a16:creationId xmlns:a16="http://schemas.microsoft.com/office/drawing/2014/main" id="{E31262B9-84B0-C1A5-543C-8FA0F2459C07}"/>
               </a:ext>
             </a:extLst>
           </p:cNvPr>
@@ -9225,8 +13030,8 @@
         </p:nvSpPr>
         <p:spPr>
           <a:xfrm>
-            <a:off x="3992167" y="2997174"/>
-            <a:ext cx="4375084" cy="1060297"/>
+            <a:off x="3154458" y="3069000"/>
+            <a:ext cx="7200000" cy="360000"/>
           </a:xfrm>
         </p:spPr>
         <p:txBody>
@@ -9235,7 +13040,7 @@
           <a:p>
             <a:r>
               <a:rPr lang="en-US" dirty="0"/>
-              <a:t>Part 2: Analysis</a:t>
+              <a:t>Part 1: VISUALISATION</a:t>
             </a:r>
             <a:endParaRPr lang="en-GB" dirty="0"/>
           </a:p>
@@ -9246,7 +13051,7 @@
           <p:cNvPr id="4" name="Slide Number Placeholder 3">
             <a:extLst>
               <a:ext uri="{FF2B5EF4-FFF2-40B4-BE49-F238E27FC236}">
-                <a16:creationId xmlns:a16="http://schemas.microsoft.com/office/drawing/2014/main" id="{953BD585-11D8-30FD-4A30-9F1639F0D149}"/>
+                <a16:creationId xmlns:a16="http://schemas.microsoft.com/office/drawing/2014/main" id="{2B0B5058-8385-6382-3B48-5ADE78EDFDAD}"/>
               </a:ext>
             </a:extLst>
           </p:cNvPr>
@@ -9274,7 +13079,7 @@
     </p:spTree>
     <p:extLst>
       <p:ext uri="{BB962C8B-B14F-4D97-AF65-F5344CB8AC3E}">
-        <p14:creationId xmlns:p14="http://schemas.microsoft.com/office/powerpoint/2010/main" val="1771321156"/>
+        <p14:creationId xmlns:p14="http://schemas.microsoft.com/office/powerpoint/2010/main" val="2339144795"/>
       </p:ext>
     </p:extLst>
   </p:cSld>
@@ -10136,15 +13941,6 @@
 </file>
 
 <file path=customXml/item1.xml><?xml version="1.0" encoding="utf-8"?>
-<?mso-contentType ?>
-<FormTemplates xmlns="http://schemas.microsoft.com/sharepoint/v3/contenttype/forms">
-  <Display>DocumentLibraryForm</Display>
-  <Edit>DocumentLibraryForm</Edit>
-  <New>DocumentLibraryForm</New>
-</FormTemplates>
-</file>
-
-<file path=customXml/item2.xml><?xml version="1.0" encoding="utf-8"?>
 <ct:contentTypeSchema xmlns:ct="http://schemas.microsoft.com/office/2006/metadata/contentType" xmlns:ma="http://schemas.microsoft.com/office/2006/metadata/properties/metaAttributes" ct:_="" ma:_="" ma:contentTypeName="Document" ma:contentTypeID="0x01010026DBA85F447B164191BB36C258697B67" ma:contentTypeVersion="14" ma:contentTypeDescription="Create a new document." ma:contentTypeScope="" ma:versionID="ea511d05ca7f895fe9556935b5c9af34">
   <xsd:schema xmlns:xsd="http://www.w3.org/2001/XMLSchema" xmlns:xs="http://www.w3.org/2001/XMLSchema" xmlns:p="http://schemas.microsoft.com/office/2006/metadata/properties" xmlns:ns2="4ad138b4-2b68-4b70-945d-07f8f18b1c9a" xmlns:ns3="3c474641-ec36-472f-b125-6b1b0910eaa4" targetNamespace="http://schemas.microsoft.com/office/2006/metadata/properties" ma:root="true" ma:fieldsID="662270106d7a7e100bcac2c5f8d29899" ns2:_="" ns3:_="">
     <xsd:import namespace="4ad138b4-2b68-4b70-945d-07f8f18b1c9a"/>
@@ -10369,6 +14165,15 @@
 </ct:contentTypeSchema>
 </file>
 
+<file path=customXml/item2.xml><?xml version="1.0" encoding="utf-8"?>
+<?mso-contentType ?>
+<FormTemplates xmlns="http://schemas.microsoft.com/sharepoint/v3/contenttype/forms">
+  <Display>DocumentLibraryForm</Display>
+  <Edit>DocumentLibraryForm</Edit>
+  <New>DocumentLibraryForm</New>
+</FormTemplates>
+</file>
+
 <file path=customXml/item3.xml><?xml version="1.0" encoding="utf-8"?>
 <p:properties xmlns:p="http://schemas.microsoft.com/office/2006/metadata/properties" xmlns:xsi="http://www.w3.org/2001/XMLSchema-instance" xmlns:pc="http://schemas.microsoft.com/office/infopath/2007/PartnerControls">
   <documentManagement>
@@ -10378,14 +14183,6 @@
 </file>
 
 <file path=customXml/itemProps1.xml><?xml version="1.0" encoding="utf-8"?>
-<ds:datastoreItem xmlns:ds="http://schemas.openxmlformats.org/officeDocument/2006/customXml" ds:itemID="{91C521DD-2673-4EE6-BB9B-DC5C3320FFBB}">
-  <ds:schemaRefs>
-    <ds:schemaRef ds:uri="http://schemas.microsoft.com/sharepoint/v3/contenttype/forms"/>
-  </ds:schemaRefs>
-</ds:datastoreItem>
-</file>
-
-<file path=customXml/itemProps2.xml><?xml version="1.0" encoding="utf-8"?>
 <ds:datastoreItem xmlns:ds="http://schemas.openxmlformats.org/officeDocument/2006/customXml" ds:itemID="{421B8C57-903D-4D0E-8336-7B512F760CD1}">
   <ds:schemaRefs>
     <ds:schemaRef ds:uri="3c474641-ec36-472f-b125-6b1b0910eaa4"/>
@@ -10400,6 +14197,14 @@
     <ds:schemaRef ds:uri="http://schemas.microsoft.com/office/infopath/2007/PartnerControls"/>
     <ds:schemaRef ds:uri="http://schemas.openxmlformats.org/package/2006/metadata/core-properties"/>
     <ds:schemaRef ds:uri="http://www.w3.org/2001/XMLSchema"/>
+  </ds:schemaRefs>
+</ds:datastoreItem>
+</file>
+
+<file path=customXml/itemProps2.xml><?xml version="1.0" encoding="utf-8"?>
+<ds:datastoreItem xmlns:ds="http://schemas.openxmlformats.org/officeDocument/2006/customXml" ds:itemID="{91C521DD-2673-4EE6-BB9B-DC5C3320FFBB}">
+  <ds:schemaRefs>
+    <ds:schemaRef ds:uri="http://schemas.microsoft.com/sharepoint/v3/contenttype/forms"/>
   </ds:schemaRefs>
 </ds:datastoreItem>
 </file>
